--- a/MobAppFinalPresent.pptx
+++ b/MobAppFinalPresent.pptx
@@ -121,7 +121,7 @@
   </p:defaultTextStyle>
   <p:extLst>
     <p:ext uri="{EFAFB233-063F-42B5-8137-9DF3F51BA10A}">
-      <p15:sldGuideLst xmlns:p15="http://schemas.microsoft.com/office/powerpoint/2012/main" xmlns="">
+      <p15:sldGuideLst xmlns:p15="http://schemas.microsoft.com/office/powerpoint/2012/main">
         <p15:guide id="1" orient="horz" pos="2160">
           <p15:clr>
             <a:srgbClr val="A4A3A4"/>
@@ -221,7 +221,7 @@
             <a:fld id="{4A33FB36-6EF8-4692-8B0F-0E50E7267C39}" type="datetimeFigureOut">
               <a:rPr lang="en-US" smtClean="0"/>
               <a:pPr/>
-              <a:t>11/14/2015</a:t>
+              <a:t>11/15/2015</a:t>
             </a:fld>
             <a:endParaRPr lang="en-US"/>
           </a:p>
@@ -1141,7 +1141,7 @@
             <a:fld id="{2CC031FC-700A-4711-97F2-14A15C18F49D}" type="datetimeFigureOut">
               <a:rPr lang="en-US" smtClean="0"/>
               <a:pPr/>
-              <a:t>11/14/2015</a:t>
+              <a:t>11/15/2015</a:t>
             </a:fld>
             <a:endParaRPr lang="en-US"/>
           </a:p>
@@ -1441,7 +1441,7 @@
             <a:fld id="{2CC031FC-700A-4711-97F2-14A15C18F49D}" type="datetimeFigureOut">
               <a:rPr lang="en-US" smtClean="0"/>
               <a:pPr/>
-              <a:t>11/14/2015</a:t>
+              <a:t>11/15/2015</a:t>
             </a:fld>
             <a:endParaRPr lang="en-US"/>
           </a:p>
@@ -1635,7 +1635,7 @@
             <a:fld id="{2CC031FC-700A-4711-97F2-14A15C18F49D}" type="datetimeFigureOut">
               <a:rPr lang="en-US" smtClean="0"/>
               <a:pPr/>
-              <a:t>11/14/2015</a:t>
+              <a:t>11/15/2015</a:t>
             </a:fld>
             <a:endParaRPr lang="en-US"/>
           </a:p>
@@ -1898,7 +1898,7 @@
             <a:fld id="{2CC031FC-700A-4711-97F2-14A15C18F49D}" type="datetimeFigureOut">
               <a:rPr lang="en-US" smtClean="0"/>
               <a:pPr/>
-              <a:t>11/14/2015</a:t>
+              <a:t>11/15/2015</a:t>
             </a:fld>
             <a:endParaRPr lang="en-US"/>
           </a:p>
@@ -2324,7 +2324,7 @@
             <a:fld id="{2CC031FC-700A-4711-97F2-14A15C18F49D}" type="datetimeFigureOut">
               <a:rPr lang="en-US" smtClean="0"/>
               <a:pPr/>
-              <a:t>11/14/2015</a:t>
+              <a:t>11/15/2015</a:t>
             </a:fld>
             <a:endParaRPr lang="en-US"/>
           </a:p>
@@ -2863,7 +2863,7 @@
             <a:fld id="{2CC031FC-700A-4711-97F2-14A15C18F49D}" type="datetimeFigureOut">
               <a:rPr lang="en-US" smtClean="0"/>
               <a:pPr/>
-              <a:t>11/14/2015</a:t>
+              <a:t>11/15/2015</a:t>
             </a:fld>
             <a:endParaRPr lang="en-US"/>
           </a:p>
@@ -3729,7 +3729,7 @@
             <a:fld id="{2CC031FC-700A-4711-97F2-14A15C18F49D}" type="datetimeFigureOut">
               <a:rPr lang="en-US" smtClean="0"/>
               <a:pPr/>
-              <a:t>11/14/2015</a:t>
+              <a:t>11/15/2015</a:t>
             </a:fld>
             <a:endParaRPr lang="en-US"/>
           </a:p>
@@ -3901,7 +3901,7 @@
             <a:fld id="{2CC031FC-700A-4711-97F2-14A15C18F49D}" type="datetimeFigureOut">
               <a:rPr lang="en-US" smtClean="0"/>
               <a:pPr/>
-              <a:t>11/14/2015</a:t>
+              <a:t>11/15/2015</a:t>
             </a:fld>
             <a:endParaRPr lang="en-US"/>
           </a:p>
@@ -4087,7 +4087,7 @@
             <a:fld id="{2CC031FC-700A-4711-97F2-14A15C18F49D}" type="datetimeFigureOut">
               <a:rPr lang="en-US" smtClean="0"/>
               <a:pPr/>
-              <a:t>11/14/2015</a:t>
+              <a:t>11/15/2015</a:t>
             </a:fld>
             <a:endParaRPr lang="en-US"/>
           </a:p>
@@ -4259,7 +4259,7 @@
             <a:fld id="{2CC031FC-700A-4711-97F2-14A15C18F49D}" type="datetimeFigureOut">
               <a:rPr lang="en-US" smtClean="0"/>
               <a:pPr/>
-              <a:t>11/14/2015</a:t>
+              <a:t>11/15/2015</a:t>
             </a:fld>
             <a:endParaRPr lang="en-US"/>
           </a:p>
@@ -4505,7 +4505,7 @@
             <a:fld id="{2CC031FC-700A-4711-97F2-14A15C18F49D}" type="datetimeFigureOut">
               <a:rPr lang="en-US" smtClean="0"/>
               <a:pPr/>
-              <a:t>11/14/2015</a:t>
+              <a:t>11/15/2015</a:t>
             </a:fld>
             <a:endParaRPr lang="en-US"/>
           </a:p>
@@ -4743,7 +4743,7 @@
             <a:fld id="{2CC031FC-700A-4711-97F2-14A15C18F49D}" type="datetimeFigureOut">
               <a:rPr lang="en-US" smtClean="0"/>
               <a:pPr/>
-              <a:t>11/14/2015</a:t>
+              <a:t>11/15/2015</a:t>
             </a:fld>
             <a:endParaRPr lang="en-US"/>
           </a:p>
@@ -5211,7 +5211,7 @@
             <a:fld id="{2CC031FC-700A-4711-97F2-14A15C18F49D}" type="datetimeFigureOut">
               <a:rPr lang="en-US" smtClean="0"/>
               <a:pPr/>
-              <a:t>11/14/2015</a:t>
+              <a:t>11/15/2015</a:t>
             </a:fld>
             <a:endParaRPr lang="en-US"/>
           </a:p>
@@ -5331,7 +5331,7 @@
             <a:fld id="{2CC031FC-700A-4711-97F2-14A15C18F49D}" type="datetimeFigureOut">
               <a:rPr lang="en-US" smtClean="0"/>
               <a:pPr/>
-              <a:t>11/14/2015</a:t>
+              <a:t>11/15/2015</a:t>
             </a:fld>
             <a:endParaRPr lang="en-US"/>
           </a:p>
@@ -5428,7 +5428,7 @@
             <a:fld id="{2CC031FC-700A-4711-97F2-14A15C18F49D}" type="datetimeFigureOut">
               <a:rPr lang="en-US" smtClean="0"/>
               <a:pPr/>
-              <a:t>11/14/2015</a:t>
+              <a:t>11/15/2015</a:t>
             </a:fld>
             <a:endParaRPr lang="en-US"/>
           </a:p>
@@ -5685,7 +5685,7 @@
             <a:fld id="{2CC031FC-700A-4711-97F2-14A15C18F49D}" type="datetimeFigureOut">
               <a:rPr lang="en-US" smtClean="0"/>
               <a:pPr/>
-              <a:t>11/14/2015</a:t>
+              <a:t>11/15/2015</a:t>
             </a:fld>
             <a:endParaRPr lang="en-US"/>
           </a:p>
@@ -5987,7 +5987,7 @@
             <a:fld id="{2CC031FC-700A-4711-97F2-14A15C18F49D}" type="datetimeFigureOut">
               <a:rPr lang="en-US" smtClean="0"/>
               <a:pPr/>
-              <a:t>11/14/2015</a:t>
+              <a:t>11/15/2015</a:t>
             </a:fld>
             <a:endParaRPr lang="en-US"/>
           </a:p>
@@ -6223,7 +6223,7 @@
             <a:fld id="{2CC031FC-700A-4711-97F2-14A15C18F49D}" type="datetimeFigureOut">
               <a:rPr lang="en-US" smtClean="0"/>
               <a:pPr/>
-              <a:t>11/14/2015</a:t>
+              <a:t>11/15/2015</a:t>
             </a:fld>
             <a:endParaRPr lang="en-US"/>
           </a:p>
@@ -8311,6 +8311,10 @@
               <a:rPr lang="en-US" b="1" dirty="0" smtClean="0"/>
               <a:t>UC: </a:t>
             </a:r>
+            <a:r>
+              <a:rPr lang="en-US" b="1" dirty="0" smtClean="0"/>
+              <a:t>1,2 </a:t>
+            </a:r>
             <a:endParaRPr lang="en-US" b="1" dirty="0"/>
           </a:p>
         </p:txBody>
@@ -9429,7 +9433,7 @@
   <a:extraClrSchemeLst/>
   <a:extLst>
     <a:ext uri="{05A4C25C-085E-4340-85A3-A5531E510DB2}">
-      <thm15:themeFamily xmlns:thm15="http://schemas.microsoft.com/office/thememl/2012/main" xmlns="" name="Slate" id="{C3F70B94-7CE9-428E-ADC1-3269CC2C3385}" vid="{3F2DE9A5-64E6-437C-A389-CC4477E817E8}"/>
+      <thm15:themeFamily xmlns:thm15="http://schemas.microsoft.com/office/thememl/2012/main" name="Slate" id="{C3F70B94-7CE9-428E-ADC1-3269CC2C3385}" vid="{3F2DE9A5-64E6-437C-A389-CC4477E817E8}"/>
     </a:ext>
   </a:extLst>
 </a:theme>
@@ -9690,7 +9694,7 @@
   <a:extraClrSchemeLst/>
   <a:extLst>
     <a:ext uri="{05A4C25C-085E-4340-85A3-A5531E510DB2}">
-      <thm15:themeFamily xmlns:thm15="http://schemas.microsoft.com/office/thememl/2012/main" xmlns="" name="Office Theme" id="{62F939B6-93AF-4DB8-9C6B-D6C7DFDC589F}" vid="{4A3C46E8-61CC-4603-A589-7422A47A8E4A}"/>
+      <thm15:themeFamily xmlns:thm15="http://schemas.microsoft.com/office/thememl/2012/main" name="Office Theme" id="{62F939B6-93AF-4DB8-9C6B-D6C7DFDC589F}" vid="{4A3C46E8-61CC-4603-A589-7422A47A8E4A}"/>
     </a:ext>
   </a:extLst>
 </a:theme>

--- a/MobAppFinalPresent.pptx
+++ b/MobAppFinalPresent.pptx
@@ -5,22 +5,25 @@
     <p:sldMasterId id="2147483672" r:id="rId1"/>
   </p:sldMasterIdLst>
   <p:notesMasterIdLst>
-    <p:notesMasterId r:id="rId15"/>
+    <p:notesMasterId r:id="rId18"/>
   </p:notesMasterIdLst>
   <p:sldIdLst>
     <p:sldId id="256" r:id="rId2"/>
     <p:sldId id="258" r:id="rId3"/>
     <p:sldId id="267" r:id="rId4"/>
     <p:sldId id="277" r:id="rId5"/>
-    <p:sldId id="274" r:id="rId6"/>
-    <p:sldId id="259" r:id="rId7"/>
-    <p:sldId id="278" r:id="rId8"/>
-    <p:sldId id="279" r:id="rId9"/>
-    <p:sldId id="280" r:id="rId10"/>
-    <p:sldId id="281" r:id="rId11"/>
-    <p:sldId id="273" r:id="rId12"/>
-    <p:sldId id="275" r:id="rId13"/>
-    <p:sldId id="276" r:id="rId14"/>
+    <p:sldId id="282" r:id="rId6"/>
+    <p:sldId id="274" r:id="rId7"/>
+    <p:sldId id="259" r:id="rId8"/>
+    <p:sldId id="283" r:id="rId9"/>
+    <p:sldId id="284" r:id="rId10"/>
+    <p:sldId id="278" r:id="rId11"/>
+    <p:sldId id="285" r:id="rId12"/>
+    <p:sldId id="287" r:id="rId13"/>
+    <p:sldId id="286" r:id="rId14"/>
+    <p:sldId id="279" r:id="rId15"/>
+    <p:sldId id="275" r:id="rId16"/>
+    <p:sldId id="276" r:id="rId17"/>
   </p:sldIdLst>
   <p:sldSz cx="9144000" cy="6858000" type="screen4x3"/>
   <p:notesSz cx="6858000" cy="9144000"/>
@@ -534,14 +537,6 @@
           <a:bodyPr/>
           <a:lstStyle/>
           <a:p>
-            <a:r>
-              <a:rPr lang="en-US" dirty="0" smtClean="0"/>
-              <a:t>For ergonomics</a:t>
-            </a:r>
-            <a:r>
-              <a:rPr lang="en-US" baseline="0" dirty="0" smtClean="0"/>
-              <a:t>, we talked with the business with the suggestion that there doesn’t need to be a +/- button for dice rolls nor a Submit button. </a:t>
-            </a:r>
             <a:endParaRPr lang="en-US" dirty="0"/>
           </a:p>
         </p:txBody>
@@ -564,7 +559,7 @@
             <a:fld id="{9C75C2C6-49ED-4485-B0BC-FAD6842E771D}" type="slidenum">
               <a:rPr lang="en-US" smtClean="0"/>
               <a:pPr/>
-              <a:t>6</a:t>
+              <a:t>7</a:t>
             </a:fld>
             <a:endParaRPr lang="en-US"/>
           </a:p>
@@ -627,14 +622,6 @@
           <a:bodyPr/>
           <a:lstStyle/>
           <a:p>
-            <a:r>
-              <a:rPr lang="en-US" dirty="0" smtClean="0"/>
-              <a:t>For ergonomics</a:t>
-            </a:r>
-            <a:r>
-              <a:rPr lang="en-US" baseline="0" dirty="0" smtClean="0"/>
-              <a:t>, we talked with the business with the suggestion that there doesn’t need to be a +/- button for dice rolls nor a Submit button. </a:t>
-            </a:r>
             <a:endParaRPr lang="en-US" dirty="0"/>
           </a:p>
         </p:txBody>
@@ -657,7 +644,7 @@
             <a:fld id="{9C75C2C6-49ED-4485-B0BC-FAD6842E771D}" type="slidenum">
               <a:rPr lang="en-US" smtClean="0"/>
               <a:pPr/>
-              <a:t>7</a:t>
+              <a:t>10</a:t>
             </a:fld>
             <a:endParaRPr lang="en-US"/>
           </a:p>
@@ -750,193 +737,7 @@
             <a:fld id="{9C75C2C6-49ED-4485-B0BC-FAD6842E771D}" type="slidenum">
               <a:rPr lang="en-US" smtClean="0"/>
               <a:pPr/>
-              <a:t>8</a:t>
-            </a:fld>
-            <a:endParaRPr lang="en-US"/>
-          </a:p>
-        </p:txBody>
-      </p:sp>
-    </p:spTree>
-    <p:extLst>
-      <p:ext uri="{BB962C8B-B14F-4D97-AF65-F5344CB8AC3E}">
-        <p14:creationId xmlns:p14="http://schemas.microsoft.com/office/powerpoint/2010/main" val="3281679178"/>
-      </p:ext>
-    </p:extLst>
-  </p:cSld>
-  <p:clrMapOvr>
-    <a:masterClrMapping/>
-  </p:clrMapOvr>
-</p:notes>
-</file>
-
-<file path=ppt/notesSlides/notesSlide4.xml><?xml version="1.0" encoding="utf-8"?>
-<p:notes xmlns:a="http://schemas.openxmlformats.org/drawingml/2006/main" xmlns:r="http://schemas.openxmlformats.org/officeDocument/2006/relationships" xmlns:p="http://schemas.openxmlformats.org/presentationml/2006/main">
-  <p:cSld>
-    <p:spTree>
-      <p:nvGrpSpPr>
-        <p:cNvPr id="1" name=""/>
-        <p:cNvGrpSpPr/>
-        <p:nvPr/>
-      </p:nvGrpSpPr>
-      <p:grpSpPr>
-        <a:xfrm>
-          <a:off x="0" y="0"/>
-          <a:ext cx="0" cy="0"/>
-          <a:chOff x="0" y="0"/>
-          <a:chExt cx="0" cy="0"/>
-        </a:xfrm>
-      </p:grpSpPr>
-      <p:sp>
-        <p:nvSpPr>
-          <p:cNvPr id="2" name="Slide Image Placeholder 1"/>
-          <p:cNvSpPr>
-            <a:spLocks noGrp="1" noRot="1" noChangeAspect="1"/>
-          </p:cNvSpPr>
-          <p:nvPr>
-            <p:ph type="sldImg"/>
-          </p:nvPr>
-        </p:nvSpPr>
-        <p:spPr/>
-      </p:sp>
-      <p:sp>
-        <p:nvSpPr>
-          <p:cNvPr id="3" name="Notes Placeholder 2"/>
-          <p:cNvSpPr>
-            <a:spLocks noGrp="1"/>
-          </p:cNvSpPr>
-          <p:nvPr>
-            <p:ph type="body" idx="1"/>
-          </p:nvPr>
-        </p:nvSpPr>
-        <p:spPr/>
-        <p:txBody>
-          <a:bodyPr/>
-          <a:lstStyle/>
-          <a:p>
-            <a:r>
-              <a:rPr lang="en-US" dirty="0" smtClean="0"/>
-              <a:t>For ergonomics</a:t>
-            </a:r>
-            <a:r>
-              <a:rPr lang="en-US" baseline="0" dirty="0" smtClean="0"/>
-              <a:t>, we talked with the business with the suggestion that there doesn’t need to be a +/- button for dice rolls nor a Submit button. </a:t>
-            </a:r>
-            <a:endParaRPr lang="en-US" dirty="0"/>
-          </a:p>
-        </p:txBody>
-      </p:sp>
-      <p:sp>
-        <p:nvSpPr>
-          <p:cNvPr id="4" name="Slide Number Placeholder 3"/>
-          <p:cNvSpPr>
-            <a:spLocks noGrp="1"/>
-          </p:cNvSpPr>
-          <p:nvPr>
-            <p:ph type="sldNum" sz="quarter" idx="10"/>
-          </p:nvPr>
-        </p:nvSpPr>
-        <p:spPr/>
-        <p:txBody>
-          <a:bodyPr/>
-          <a:lstStyle/>
-          <a:p>
-            <a:fld id="{9C75C2C6-49ED-4485-B0BC-FAD6842E771D}" type="slidenum">
-              <a:rPr lang="en-US" smtClean="0"/>
-              <a:pPr/>
-              <a:t>9</a:t>
-            </a:fld>
-            <a:endParaRPr lang="en-US"/>
-          </a:p>
-        </p:txBody>
-      </p:sp>
-    </p:spTree>
-    <p:extLst>
-      <p:ext uri="{BB962C8B-B14F-4D97-AF65-F5344CB8AC3E}">
-        <p14:creationId xmlns:p14="http://schemas.microsoft.com/office/powerpoint/2010/main" val="3281679178"/>
-      </p:ext>
-    </p:extLst>
-  </p:cSld>
-  <p:clrMapOvr>
-    <a:masterClrMapping/>
-  </p:clrMapOvr>
-</p:notes>
-</file>
-
-<file path=ppt/notesSlides/notesSlide5.xml><?xml version="1.0" encoding="utf-8"?>
-<p:notes xmlns:a="http://schemas.openxmlformats.org/drawingml/2006/main" xmlns:r="http://schemas.openxmlformats.org/officeDocument/2006/relationships" xmlns:p="http://schemas.openxmlformats.org/presentationml/2006/main">
-  <p:cSld>
-    <p:spTree>
-      <p:nvGrpSpPr>
-        <p:cNvPr id="1" name=""/>
-        <p:cNvGrpSpPr/>
-        <p:nvPr/>
-      </p:nvGrpSpPr>
-      <p:grpSpPr>
-        <a:xfrm>
-          <a:off x="0" y="0"/>
-          <a:ext cx="0" cy="0"/>
-          <a:chOff x="0" y="0"/>
-          <a:chExt cx="0" cy="0"/>
-        </a:xfrm>
-      </p:grpSpPr>
-      <p:sp>
-        <p:nvSpPr>
-          <p:cNvPr id="2" name="Slide Image Placeholder 1"/>
-          <p:cNvSpPr>
-            <a:spLocks noGrp="1" noRot="1" noChangeAspect="1"/>
-          </p:cNvSpPr>
-          <p:nvPr>
-            <p:ph type="sldImg"/>
-          </p:nvPr>
-        </p:nvSpPr>
-        <p:spPr/>
-      </p:sp>
-      <p:sp>
-        <p:nvSpPr>
-          <p:cNvPr id="3" name="Notes Placeholder 2"/>
-          <p:cNvSpPr>
-            <a:spLocks noGrp="1"/>
-          </p:cNvSpPr>
-          <p:nvPr>
-            <p:ph type="body" idx="1"/>
-          </p:nvPr>
-        </p:nvSpPr>
-        <p:spPr/>
-        <p:txBody>
-          <a:bodyPr/>
-          <a:lstStyle/>
-          <a:p>
-            <a:r>
-              <a:rPr lang="en-US" dirty="0" smtClean="0"/>
-              <a:t>For ergonomics</a:t>
-            </a:r>
-            <a:r>
-              <a:rPr lang="en-US" baseline="0" dirty="0" smtClean="0"/>
-              <a:t>, we talked with the business with the suggestion that there doesn’t need to be a +/- button for dice rolls nor a Submit button. </a:t>
-            </a:r>
-            <a:endParaRPr lang="en-US" dirty="0"/>
-          </a:p>
-        </p:txBody>
-      </p:sp>
-      <p:sp>
-        <p:nvSpPr>
-          <p:cNvPr id="4" name="Slide Number Placeholder 3"/>
-          <p:cNvSpPr>
-            <a:spLocks noGrp="1"/>
-          </p:cNvSpPr>
-          <p:nvPr>
-            <p:ph type="sldNum" sz="quarter" idx="10"/>
-          </p:nvPr>
-        </p:nvSpPr>
-        <p:spPr/>
-        <p:txBody>
-          <a:bodyPr/>
-          <a:lstStyle/>
-          <a:p>
-            <a:fld id="{9C75C2C6-49ED-4485-B0BC-FAD6842E771D}" type="slidenum">
-              <a:rPr lang="en-US" smtClean="0"/>
-              <a:pPr/>
-              <a:t>10</a:t>
+              <a:t>14</a:t>
             </a:fld>
             <a:endParaRPr lang="en-US"/>
           </a:p>
@@ -7037,7 +6838,7 @@
         </p:nvSpPr>
         <p:spPr>
           <a:xfrm>
-            <a:off x="744955" y="609600"/>
+            <a:off x="111229" y="562440"/>
             <a:ext cx="7765322" cy="970450"/>
           </a:xfrm>
         </p:spPr>
@@ -7049,7 +6850,7 @@
           <a:p>
             <a:r>
               <a:rPr lang="en-US" b="1" dirty="0" smtClean="0"/>
-              <a:t>UC: </a:t>
+              <a:t>UC:5,6,9</a:t>
             </a:r>
             <a:endParaRPr lang="en-US" b="1" dirty="0"/>
           </a:p>
@@ -7098,7 +6899,7 @@
         <p:spPr>
           <a:xfrm>
             <a:off x="228601" y="1935480"/>
-            <a:ext cx="4800600" cy="754053"/>
+            <a:ext cx="4800600" cy="1954381"/>
           </a:xfrm>
           <a:prstGeom prst="rect">
             <a:avLst/>
@@ -7126,7 +6927,7 @@
               <a:buChar char=""/>
             </a:pPr>
             <a:r>
-              <a:rPr lang="en-US" sz="2000" dirty="0">
+              <a:rPr lang="en-US" sz="2000" dirty="0" smtClean="0">
                 <a:ln>
                   <a:solidFill>
                     <a:schemeClr val="bg1">
@@ -7147,8 +6948,128 @@
                   </a:outerShdw>
                 </a:effectLst>
               </a:rPr>
-              <a:t>At </a:t>
-            </a:r>
+              <a:t>UC:5,6 Employee could manually clock in/out from the app at lunch time </a:t>
+            </a:r>
+          </a:p>
+          <a:p>
+            <a:pPr marL="342900" indent="-306000" defTabSz="457200">
+              <a:spcBef>
+                <a:spcPct val="20000"/>
+              </a:spcBef>
+              <a:spcAft>
+                <a:spcPts val="600"/>
+              </a:spcAft>
+              <a:buClr>
+                <a:schemeClr val="tx2"/>
+              </a:buClr>
+              <a:buSzPct val="70000"/>
+              <a:buFont typeface="Wingdings 2" charset="2"/>
+              <a:buChar char=""/>
+            </a:pPr>
+            <a:r>
+              <a:rPr lang="en-US" sz="2000" dirty="0" smtClean="0">
+                <a:ln>
+                  <a:solidFill>
+                    <a:schemeClr val="bg1">
+                      <a:lumMod val="75000"/>
+                      <a:lumOff val="25000"/>
+                      <a:alpha val="10000"/>
+                    </a:schemeClr>
+                  </a:solidFill>
+                </a:ln>
+                <a:solidFill>
+                  <a:schemeClr val="tx2"/>
+                </a:solidFill>
+                <a:effectLst>
+                  <a:outerShdw blurRad="9525" dist="25400" dir="14640000" algn="tl" rotWithShape="0">
+                    <a:schemeClr val="bg1">
+                      <a:alpha val="30000"/>
+                    </a:schemeClr>
+                  </a:outerShdw>
+                </a:effectLst>
+              </a:rPr>
+              <a:t>UC:9 Employee alerted of time stamp </a:t>
+            </a:r>
+            <a:endParaRPr lang="en-US" sz="2000" dirty="0" smtClean="0">
+              <a:ln>
+                <a:solidFill>
+                  <a:schemeClr val="bg1">
+                    <a:lumMod val="75000"/>
+                    <a:lumOff val="25000"/>
+                    <a:alpha val="10000"/>
+                  </a:schemeClr>
+                </a:solidFill>
+              </a:ln>
+              <a:solidFill>
+                <a:schemeClr val="tx2"/>
+              </a:solidFill>
+              <a:effectLst>
+                <a:outerShdw blurRad="9525" dist="25400" dir="14640000" algn="tl" rotWithShape="0">
+                  <a:schemeClr val="bg1">
+                    <a:alpha val="30000"/>
+                  </a:schemeClr>
+                </a:outerShdw>
+              </a:effectLst>
+            </a:endParaRPr>
+          </a:p>
+          <a:p>
+            <a:pPr marL="36900" defTabSz="457200">
+              <a:spcBef>
+                <a:spcPct val="20000"/>
+              </a:spcBef>
+              <a:spcAft>
+                <a:spcPts val="600"/>
+              </a:spcAft>
+              <a:buClr>
+                <a:schemeClr val="tx2"/>
+              </a:buClr>
+              <a:buSzPct val="70000"/>
+            </a:pPr>
+            <a:r>
+              <a:rPr lang="en-US" sz="2000" dirty="0" smtClean="0">
+                <a:ln>
+                  <a:solidFill>
+                    <a:schemeClr val="bg1">
+                      <a:lumMod val="75000"/>
+                      <a:lumOff val="25000"/>
+                      <a:alpha val="10000"/>
+                    </a:schemeClr>
+                  </a:solidFill>
+                </a:ln>
+                <a:solidFill>
+                  <a:schemeClr val="tx2"/>
+                </a:solidFill>
+                <a:effectLst>
+                  <a:outerShdw blurRad="9525" dist="25400" dir="14640000" algn="tl" rotWithShape="0">
+                    <a:schemeClr val="bg1">
+                      <a:alpha val="30000"/>
+                    </a:schemeClr>
+                  </a:outerShdw>
+                </a:effectLst>
+              </a:rPr>
+              <a:t>Using: Database connection</a:t>
+            </a:r>
+            <a:endParaRPr lang="en-US" sz="2000" dirty="0">
+              <a:ln>
+                <a:solidFill>
+                  <a:schemeClr val="bg1">
+                    <a:lumMod val="75000"/>
+                    <a:lumOff val="25000"/>
+                    <a:alpha val="10000"/>
+                  </a:schemeClr>
+                </a:solidFill>
+              </a:ln>
+              <a:solidFill>
+                <a:schemeClr val="tx2"/>
+              </a:solidFill>
+              <a:effectLst>
+                <a:outerShdw blurRad="9525" dist="25400" dir="14640000" algn="tl" rotWithShape="0">
+                  <a:schemeClr val="bg1">
+                    <a:alpha val="30000"/>
+                  </a:schemeClr>
+                </a:outerShdw>
+              </a:effectLst>
+            </a:endParaRPr>
           </a:p>
           <a:p>
             <a:pPr marL="285750" indent="-285750">
@@ -7159,65 +7080,170 @@
           </a:p>
         </p:txBody>
       </p:sp>
-      <p:sp>
-        <p:nvSpPr>
-          <p:cNvPr id="8" name="TextBox 7"/>
-          <p:cNvSpPr txBox="1"/>
-          <p:nvPr/>
-        </p:nvSpPr>
-        <p:spPr>
-          <a:xfrm>
-            <a:off x="5714999" y="6275697"/>
-            <a:ext cx="2828925" cy="646331"/>
-          </a:xfrm>
-          <a:prstGeom prst="rect">
-            <a:avLst/>
-          </a:prstGeom>
-          <a:noFill/>
-        </p:spPr>
-        <p:txBody>
-          <a:bodyPr wrap="square" rtlCol="0">
-            <a:spAutoFit/>
-          </a:bodyPr>
-          <a:lstStyle/>
-          <a:p>
-            <a:pPr algn="ctr"/>
-            <a:r>
-              <a:rPr lang="en-US" dirty="0" smtClean="0"/>
-              <a:t>Current Android version shown</a:t>
-            </a:r>
-            <a:endParaRPr lang="en-US" dirty="0"/>
-          </a:p>
-        </p:txBody>
-      </p:sp>
       <p:pic>
         <p:nvPicPr>
-          <p:cNvPr id="6" name="Picture 5"/>
+          <p:cNvPr id="7" name="Picture 6" descr="Screen Clipping"/>
           <p:cNvPicPr>
             <a:picLocks noChangeAspect="1"/>
           </p:cNvPicPr>
           <p:nvPr/>
         </p:nvPicPr>
         <p:blipFill>
-          <a:blip r:embed="rId3"/>
+          <a:blip r:embed="rId3">
+            <a:extLst>
+              <a:ext uri="{28A0092B-C50C-407E-A947-70E740481C1C}">
+                <a14:useLocalDpi xmlns:a14="http://schemas.microsoft.com/office/drawing/2010/main" val="0"/>
+              </a:ext>
+            </a:extLst>
+          </a:blip>
           <a:stretch>
             <a:fillRect/>
           </a:stretch>
         </p:blipFill>
         <p:spPr>
           <a:xfrm>
-            <a:off x="5957577" y="2160897"/>
-            <a:ext cx="2552700" cy="4114800"/>
+            <a:off x="2762640" y="4191000"/>
+            <a:ext cx="2266561" cy="3731412"/>
           </a:xfrm>
           <a:prstGeom prst="rect">
             <a:avLst/>
           </a:prstGeom>
         </p:spPr>
       </p:pic>
+      <p:pic>
+        <p:nvPicPr>
+          <p:cNvPr id="9" name="Picture 8" descr="Screen Clipping"/>
+          <p:cNvPicPr>
+            <a:picLocks noChangeAspect="1"/>
+          </p:cNvPicPr>
+          <p:nvPr/>
+        </p:nvPicPr>
+        <p:blipFill>
+          <a:blip r:embed="rId4">
+            <a:extLst>
+              <a:ext uri="{28A0092B-C50C-407E-A947-70E740481C1C}">
+                <a14:useLocalDpi xmlns:a14="http://schemas.microsoft.com/office/drawing/2010/main" val="0"/>
+              </a:ext>
+            </a:extLst>
+          </a:blip>
+          <a:stretch>
+            <a:fillRect/>
+          </a:stretch>
+        </p:blipFill>
+        <p:spPr>
+          <a:xfrm>
+            <a:off x="5773330" y="249049"/>
+            <a:ext cx="2500258" cy="3034082"/>
+          </a:xfrm>
+          <a:prstGeom prst="rect">
+            <a:avLst/>
+          </a:prstGeom>
+        </p:spPr>
+      </p:pic>
+      <p:pic>
+        <p:nvPicPr>
+          <p:cNvPr id="10" name="Picture 9" descr="Screen Clipping"/>
+          <p:cNvPicPr>
+            <a:picLocks noChangeAspect="1"/>
+          </p:cNvPicPr>
+          <p:nvPr/>
+        </p:nvPicPr>
+        <p:blipFill>
+          <a:blip r:embed="rId5">
+            <a:extLst>
+              <a:ext uri="{28A0092B-C50C-407E-A947-70E740481C1C}">
+                <a14:useLocalDpi xmlns:a14="http://schemas.microsoft.com/office/drawing/2010/main" val="0"/>
+              </a:ext>
+            </a:extLst>
+          </a:blip>
+          <a:stretch>
+            <a:fillRect/>
+          </a:stretch>
+        </p:blipFill>
+        <p:spPr>
+          <a:xfrm>
+            <a:off x="5745027" y="3653064"/>
+            <a:ext cx="2500258" cy="3024330"/>
+          </a:xfrm>
+          <a:prstGeom prst="rect">
+            <a:avLst/>
+          </a:prstGeom>
+        </p:spPr>
+      </p:pic>
+      <p:pic>
+        <p:nvPicPr>
+          <p:cNvPr id="11" name="Picture 10" descr="Screen Clipping"/>
+          <p:cNvPicPr>
+            <a:picLocks noChangeAspect="1"/>
+          </p:cNvPicPr>
+          <p:nvPr/>
+        </p:nvPicPr>
+        <p:blipFill>
+          <a:blip r:embed="rId6" cstate="print">
+            <a:extLst>
+              <a:ext uri="{28A0092B-C50C-407E-A947-70E740481C1C}">
+                <a14:useLocalDpi xmlns:a14="http://schemas.microsoft.com/office/drawing/2010/main" val="0"/>
+              </a:ext>
+            </a:extLst>
+          </a:blip>
+          <a:stretch>
+            <a:fillRect/>
+          </a:stretch>
+        </p:blipFill>
+        <p:spPr>
+          <a:xfrm>
+            <a:off x="416928" y="3681159"/>
+            <a:ext cx="1738205" cy="2968139"/>
+          </a:xfrm>
+          <a:prstGeom prst="rect">
+            <a:avLst/>
+          </a:prstGeom>
+        </p:spPr>
+      </p:pic>
+      <p:sp>
+        <p:nvSpPr>
+          <p:cNvPr id="18" name="Oval 17"/>
+          <p:cNvSpPr/>
+          <p:nvPr/>
+        </p:nvSpPr>
+        <p:spPr>
+          <a:xfrm>
+            <a:off x="833118" y="5762161"/>
+            <a:ext cx="229054" cy="228600"/>
+          </a:xfrm>
+          <a:prstGeom prst="ellipse">
+            <a:avLst/>
+          </a:prstGeom>
+        </p:spPr>
+        <p:style>
+          <a:lnRef idx="2">
+            <a:schemeClr val="accent1">
+              <a:shade val="50000"/>
+            </a:schemeClr>
+          </a:lnRef>
+          <a:fillRef idx="1">
+            <a:schemeClr val="accent1"/>
+          </a:fillRef>
+          <a:effectRef idx="0">
+            <a:schemeClr val="accent1"/>
+          </a:effectRef>
+          <a:fontRef idx="minor">
+            <a:schemeClr val="lt1"/>
+          </a:fontRef>
+        </p:style>
+        <p:txBody>
+          <a:bodyPr rtlCol="0" anchor="ctr"/>
+          <a:lstStyle/>
+          <a:p>
+            <a:pPr algn="ctr"/>
+            <a:endParaRPr lang="en-US"/>
+          </a:p>
+        </p:txBody>
+      </p:sp>
     </p:spTree>
     <p:extLst>
       <p:ext uri="{BB962C8B-B14F-4D97-AF65-F5344CB8AC3E}">
-        <p14:creationId xmlns:p14="http://schemas.microsoft.com/office/powerpoint/2010/main" val="973581252"/>
+        <p14:creationId xmlns:p14="http://schemas.microsoft.com/office/powerpoint/2010/main" val="632186089"/>
       </p:ext>
     </p:extLst>
   </p:cSld>
@@ -7267,10 +7293,10 @@
           <a:lstStyle/>
           <a:p>
             <a:r>
-              <a:rPr lang="en-US" b="1" dirty="0" smtClean="0"/>
-              <a:t>Web interface </a:t>
-            </a:r>
-            <a:endParaRPr lang="en-US" b="1" dirty="0"/>
+              <a:rPr lang="en-US" dirty="0" smtClean="0"/>
+              <a:t>UC:11</a:t>
+            </a:r>
+            <a:endParaRPr lang="en-US" dirty="0"/>
           </a:p>
         </p:txBody>
       </p:sp>
@@ -7284,34 +7310,135 @@
             <p:ph idx="1"/>
           </p:nvPr>
         </p:nvSpPr>
+        <p:spPr/>
+        <p:txBody>
+          <a:bodyPr/>
+          <a:lstStyle/>
+          <a:p>
+            <a:r>
+              <a:rPr lang="en-US" dirty="0" smtClean="0"/>
+              <a:t>Employee checks in the spreadsheet </a:t>
+            </a:r>
+          </a:p>
+          <a:p>
+            <a:r>
+              <a:rPr lang="en-US" dirty="0" smtClean="0"/>
+              <a:t>Database connection </a:t>
+            </a:r>
+            <a:endParaRPr lang="en-US" dirty="0"/>
+          </a:p>
+        </p:txBody>
+      </p:sp>
+      <p:pic>
+        <p:nvPicPr>
+          <p:cNvPr id="6" name="Picture 5" descr="Screen Clipping"/>
+          <p:cNvPicPr>
+            <a:picLocks noChangeAspect="1"/>
+          </p:cNvPicPr>
+          <p:nvPr/>
+        </p:nvPicPr>
+        <p:blipFill>
+          <a:blip r:embed="rId2">
+            <a:extLst>
+              <a:ext uri="{28A0092B-C50C-407E-A947-70E740481C1C}">
+                <a14:useLocalDpi xmlns:a14="http://schemas.microsoft.com/office/drawing/2010/main" val="0"/>
+              </a:ext>
+            </a:extLst>
+          </a:blip>
+          <a:stretch>
+            <a:fillRect/>
+          </a:stretch>
+        </p:blipFill>
         <p:spPr>
           <a:xfrm>
-            <a:off x="457200" y="1935480"/>
-            <a:ext cx="8229600" cy="4693920"/>
+            <a:off x="5879958" y="1785486"/>
+            <a:ext cx="2588127" cy="4005715"/>
           </a:xfrm>
+          <a:prstGeom prst="rect">
+            <a:avLst/>
+          </a:prstGeom>
         </p:spPr>
-        <p:txBody>
-          <a:bodyPr>
-            <a:normAutofit/>
-          </a:bodyPr>
-          <a:lstStyle/>
-          <a:p>
-            <a:endParaRPr lang="en-US" dirty="0"/>
+      </p:pic>
+      <p:pic>
+        <p:nvPicPr>
+          <p:cNvPr id="7" name="Picture 6" descr="Screen Clipping"/>
+          <p:cNvPicPr>
+            <a:picLocks noChangeAspect="1"/>
+          </p:cNvPicPr>
+          <p:nvPr/>
+        </p:nvPicPr>
+        <p:blipFill>
+          <a:blip r:embed="rId3">
+            <a:extLst>
+              <a:ext uri="{28A0092B-C50C-407E-A947-70E740481C1C}">
+                <a14:useLocalDpi xmlns:a14="http://schemas.microsoft.com/office/drawing/2010/main" val="0"/>
+              </a:ext>
+            </a:extLst>
+          </a:blip>
+          <a:stretch>
+            <a:fillRect/>
+          </a:stretch>
+        </p:blipFill>
+        <p:spPr>
+          <a:xfrm>
+            <a:off x="2895600" y="2822972"/>
+            <a:ext cx="2271605" cy="3878967"/>
+          </a:xfrm>
+          <a:prstGeom prst="rect">
+            <a:avLst/>
+          </a:prstGeom>
+        </p:spPr>
+      </p:pic>
+      <p:sp>
+        <p:nvSpPr>
+          <p:cNvPr id="8" name="Oval 7"/>
+          <p:cNvSpPr/>
+          <p:nvPr/>
+        </p:nvSpPr>
+        <p:spPr>
+          <a:xfrm>
+            <a:off x="3505200" y="5105400"/>
+            <a:ext cx="229054" cy="228600"/>
+          </a:xfrm>
+          <a:prstGeom prst="ellipse">
+            <a:avLst/>
+          </a:prstGeom>
+        </p:spPr>
+        <p:style>
+          <a:lnRef idx="2">
+            <a:schemeClr val="accent1">
+              <a:shade val="50000"/>
+            </a:schemeClr>
+          </a:lnRef>
+          <a:fillRef idx="1">
+            <a:schemeClr val="accent1"/>
+          </a:fillRef>
+          <a:effectRef idx="0">
+            <a:schemeClr val="accent1"/>
+          </a:effectRef>
+          <a:fontRef idx="minor">
+            <a:schemeClr val="lt1"/>
+          </a:fontRef>
+        </p:style>
+        <p:txBody>
+          <a:bodyPr rtlCol="0" anchor="ctr"/>
+          <a:lstStyle/>
+          <a:p>
+            <a:pPr algn="ctr"/>
+            <a:endParaRPr lang="en-US"/>
           </a:p>
         </p:txBody>
       </p:sp>
     </p:spTree>
+    <p:extLst>
+      <p:ext uri="{BB962C8B-B14F-4D97-AF65-F5344CB8AC3E}">
+        <p14:creationId xmlns:p14="http://schemas.microsoft.com/office/powerpoint/2010/main" val="2408467826"/>
+      </p:ext>
+    </p:extLst>
   </p:cSld>
   <p:clrMapOvr>
     <a:masterClrMapping/>
   </p:clrMapOvr>
-  <p:timing>
-    <p:tnLst>
-      <p:par>
-        <p:cTn id="1" dur="indefinite" restart="never" nodeType="tmRoot"/>
-      </p:par>
-    </p:tnLst>
-  </p:timing>
 </p:sld>
 </file>
 
@@ -7347,6 +7474,753 @@
           <a:bodyPr/>
           <a:lstStyle/>
           <a:p>
+            <a:endParaRPr lang="en-US"/>
+          </a:p>
+        </p:txBody>
+      </p:sp>
+      <p:sp>
+        <p:nvSpPr>
+          <p:cNvPr id="3" name="Content Placeholder 2"/>
+          <p:cNvSpPr>
+            <a:spLocks noGrp="1"/>
+          </p:cNvSpPr>
+          <p:nvPr>
+            <p:ph idx="1"/>
+          </p:nvPr>
+        </p:nvSpPr>
+        <p:spPr/>
+        <p:txBody>
+          <a:bodyPr/>
+          <a:lstStyle/>
+          <a:p>
+            <a:r>
+              <a:rPr lang="en-US" dirty="0" smtClean="0"/>
+              <a:t>Employee views schedule </a:t>
+            </a:r>
+            <a:endParaRPr lang="en-US" dirty="0"/>
+          </a:p>
+        </p:txBody>
+      </p:sp>
+      <p:pic>
+        <p:nvPicPr>
+          <p:cNvPr id="6" name="Picture 5" descr="Screen Clipping"/>
+          <p:cNvPicPr>
+            <a:picLocks noChangeAspect="1"/>
+          </p:cNvPicPr>
+          <p:nvPr/>
+        </p:nvPicPr>
+        <p:blipFill>
+          <a:blip r:embed="rId2">
+            <a:extLst>
+              <a:ext uri="{28A0092B-C50C-407E-A947-70E740481C1C}">
+                <a14:useLocalDpi xmlns:a14="http://schemas.microsoft.com/office/drawing/2010/main" val="0"/>
+              </a:ext>
+            </a:extLst>
+          </a:blip>
+          <a:stretch>
+            <a:fillRect/>
+          </a:stretch>
+        </p:blipFill>
+        <p:spPr>
+          <a:xfrm>
+            <a:off x="3352800" y="2767872"/>
+            <a:ext cx="2198357" cy="3338968"/>
+          </a:xfrm>
+          <a:prstGeom prst="rect">
+            <a:avLst/>
+          </a:prstGeom>
+        </p:spPr>
+      </p:pic>
+      <p:pic>
+        <p:nvPicPr>
+          <p:cNvPr id="7" name="Picture 6" descr="Screen Clipping"/>
+          <p:cNvPicPr>
+            <a:picLocks noChangeAspect="1"/>
+          </p:cNvPicPr>
+          <p:nvPr/>
+        </p:nvPicPr>
+        <p:blipFill>
+          <a:blip r:embed="rId3">
+            <a:extLst>
+              <a:ext uri="{28A0092B-C50C-407E-A947-70E740481C1C}">
+                <a14:useLocalDpi xmlns:a14="http://schemas.microsoft.com/office/drawing/2010/main" val="0"/>
+              </a:ext>
+            </a:extLst>
+          </a:blip>
+          <a:stretch>
+            <a:fillRect/>
+          </a:stretch>
+        </p:blipFill>
+        <p:spPr>
+          <a:xfrm>
+            <a:off x="6172200" y="2780935"/>
+            <a:ext cx="2503101" cy="3010266"/>
+          </a:xfrm>
+          <a:prstGeom prst="rect">
+            <a:avLst/>
+          </a:prstGeom>
+        </p:spPr>
+      </p:pic>
+      <p:pic>
+        <p:nvPicPr>
+          <p:cNvPr id="8" name="Picture 7" descr="Screen Clipping"/>
+          <p:cNvPicPr>
+            <a:picLocks noChangeAspect="1"/>
+          </p:cNvPicPr>
+          <p:nvPr/>
+        </p:nvPicPr>
+        <p:blipFill>
+          <a:blip r:embed="rId4" cstate="print">
+            <a:extLst>
+              <a:ext uri="{28A0092B-C50C-407E-A947-70E740481C1C}">
+                <a14:useLocalDpi xmlns:a14="http://schemas.microsoft.com/office/drawing/2010/main" val="0"/>
+              </a:ext>
+            </a:extLst>
+          </a:blip>
+          <a:stretch>
+            <a:fillRect/>
+          </a:stretch>
+        </p:blipFill>
+        <p:spPr>
+          <a:xfrm>
+            <a:off x="533400" y="3171358"/>
+            <a:ext cx="1738205" cy="2968139"/>
+          </a:xfrm>
+          <a:prstGeom prst="rect">
+            <a:avLst/>
+          </a:prstGeom>
+        </p:spPr>
+      </p:pic>
+      <p:sp>
+        <p:nvSpPr>
+          <p:cNvPr id="9" name="Oval 8"/>
+          <p:cNvSpPr/>
+          <p:nvPr/>
+        </p:nvSpPr>
+        <p:spPr>
+          <a:xfrm>
+            <a:off x="838200" y="4541127"/>
+            <a:ext cx="229054" cy="228600"/>
+          </a:xfrm>
+          <a:prstGeom prst="ellipse">
+            <a:avLst/>
+          </a:prstGeom>
+        </p:spPr>
+        <p:style>
+          <a:lnRef idx="2">
+            <a:schemeClr val="accent1">
+              <a:shade val="50000"/>
+            </a:schemeClr>
+          </a:lnRef>
+          <a:fillRef idx="1">
+            <a:schemeClr val="accent1"/>
+          </a:fillRef>
+          <a:effectRef idx="0">
+            <a:schemeClr val="accent1"/>
+          </a:effectRef>
+          <a:fontRef idx="minor">
+            <a:schemeClr val="lt1"/>
+          </a:fontRef>
+        </p:style>
+        <p:txBody>
+          <a:bodyPr rtlCol="0" anchor="ctr"/>
+          <a:lstStyle/>
+          <a:p>
+            <a:pPr algn="ctr"/>
+            <a:endParaRPr lang="en-US"/>
+          </a:p>
+        </p:txBody>
+      </p:sp>
+    </p:spTree>
+    <p:extLst>
+      <p:ext uri="{BB962C8B-B14F-4D97-AF65-F5344CB8AC3E}">
+        <p14:creationId xmlns:p14="http://schemas.microsoft.com/office/powerpoint/2010/main" val="3359813952"/>
+      </p:ext>
+    </p:extLst>
+  </p:cSld>
+  <p:clrMapOvr>
+    <a:masterClrMapping/>
+  </p:clrMapOvr>
+</p:sld>
+</file>
+
+<file path=ppt/slides/slide13.xml><?xml version="1.0" encoding="utf-8"?>
+<p:sld xmlns:a="http://schemas.openxmlformats.org/drawingml/2006/main" xmlns:r="http://schemas.openxmlformats.org/officeDocument/2006/relationships" xmlns:p="http://schemas.openxmlformats.org/presentationml/2006/main">
+  <p:cSld>
+    <p:spTree>
+      <p:nvGrpSpPr>
+        <p:cNvPr id="1" name=""/>
+        <p:cNvGrpSpPr/>
+        <p:nvPr/>
+      </p:nvGrpSpPr>
+      <p:grpSpPr>
+        <a:xfrm>
+          <a:off x="0" y="0"/>
+          <a:ext cx="0" cy="0"/>
+          <a:chOff x="0" y="0"/>
+          <a:chExt cx="0" cy="0"/>
+        </a:xfrm>
+      </p:grpSpPr>
+      <p:sp>
+        <p:nvSpPr>
+          <p:cNvPr id="2" name="Title 1"/>
+          <p:cNvSpPr>
+            <a:spLocks noGrp="1"/>
+          </p:cNvSpPr>
+          <p:nvPr>
+            <p:ph type="title"/>
+          </p:nvPr>
+        </p:nvSpPr>
+        <p:spPr/>
+        <p:txBody>
+          <a:bodyPr/>
+          <a:lstStyle/>
+          <a:p>
+            <a:r>
+              <a:rPr lang="en-US" dirty="0" smtClean="0"/>
+              <a:t>UC 12</a:t>
+            </a:r>
+            <a:endParaRPr lang="en-US" dirty="0"/>
+          </a:p>
+        </p:txBody>
+      </p:sp>
+      <p:sp>
+        <p:nvSpPr>
+          <p:cNvPr id="3" name="Content Placeholder 2"/>
+          <p:cNvSpPr>
+            <a:spLocks noGrp="1"/>
+          </p:cNvSpPr>
+          <p:nvPr>
+            <p:ph idx="1"/>
+          </p:nvPr>
+        </p:nvSpPr>
+        <p:spPr/>
+        <p:txBody>
+          <a:bodyPr/>
+          <a:lstStyle/>
+          <a:p>
+            <a:r>
+              <a:rPr lang="en-US" dirty="0" smtClean="0"/>
+              <a:t>Employee sets alarms </a:t>
+            </a:r>
+            <a:endParaRPr lang="en-US" dirty="0"/>
+          </a:p>
+        </p:txBody>
+      </p:sp>
+      <p:pic>
+        <p:nvPicPr>
+          <p:cNvPr id="4" name="Picture 3" descr="Screen Clipping"/>
+          <p:cNvPicPr>
+            <a:picLocks noChangeAspect="1"/>
+          </p:cNvPicPr>
+          <p:nvPr/>
+        </p:nvPicPr>
+        <p:blipFill>
+          <a:blip r:embed="rId2" cstate="print">
+            <a:extLst>
+              <a:ext uri="{28A0092B-C50C-407E-A947-70E740481C1C}">
+                <a14:useLocalDpi xmlns:a14="http://schemas.microsoft.com/office/drawing/2010/main" val="0"/>
+              </a:ext>
+            </a:extLst>
+          </a:blip>
+          <a:stretch>
+            <a:fillRect/>
+          </a:stretch>
+        </p:blipFill>
+        <p:spPr>
+          <a:xfrm>
+            <a:off x="416928" y="3681159"/>
+            <a:ext cx="1738205" cy="2968139"/>
+          </a:xfrm>
+          <a:prstGeom prst="rect">
+            <a:avLst/>
+          </a:prstGeom>
+        </p:spPr>
+      </p:pic>
+      <p:sp>
+        <p:nvSpPr>
+          <p:cNvPr id="5" name="Oval 4"/>
+          <p:cNvSpPr/>
+          <p:nvPr/>
+        </p:nvSpPr>
+        <p:spPr>
+          <a:xfrm>
+            <a:off x="838200" y="4648200"/>
+            <a:ext cx="229054" cy="228600"/>
+          </a:xfrm>
+          <a:prstGeom prst="ellipse">
+            <a:avLst/>
+          </a:prstGeom>
+        </p:spPr>
+        <p:style>
+          <a:lnRef idx="2">
+            <a:schemeClr val="accent1">
+              <a:shade val="50000"/>
+            </a:schemeClr>
+          </a:lnRef>
+          <a:fillRef idx="1">
+            <a:schemeClr val="accent1"/>
+          </a:fillRef>
+          <a:effectRef idx="0">
+            <a:schemeClr val="accent1"/>
+          </a:effectRef>
+          <a:fontRef idx="minor">
+            <a:schemeClr val="lt1"/>
+          </a:fontRef>
+        </p:style>
+        <p:txBody>
+          <a:bodyPr rtlCol="0" anchor="ctr"/>
+          <a:lstStyle/>
+          <a:p>
+            <a:pPr algn="ctr"/>
+            <a:endParaRPr lang="en-US"/>
+          </a:p>
+        </p:txBody>
+      </p:sp>
+    </p:spTree>
+    <p:extLst>
+      <p:ext uri="{BB962C8B-B14F-4D97-AF65-F5344CB8AC3E}">
+        <p14:creationId xmlns:p14="http://schemas.microsoft.com/office/powerpoint/2010/main" val="1909005890"/>
+      </p:ext>
+    </p:extLst>
+  </p:cSld>
+  <p:clrMapOvr>
+    <a:masterClrMapping/>
+  </p:clrMapOvr>
+</p:sld>
+</file>
+
+<file path=ppt/slides/slide14.xml><?xml version="1.0" encoding="utf-8"?>
+<p:sld xmlns:a="http://schemas.openxmlformats.org/drawingml/2006/main" xmlns:r="http://schemas.openxmlformats.org/officeDocument/2006/relationships" xmlns:p="http://schemas.openxmlformats.org/presentationml/2006/main">
+  <p:cSld>
+    <p:spTree>
+      <p:nvGrpSpPr>
+        <p:cNvPr id="1" name=""/>
+        <p:cNvGrpSpPr/>
+        <p:nvPr/>
+      </p:nvGrpSpPr>
+      <p:grpSpPr>
+        <a:xfrm>
+          <a:off x="0" y="0"/>
+          <a:ext cx="0" cy="0"/>
+          <a:chOff x="0" y="0"/>
+          <a:chExt cx="0" cy="0"/>
+        </a:xfrm>
+      </p:grpSpPr>
+      <p:sp>
+        <p:nvSpPr>
+          <p:cNvPr id="2" name="Title 1"/>
+          <p:cNvSpPr>
+            <a:spLocks noGrp="1"/>
+          </p:cNvSpPr>
+          <p:nvPr>
+            <p:ph type="title"/>
+          </p:nvPr>
+        </p:nvSpPr>
+        <p:spPr>
+          <a:xfrm>
+            <a:off x="744955" y="609600"/>
+            <a:ext cx="7765322" cy="970450"/>
+          </a:xfrm>
+        </p:spPr>
+        <p:txBody>
+          <a:bodyPr>
+            <a:normAutofit/>
+          </a:bodyPr>
+          <a:lstStyle/>
+          <a:p>
+            <a:r>
+              <a:rPr lang="en-US" b="1" dirty="0" smtClean="0"/>
+              <a:t>Web Interface </a:t>
+            </a:r>
+            <a:endParaRPr lang="en-US" b="1" dirty="0"/>
+          </a:p>
+        </p:txBody>
+      </p:sp>
+      <p:sp>
+        <p:nvSpPr>
+          <p:cNvPr id="3" name="Content Placeholder 2"/>
+          <p:cNvSpPr>
+            <a:spLocks noGrp="1"/>
+          </p:cNvSpPr>
+          <p:nvPr>
+            <p:ph idx="1"/>
+          </p:nvPr>
+        </p:nvSpPr>
+        <p:spPr>
+          <a:xfrm>
+            <a:off x="744955" y="1676400"/>
+            <a:ext cx="7765322" cy="4058751"/>
+          </a:xfrm>
+        </p:spPr>
+        <p:txBody>
+          <a:bodyPr/>
+          <a:lstStyle/>
+          <a:p>
+            <a:pPr>
+              <a:buNone/>
+            </a:pPr>
+            <a:endParaRPr lang="en-US" dirty="0" smtClean="0"/>
+          </a:p>
+          <a:p>
+            <a:pPr>
+              <a:buNone/>
+            </a:pPr>
+            <a:endParaRPr lang="en-US" dirty="0" smtClean="0"/>
+          </a:p>
+          <a:p>
+            <a:pPr>
+              <a:buNone/>
+            </a:pPr>
+            <a:endParaRPr lang="en-US" dirty="0"/>
+          </a:p>
+        </p:txBody>
+      </p:sp>
+      <p:sp>
+        <p:nvSpPr>
+          <p:cNvPr id="5" name="TextBox 4"/>
+          <p:cNvSpPr txBox="1"/>
+          <p:nvPr/>
+        </p:nvSpPr>
+        <p:spPr>
+          <a:xfrm>
+            <a:off x="228600" y="1935480"/>
+            <a:ext cx="8610599" cy="3243965"/>
+          </a:xfrm>
+          <a:prstGeom prst="rect">
+            <a:avLst/>
+          </a:prstGeom>
+          <a:noFill/>
+        </p:spPr>
+        <p:txBody>
+          <a:bodyPr wrap="square" rtlCol="0">
+            <a:spAutoFit/>
+          </a:bodyPr>
+          <a:lstStyle/>
+          <a:p>
+            <a:pPr marL="342900" indent="-306000" defTabSz="457200">
+              <a:spcBef>
+                <a:spcPct val="20000"/>
+              </a:spcBef>
+              <a:spcAft>
+                <a:spcPts val="600"/>
+              </a:spcAft>
+              <a:buClr>
+                <a:schemeClr val="tx2"/>
+              </a:buClr>
+              <a:buSzPct val="70000"/>
+              <a:buFont typeface="Wingdings 2" charset="2"/>
+              <a:buChar char=""/>
+            </a:pPr>
+            <a:r>
+              <a:rPr lang="en-US" sz="2800" dirty="0" smtClean="0">
+                <a:ln>
+                  <a:solidFill>
+                    <a:schemeClr val="bg1">
+                      <a:lumMod val="75000"/>
+                      <a:lumOff val="25000"/>
+                      <a:alpha val="10000"/>
+                    </a:schemeClr>
+                  </a:solidFill>
+                </a:ln>
+                <a:solidFill>
+                  <a:schemeClr val="tx2"/>
+                </a:solidFill>
+                <a:effectLst>
+                  <a:outerShdw blurRad="9525" dist="25400" dir="14640000" algn="tl" rotWithShape="0">
+                    <a:schemeClr val="bg1">
+                      <a:alpha val="30000"/>
+                    </a:schemeClr>
+                  </a:outerShdw>
+                </a:effectLst>
+              </a:rPr>
+              <a:t>UC:16 Employee/manager logs in through the web interface</a:t>
+            </a:r>
+          </a:p>
+          <a:p>
+            <a:pPr marL="342900" indent="-306000" defTabSz="457200">
+              <a:spcBef>
+                <a:spcPct val="20000"/>
+              </a:spcBef>
+              <a:spcAft>
+                <a:spcPts val="600"/>
+              </a:spcAft>
+              <a:buClr>
+                <a:schemeClr val="tx2"/>
+              </a:buClr>
+              <a:buSzPct val="70000"/>
+              <a:buFont typeface="Wingdings 2" charset="2"/>
+              <a:buChar char=""/>
+            </a:pPr>
+            <a:r>
+              <a:rPr lang="en-US" sz="2800" dirty="0" smtClean="0">
+                <a:ln>
+                  <a:solidFill>
+                    <a:schemeClr val="bg1">
+                      <a:lumMod val="75000"/>
+                      <a:lumOff val="25000"/>
+                      <a:alpha val="10000"/>
+                    </a:schemeClr>
+                  </a:solidFill>
+                </a:ln>
+                <a:solidFill>
+                  <a:schemeClr val="tx2"/>
+                </a:solidFill>
+                <a:effectLst>
+                  <a:outerShdw blurRad="9525" dist="25400" dir="14640000" algn="tl" rotWithShape="0">
+                    <a:schemeClr val="bg1">
+                      <a:alpha val="30000"/>
+                    </a:schemeClr>
+                  </a:outerShdw>
+                </a:effectLst>
+              </a:rPr>
+              <a:t>UC:10,14 Employee logs in/out from web interface </a:t>
+            </a:r>
+          </a:p>
+          <a:p>
+            <a:pPr marL="342900" indent="-306000" defTabSz="457200">
+              <a:spcBef>
+                <a:spcPct val="20000"/>
+              </a:spcBef>
+              <a:spcAft>
+                <a:spcPts val="600"/>
+              </a:spcAft>
+              <a:buClr>
+                <a:schemeClr val="tx2"/>
+              </a:buClr>
+              <a:buSzPct val="70000"/>
+              <a:buFont typeface="Wingdings 2" charset="2"/>
+              <a:buChar char=""/>
+            </a:pPr>
+            <a:r>
+              <a:rPr lang="en-US" sz="2800" dirty="0" smtClean="0">
+                <a:ln>
+                  <a:solidFill>
+                    <a:schemeClr val="bg1">
+                      <a:lumMod val="75000"/>
+                      <a:lumOff val="25000"/>
+                      <a:alpha val="10000"/>
+                    </a:schemeClr>
+                  </a:solidFill>
+                </a:ln>
+                <a:solidFill>
+                  <a:schemeClr val="tx2"/>
+                </a:solidFill>
+                <a:effectLst>
+                  <a:outerShdw blurRad="9525" dist="25400" dir="14640000" algn="tl" rotWithShape="0">
+                    <a:schemeClr val="bg1">
+                      <a:alpha val="30000"/>
+                    </a:schemeClr>
+                  </a:outerShdw>
+                </a:effectLst>
+              </a:rPr>
+              <a:t> UC:13 Manager sets employee schedule</a:t>
+            </a:r>
+          </a:p>
+          <a:p>
+            <a:pPr marL="342900" indent="-306000" defTabSz="457200">
+              <a:spcBef>
+                <a:spcPct val="20000"/>
+              </a:spcBef>
+              <a:spcAft>
+                <a:spcPts val="600"/>
+              </a:spcAft>
+              <a:buClr>
+                <a:schemeClr val="tx2"/>
+              </a:buClr>
+              <a:buSzPct val="70000"/>
+              <a:buFont typeface="Wingdings 2" charset="2"/>
+              <a:buChar char=""/>
+            </a:pPr>
+            <a:r>
+              <a:rPr lang="en-US" sz="2800" dirty="0" smtClean="0">
+                <a:ln>
+                  <a:solidFill>
+                    <a:schemeClr val="bg1">
+                      <a:lumMod val="75000"/>
+                      <a:lumOff val="25000"/>
+                      <a:alpha val="10000"/>
+                    </a:schemeClr>
+                  </a:solidFill>
+                </a:ln>
+                <a:solidFill>
+                  <a:schemeClr val="tx2"/>
+                </a:solidFill>
+                <a:effectLst>
+                  <a:outerShdw blurRad="9525" dist="25400" dir="14640000" algn="tl" rotWithShape="0">
+                    <a:schemeClr val="bg1">
+                      <a:alpha val="30000"/>
+                    </a:schemeClr>
+                  </a:outerShdw>
+                </a:effectLst>
+              </a:rPr>
+              <a:t> UC:15 Manager </a:t>
+            </a:r>
+            <a:r>
+              <a:rPr lang="en-US" sz="2800" dirty="0" smtClean="0">
+                <a:ln>
+                  <a:solidFill>
+                    <a:schemeClr val="bg1">
+                      <a:lumMod val="75000"/>
+                      <a:lumOff val="25000"/>
+                      <a:alpha val="10000"/>
+                    </a:schemeClr>
+                  </a:solidFill>
+                </a:ln>
+                <a:solidFill>
+                  <a:schemeClr val="tx2"/>
+                </a:solidFill>
+                <a:effectLst>
+                  <a:outerShdw blurRad="9525" dist="25400" dir="14640000" algn="tl" rotWithShape="0">
+                    <a:schemeClr val="bg1">
+                      <a:alpha val="30000"/>
+                    </a:schemeClr>
+                  </a:outerShdw>
+                </a:effectLst>
+              </a:rPr>
+              <a:t>acc</a:t>
+            </a:r>
+            <a:r>
+              <a:rPr lang="en-US" sz="2800" dirty="0" smtClean="0">
+                <a:ln>
+                  <a:solidFill>
+                    <a:schemeClr val="bg1">
+                      <a:lumMod val="75000"/>
+                      <a:lumOff val="25000"/>
+                      <a:alpha val="10000"/>
+                    </a:schemeClr>
+                  </a:solidFill>
+                </a:ln>
+                <a:solidFill>
+                  <a:schemeClr val="tx2"/>
+                </a:solidFill>
+                <a:effectLst>
+                  <a:outerShdw blurRad="9525" dist="25400" dir="14640000" algn="tl" rotWithShape="0">
+                    <a:schemeClr val="bg1">
+                      <a:alpha val="30000"/>
+                    </a:schemeClr>
+                  </a:outerShdw>
+                </a:effectLst>
+              </a:rPr>
+              <a:t>esses the web based report</a:t>
+            </a:r>
+            <a:endParaRPr lang="en-US" sz="2800" dirty="0">
+              <a:ln>
+                <a:solidFill>
+                  <a:schemeClr val="bg1">
+                    <a:lumMod val="75000"/>
+                    <a:lumOff val="25000"/>
+                    <a:alpha val="10000"/>
+                  </a:schemeClr>
+                </a:solidFill>
+              </a:ln>
+              <a:solidFill>
+                <a:schemeClr val="tx2"/>
+              </a:solidFill>
+              <a:effectLst>
+                <a:outerShdw blurRad="9525" dist="25400" dir="14640000" algn="tl" rotWithShape="0">
+                  <a:schemeClr val="bg1">
+                    <a:alpha val="30000"/>
+                  </a:schemeClr>
+                </a:outerShdw>
+              </a:effectLst>
+            </a:endParaRPr>
+          </a:p>
+          <a:p>
+            <a:pPr marL="285750" indent="-285750">
+              <a:buFont typeface="Arial" panose="020B0604020202020204" pitchFamily="34" charset="0"/>
+              <a:buChar char="•"/>
+            </a:pPr>
+            <a:endParaRPr lang="en-US" sz="2800" dirty="0"/>
+          </a:p>
+        </p:txBody>
+      </p:sp>
+      <p:sp>
+        <p:nvSpPr>
+          <p:cNvPr id="4" name="TextBox 3"/>
+          <p:cNvSpPr txBox="1"/>
+          <p:nvPr/>
+        </p:nvSpPr>
+        <p:spPr>
+          <a:xfrm>
+            <a:off x="1066800" y="5410200"/>
+            <a:ext cx="5791200" cy="507831"/>
+          </a:xfrm>
+          <a:prstGeom prst="rect">
+            <a:avLst/>
+          </a:prstGeom>
+          <a:noFill/>
+        </p:spPr>
+        <p:txBody>
+          <a:bodyPr wrap="square" rtlCol="0">
+            <a:spAutoFit/>
+          </a:bodyPr>
+          <a:lstStyle/>
+          <a:p>
+            <a:r>
+              <a:rPr lang="en-US" dirty="0" smtClean="0"/>
+              <a:t>Look yourself!:    </a:t>
+            </a:r>
+            <a:r>
+              <a:rPr lang="en-US" sz="2700" dirty="0" smtClean="0"/>
+              <a:t>www.group6project.com</a:t>
+            </a:r>
+            <a:endParaRPr lang="en-US" sz="2700" dirty="0"/>
+          </a:p>
+        </p:txBody>
+      </p:sp>
+    </p:spTree>
+    <p:extLst>
+      <p:ext uri="{BB962C8B-B14F-4D97-AF65-F5344CB8AC3E}">
+        <p14:creationId xmlns:p14="http://schemas.microsoft.com/office/powerpoint/2010/main" val="2542402137"/>
+      </p:ext>
+    </p:extLst>
+  </p:cSld>
+  <p:clrMapOvr>
+    <a:masterClrMapping/>
+  </p:clrMapOvr>
+  <p:timing>
+    <p:tnLst>
+      <p:par>
+        <p:cTn id="1" dur="indefinite" restart="never" nodeType="tmRoot"/>
+      </p:par>
+    </p:tnLst>
+  </p:timing>
+</p:sld>
+</file>
+
+<file path=ppt/slides/slide15.xml><?xml version="1.0" encoding="utf-8"?>
+<p:sld xmlns:a="http://schemas.openxmlformats.org/drawingml/2006/main" xmlns:r="http://schemas.openxmlformats.org/officeDocument/2006/relationships" xmlns:p="http://schemas.openxmlformats.org/presentationml/2006/main">
+  <p:cSld>
+    <p:spTree>
+      <p:nvGrpSpPr>
+        <p:cNvPr id="1" name=""/>
+        <p:cNvGrpSpPr/>
+        <p:nvPr/>
+      </p:nvGrpSpPr>
+      <p:grpSpPr>
+        <a:xfrm>
+          <a:off x="0" y="0"/>
+          <a:ext cx="0" cy="0"/>
+          <a:chOff x="0" y="0"/>
+          <a:chExt cx="0" cy="0"/>
+        </a:xfrm>
+      </p:grpSpPr>
+      <p:sp>
+        <p:nvSpPr>
+          <p:cNvPr id="2" name="Title 1"/>
+          <p:cNvSpPr>
+            <a:spLocks noGrp="1"/>
+          </p:cNvSpPr>
+          <p:nvPr>
+            <p:ph type="title"/>
+          </p:nvPr>
+        </p:nvSpPr>
+        <p:spPr/>
+        <p:txBody>
+          <a:bodyPr/>
+          <a:lstStyle/>
+          <a:p>
             <a:r>
               <a:rPr lang="en-US" b="1" dirty="0" smtClean="0"/>
               <a:t>Lessons learnt</a:t>
@@ -7398,7 +8272,7 @@
 </p:sld>
 </file>
 
-<file path=ppt/slides/slide13.xml><?xml version="1.0" encoding="utf-8"?>
+<file path=ppt/slides/slide16.xml><?xml version="1.0" encoding="utf-8"?>
 <p:sld xmlns:a="http://schemas.openxmlformats.org/drawingml/2006/main" xmlns:r="http://schemas.openxmlformats.org/officeDocument/2006/relationships" xmlns:p="http://schemas.openxmlformats.org/presentationml/2006/main">
   <p:cSld>
     <p:spTree>
@@ -8191,6 +9065,82 @@
             <p:ph type="title"/>
           </p:nvPr>
         </p:nvSpPr>
+        <p:spPr/>
+        <p:txBody>
+          <a:bodyPr/>
+          <a:lstStyle/>
+          <a:p>
+            <a:r>
+              <a:rPr lang="en-US" dirty="0" smtClean="0"/>
+              <a:t>API overview	</a:t>
+            </a:r>
+            <a:endParaRPr lang="en-US" dirty="0"/>
+          </a:p>
+        </p:txBody>
+      </p:sp>
+      <p:sp>
+        <p:nvSpPr>
+          <p:cNvPr id="3" name="Content Placeholder 2"/>
+          <p:cNvSpPr>
+            <a:spLocks noGrp="1"/>
+          </p:cNvSpPr>
+          <p:nvPr>
+            <p:ph idx="1"/>
+          </p:nvPr>
+        </p:nvSpPr>
+        <p:spPr/>
+        <p:txBody>
+          <a:bodyPr/>
+          <a:lstStyle/>
+          <a:p>
+            <a:r>
+              <a:rPr lang="en-US" dirty="0" smtClean="0"/>
+              <a:t>David, fill it in</a:t>
+            </a:r>
+            <a:endParaRPr lang="en-US" dirty="0"/>
+          </a:p>
+        </p:txBody>
+      </p:sp>
+    </p:spTree>
+    <p:extLst>
+      <p:ext uri="{BB962C8B-B14F-4D97-AF65-F5344CB8AC3E}">
+        <p14:creationId xmlns:p14="http://schemas.microsoft.com/office/powerpoint/2010/main" val="3469123171"/>
+      </p:ext>
+    </p:extLst>
+  </p:cSld>
+  <p:clrMapOvr>
+    <a:masterClrMapping/>
+  </p:clrMapOvr>
+</p:sld>
+</file>
+
+<file path=ppt/slides/slide6.xml><?xml version="1.0" encoding="utf-8"?>
+<p:sld xmlns:a="http://schemas.openxmlformats.org/drawingml/2006/main" xmlns:r="http://schemas.openxmlformats.org/officeDocument/2006/relationships" xmlns:p="http://schemas.openxmlformats.org/presentationml/2006/main">
+  <p:cSld>
+    <p:spTree>
+      <p:nvGrpSpPr>
+        <p:cNvPr id="1" name=""/>
+        <p:cNvGrpSpPr/>
+        <p:nvPr/>
+      </p:nvGrpSpPr>
+      <p:grpSpPr>
+        <a:xfrm>
+          <a:off x="0" y="0"/>
+          <a:ext cx="0" cy="0"/>
+          <a:chOff x="0" y="0"/>
+          <a:chExt cx="0" cy="0"/>
+        </a:xfrm>
+      </p:grpSpPr>
+      <p:sp>
+        <p:nvSpPr>
+          <p:cNvPr id="2" name="Title 1"/>
+          <p:cNvSpPr>
+            <a:spLocks noGrp="1"/>
+          </p:cNvSpPr>
+          <p:nvPr>
+            <p:ph type="title"/>
+          </p:nvPr>
+        </p:nvSpPr>
         <p:spPr>
           <a:xfrm>
             <a:off x="685800" y="0"/>
@@ -8268,7 +9218,7 @@
 </p:sld>
 </file>
 
-<file path=ppt/slides/slide6.xml><?xml version="1.0" encoding="utf-8"?>
+<file path=ppt/slides/slide7.xml><?xml version="1.0" encoding="utf-8"?>
 <p:sld xmlns:a="http://schemas.openxmlformats.org/drawingml/2006/main" xmlns:r="http://schemas.openxmlformats.org/officeDocument/2006/relationships" xmlns:p="http://schemas.openxmlformats.org/presentationml/2006/main">
   <p:cSld>
     <p:spTree>
@@ -8309,47 +9259,9 @@
           <a:p>
             <a:r>
               <a:rPr lang="en-US" b="1" dirty="0" smtClean="0"/>
-              <a:t>UC: </a:t>
-            </a:r>
-            <a:r>
-              <a:rPr lang="en-US" b="1" dirty="0" smtClean="0"/>
-              <a:t>1,2 </a:t>
+              <a:t>UC:1,2,3,4 </a:t>
             </a:r>
             <a:endParaRPr lang="en-US" b="1" dirty="0"/>
-          </a:p>
-        </p:txBody>
-      </p:sp>
-      <p:sp>
-        <p:nvSpPr>
-          <p:cNvPr id="3" name="Content Placeholder 2"/>
-          <p:cNvSpPr>
-            <a:spLocks noGrp="1"/>
-          </p:cNvSpPr>
-          <p:nvPr>
-            <p:ph idx="1"/>
-          </p:nvPr>
-        </p:nvSpPr>
-        <p:spPr/>
-        <p:txBody>
-          <a:bodyPr/>
-          <a:lstStyle/>
-          <a:p>
-            <a:pPr>
-              <a:buNone/>
-            </a:pPr>
-            <a:endParaRPr lang="en-US" dirty="0" smtClean="0"/>
-          </a:p>
-          <a:p>
-            <a:pPr>
-              <a:buNone/>
-            </a:pPr>
-            <a:endParaRPr lang="en-US" dirty="0" smtClean="0"/>
-          </a:p>
-          <a:p>
-            <a:pPr>
-              <a:buNone/>
-            </a:pPr>
-            <a:endParaRPr lang="en-US" dirty="0"/>
           </a:p>
         </p:txBody>
       </p:sp>
@@ -8361,8 +9273,8 @@
         </p:nvSpPr>
         <p:spPr>
           <a:xfrm>
-            <a:off x="228601" y="1935480"/>
-            <a:ext cx="4800600" cy="754053"/>
+            <a:off x="433078" y="1524000"/>
+            <a:ext cx="8077199" cy="2634567"/>
           </a:xfrm>
           <a:prstGeom prst="rect">
             <a:avLst/>
@@ -8390,7 +9302,7 @@
               <a:buChar char=""/>
             </a:pPr>
             <a:r>
-              <a:rPr lang="en-US" sz="2000" dirty="0">
+              <a:rPr lang="en-US" sz="2200" dirty="0" smtClean="0">
                 <a:ln>
                   <a:solidFill>
                     <a:schemeClr val="bg1">
@@ -8411,190 +9323,9 @@
                   </a:outerShdw>
                 </a:effectLst>
               </a:rPr>
-              <a:t>At </a:t>
-            </a:r>
-          </a:p>
-          <a:p>
-            <a:pPr marL="285750" indent="-285750">
-              <a:buFont typeface="Arial" panose="020B0604020202020204" pitchFamily="34" charset="0"/>
-              <a:buChar char="•"/>
-            </a:pPr>
-            <a:endParaRPr lang="en-US" dirty="0"/>
-          </a:p>
-        </p:txBody>
-      </p:sp>
-      <p:sp>
-        <p:nvSpPr>
-          <p:cNvPr id="8" name="TextBox 7"/>
-          <p:cNvSpPr txBox="1"/>
-          <p:nvPr/>
-        </p:nvSpPr>
-        <p:spPr>
-          <a:xfrm>
-            <a:off x="5714999" y="6275697"/>
-            <a:ext cx="2828925" cy="646331"/>
-          </a:xfrm>
-          <a:prstGeom prst="rect">
-            <a:avLst/>
-          </a:prstGeom>
-          <a:noFill/>
-        </p:spPr>
-        <p:txBody>
-          <a:bodyPr wrap="square" rtlCol="0">
-            <a:spAutoFit/>
-          </a:bodyPr>
-          <a:lstStyle/>
-          <a:p>
-            <a:pPr algn="ctr"/>
-            <a:r>
-              <a:rPr lang="en-US" dirty="0" smtClean="0"/>
-              <a:t>Current Android version shown</a:t>
-            </a:r>
-            <a:endParaRPr lang="en-US" dirty="0"/>
-          </a:p>
-        </p:txBody>
-      </p:sp>
-      <p:pic>
-        <p:nvPicPr>
-          <p:cNvPr id="6" name="Picture 5"/>
-          <p:cNvPicPr>
-            <a:picLocks noChangeAspect="1"/>
-          </p:cNvPicPr>
-          <p:nvPr/>
-        </p:nvPicPr>
-        <p:blipFill>
-          <a:blip r:embed="rId3"/>
-          <a:stretch>
-            <a:fillRect/>
-          </a:stretch>
-        </p:blipFill>
-        <p:spPr>
-          <a:xfrm>
-            <a:off x="5957577" y="2160897"/>
-            <a:ext cx="2552700" cy="4114800"/>
-          </a:xfrm>
-          <a:prstGeom prst="rect">
-            <a:avLst/>
-          </a:prstGeom>
-        </p:spPr>
-      </p:pic>
-    </p:spTree>
-  </p:cSld>
-  <p:clrMapOvr>
-    <a:masterClrMapping/>
-  </p:clrMapOvr>
-  <p:timing>
-    <p:tnLst>
-      <p:par>
-        <p:cTn id="1" dur="indefinite" restart="never" nodeType="tmRoot"/>
-      </p:par>
-    </p:tnLst>
-  </p:timing>
-</p:sld>
-</file>
-
-<file path=ppt/slides/slide7.xml><?xml version="1.0" encoding="utf-8"?>
-<p:sld xmlns:a="http://schemas.openxmlformats.org/drawingml/2006/main" xmlns:r="http://schemas.openxmlformats.org/officeDocument/2006/relationships" xmlns:p="http://schemas.openxmlformats.org/presentationml/2006/main">
-  <p:cSld>
-    <p:spTree>
-      <p:nvGrpSpPr>
-        <p:cNvPr id="1" name=""/>
-        <p:cNvGrpSpPr/>
-        <p:nvPr/>
-      </p:nvGrpSpPr>
-      <p:grpSpPr>
-        <a:xfrm>
-          <a:off x="0" y="0"/>
-          <a:ext cx="0" cy="0"/>
-          <a:chOff x="0" y="0"/>
-          <a:chExt cx="0" cy="0"/>
-        </a:xfrm>
-      </p:grpSpPr>
-      <p:sp>
-        <p:nvSpPr>
-          <p:cNvPr id="2" name="Title 1"/>
-          <p:cNvSpPr>
-            <a:spLocks noGrp="1"/>
-          </p:cNvSpPr>
-          <p:nvPr>
-            <p:ph type="title"/>
-          </p:nvPr>
-        </p:nvSpPr>
-        <p:spPr>
-          <a:xfrm>
-            <a:off x="744955" y="609600"/>
-            <a:ext cx="7765322" cy="970450"/>
-          </a:xfrm>
-        </p:spPr>
-        <p:txBody>
-          <a:bodyPr>
-            <a:normAutofit/>
-          </a:bodyPr>
-          <a:lstStyle/>
-          <a:p>
-            <a:r>
-              <a:rPr lang="en-US" b="1" dirty="0" smtClean="0"/>
-              <a:t>UC: </a:t>
-            </a:r>
-            <a:endParaRPr lang="en-US" b="1" dirty="0"/>
-          </a:p>
-        </p:txBody>
-      </p:sp>
-      <p:sp>
-        <p:nvSpPr>
-          <p:cNvPr id="3" name="Content Placeholder 2"/>
-          <p:cNvSpPr>
-            <a:spLocks noGrp="1"/>
-          </p:cNvSpPr>
-          <p:nvPr>
-            <p:ph idx="1"/>
-          </p:nvPr>
-        </p:nvSpPr>
-        <p:spPr/>
-        <p:txBody>
-          <a:bodyPr/>
-          <a:lstStyle/>
-          <a:p>
-            <a:pPr>
-              <a:buNone/>
-            </a:pPr>
-            <a:endParaRPr lang="en-US" dirty="0" smtClean="0"/>
-          </a:p>
-          <a:p>
-            <a:pPr>
-              <a:buNone/>
-            </a:pPr>
-            <a:endParaRPr lang="en-US" dirty="0" smtClean="0"/>
-          </a:p>
-          <a:p>
-            <a:pPr>
-              <a:buNone/>
-            </a:pPr>
-            <a:endParaRPr lang="en-US" dirty="0"/>
-          </a:p>
-        </p:txBody>
-      </p:sp>
-      <p:sp>
-        <p:nvSpPr>
-          <p:cNvPr id="5" name="TextBox 4"/>
-          <p:cNvSpPr txBox="1"/>
-          <p:nvPr/>
-        </p:nvSpPr>
-        <p:spPr>
-          <a:xfrm>
-            <a:off x="228601" y="1935480"/>
-            <a:ext cx="4800600" cy="754053"/>
-          </a:xfrm>
-          <a:prstGeom prst="rect">
-            <a:avLst/>
-          </a:prstGeom>
-          <a:noFill/>
-        </p:spPr>
-        <p:txBody>
-          <a:bodyPr wrap="square" rtlCol="0">
-            <a:spAutoFit/>
-          </a:bodyPr>
-          <a:lstStyle/>
+              <a:t>UC:1 Walk in the work place, get auto logged in by detection of their GPS coordinates</a:t>
+            </a:r>
+          </a:p>
           <a:p>
             <a:pPr marL="342900" indent="-306000" defTabSz="457200">
               <a:spcBef>
@@ -8611,7 +9342,7 @@
               <a:buChar char=""/>
             </a:pPr>
             <a:r>
-              <a:rPr lang="en-US" sz="2000" dirty="0">
+              <a:rPr lang="en-US" sz="2200" dirty="0" smtClean="0">
                 <a:ln>
                   <a:solidFill>
                     <a:schemeClr val="bg1">
@@ -8632,79 +9363,118 @@
                   </a:outerShdw>
                 </a:effectLst>
               </a:rPr>
-              <a:t>At </a:t>
-            </a:r>
+              <a:t>UC:3,4  Leave / return for lunch, auto log in/out</a:t>
+            </a:r>
+          </a:p>
+          <a:p>
+            <a:pPr marL="342900" indent="-306000" defTabSz="457200">
+              <a:spcBef>
+                <a:spcPct val="20000"/>
+              </a:spcBef>
+              <a:spcAft>
+                <a:spcPts val="600"/>
+              </a:spcAft>
+              <a:buClr>
+                <a:schemeClr val="tx2"/>
+              </a:buClr>
+              <a:buSzPct val="70000"/>
+              <a:buFont typeface="Wingdings 2" charset="2"/>
+              <a:buChar char=""/>
+            </a:pPr>
+            <a:r>
+              <a:rPr lang="en-US" sz="2200" dirty="0" smtClean="0">
+                <a:ln>
+                  <a:solidFill>
+                    <a:schemeClr val="bg1">
+                      <a:lumMod val="75000"/>
+                      <a:lumOff val="25000"/>
+                      <a:alpha val="10000"/>
+                    </a:schemeClr>
+                  </a:solidFill>
+                </a:ln>
+                <a:solidFill>
+                  <a:schemeClr val="tx2"/>
+                </a:solidFill>
+                <a:effectLst>
+                  <a:outerShdw blurRad="9525" dist="25400" dir="14640000" algn="tl" rotWithShape="0">
+                    <a:schemeClr val="bg1">
+                      <a:alpha val="30000"/>
+                    </a:schemeClr>
+                  </a:outerShdw>
+                </a:effectLst>
+              </a:rPr>
+              <a:t>UC:2 Leave for the day, auto logout</a:t>
+            </a:r>
+          </a:p>
+          <a:p>
+            <a:pPr marL="36900" defTabSz="457200">
+              <a:spcBef>
+                <a:spcPct val="20000"/>
+              </a:spcBef>
+              <a:spcAft>
+                <a:spcPts val="600"/>
+              </a:spcAft>
+              <a:buClr>
+                <a:schemeClr val="tx2"/>
+              </a:buClr>
+              <a:buSzPct val="70000"/>
+            </a:pPr>
+            <a:r>
+              <a:rPr lang="en-US" sz="2200" dirty="0" smtClean="0">
+                <a:ln>
+                  <a:solidFill>
+                    <a:schemeClr val="bg1">
+                      <a:lumMod val="75000"/>
+                      <a:lumOff val="25000"/>
+                      <a:alpha val="10000"/>
+                    </a:schemeClr>
+                  </a:solidFill>
+                </a:ln>
+                <a:solidFill>
+                  <a:schemeClr val="tx2"/>
+                </a:solidFill>
+                <a:effectLst>
+                  <a:outerShdw blurRad="9525" dist="25400" dir="14640000" algn="tl" rotWithShape="0">
+                    <a:schemeClr val="bg1">
+                      <a:alpha val="30000"/>
+                    </a:schemeClr>
+                  </a:outerShdw>
+                </a:effectLst>
+              </a:rPr>
+              <a:t>Output: Employee is notified by a tone/visual </a:t>
+            </a:r>
+            <a:endParaRPr lang="en-US" sz="2200" dirty="0">
+              <a:ln>
+                <a:solidFill>
+                  <a:schemeClr val="bg1">
+                    <a:lumMod val="75000"/>
+                    <a:lumOff val="25000"/>
+                    <a:alpha val="10000"/>
+                  </a:schemeClr>
+                </a:solidFill>
+              </a:ln>
+              <a:solidFill>
+                <a:schemeClr val="tx2"/>
+              </a:solidFill>
+              <a:effectLst>
+                <a:outerShdw blurRad="9525" dist="25400" dir="14640000" algn="tl" rotWithShape="0">
+                  <a:schemeClr val="bg1">
+                    <a:alpha val="30000"/>
+                  </a:schemeClr>
+                </a:outerShdw>
+              </a:effectLst>
+            </a:endParaRPr>
           </a:p>
           <a:p>
             <a:pPr marL="285750" indent="-285750">
               <a:buFont typeface="Arial" panose="020B0604020202020204" pitchFamily="34" charset="0"/>
               <a:buChar char="•"/>
             </a:pPr>
-            <a:endParaRPr lang="en-US" dirty="0"/>
-          </a:p>
-        </p:txBody>
-      </p:sp>
-      <p:sp>
-        <p:nvSpPr>
-          <p:cNvPr id="8" name="TextBox 7"/>
-          <p:cNvSpPr txBox="1"/>
-          <p:nvPr/>
-        </p:nvSpPr>
-        <p:spPr>
-          <a:xfrm>
-            <a:off x="5714999" y="6275697"/>
-            <a:ext cx="2828925" cy="646331"/>
-          </a:xfrm>
-          <a:prstGeom prst="rect">
-            <a:avLst/>
-          </a:prstGeom>
-          <a:noFill/>
-        </p:spPr>
-        <p:txBody>
-          <a:bodyPr wrap="square" rtlCol="0">
-            <a:spAutoFit/>
-          </a:bodyPr>
-          <a:lstStyle/>
-          <a:p>
-            <a:pPr algn="ctr"/>
-            <a:r>
-              <a:rPr lang="en-US" dirty="0" smtClean="0"/>
-              <a:t>Current Android version shown</a:t>
-            </a:r>
-            <a:endParaRPr lang="en-US" dirty="0"/>
-          </a:p>
-        </p:txBody>
-      </p:sp>
-      <p:pic>
-        <p:nvPicPr>
-          <p:cNvPr id="6" name="Picture 5"/>
-          <p:cNvPicPr>
-            <a:picLocks noChangeAspect="1"/>
-          </p:cNvPicPr>
-          <p:nvPr/>
-        </p:nvPicPr>
-        <p:blipFill>
-          <a:blip r:embed="rId3"/>
-          <a:stretch>
-            <a:fillRect/>
-          </a:stretch>
-        </p:blipFill>
-        <p:spPr>
-          <a:xfrm>
-            <a:off x="5957577" y="2160897"/>
-            <a:ext cx="2552700" cy="4114800"/>
-          </a:xfrm>
-          <a:prstGeom prst="rect">
-            <a:avLst/>
-          </a:prstGeom>
-        </p:spPr>
-      </p:pic>
+            <a:endParaRPr lang="en-US" sz="2200" dirty="0"/>
+          </a:p>
+        </p:txBody>
+      </p:sp>
     </p:spTree>
-    <p:extLst>
-      <p:ext uri="{BB962C8B-B14F-4D97-AF65-F5344CB8AC3E}">
-        <p14:creationId xmlns:p14="http://schemas.microsoft.com/office/powerpoint/2010/main" val="632186089"/>
-      </p:ext>
-    </p:extLst>
   </p:cSld>
   <p:clrMapOvr>
     <a:masterClrMapping/>
@@ -8746,23 +9516,16 @@
             <p:ph type="title"/>
           </p:nvPr>
         </p:nvSpPr>
-        <p:spPr>
-          <a:xfrm>
-            <a:off x="744955" y="609600"/>
-            <a:ext cx="7765322" cy="970450"/>
-          </a:xfrm>
-        </p:spPr>
-        <p:txBody>
-          <a:bodyPr>
-            <a:normAutofit/>
-          </a:bodyPr>
-          <a:lstStyle/>
-          <a:p>
-            <a:r>
-              <a:rPr lang="en-US" b="1" dirty="0" smtClean="0"/>
-              <a:t>UC: </a:t>
-            </a:r>
-            <a:endParaRPr lang="en-US" b="1" dirty="0"/>
+        <p:spPr/>
+        <p:txBody>
+          <a:bodyPr/>
+          <a:lstStyle/>
+          <a:p>
+            <a:r>
+              <a:rPr lang="en-US" dirty="0" smtClean="0"/>
+              <a:t>GPS Service class </a:t>
+            </a:r>
+            <a:endParaRPr lang="en-US" dirty="0"/>
           </a:p>
         </p:txBody>
       </p:sp>
@@ -8781,167 +9544,24 @@
           <a:bodyPr/>
           <a:lstStyle/>
           <a:p>
-            <a:pPr>
-              <a:buNone/>
-            </a:pPr>
-            <a:endParaRPr lang="en-US" dirty="0" smtClean="0"/>
-          </a:p>
-          <a:p>
-            <a:pPr>
-              <a:buNone/>
-            </a:pPr>
-            <a:endParaRPr lang="en-US" dirty="0" smtClean="0"/>
-          </a:p>
-          <a:p>
-            <a:pPr>
-              <a:buNone/>
-            </a:pPr>
+            <a:r>
+              <a:rPr lang="en-US" dirty="0" smtClean="0"/>
+              <a:t>David, explain functions in GPS service and how we hook it to app</a:t>
+            </a:r>
             <a:endParaRPr lang="en-US" dirty="0"/>
           </a:p>
         </p:txBody>
       </p:sp>
-      <p:sp>
-        <p:nvSpPr>
-          <p:cNvPr id="5" name="TextBox 4"/>
-          <p:cNvSpPr txBox="1"/>
-          <p:nvPr/>
-        </p:nvSpPr>
-        <p:spPr>
-          <a:xfrm>
-            <a:off x="228601" y="1935480"/>
-            <a:ext cx="4800600" cy="754053"/>
-          </a:xfrm>
-          <a:prstGeom prst="rect">
-            <a:avLst/>
-          </a:prstGeom>
-          <a:noFill/>
-        </p:spPr>
-        <p:txBody>
-          <a:bodyPr wrap="square" rtlCol="0">
-            <a:spAutoFit/>
-          </a:bodyPr>
-          <a:lstStyle/>
-          <a:p>
-            <a:pPr marL="342900" indent="-306000" defTabSz="457200">
-              <a:spcBef>
-                <a:spcPct val="20000"/>
-              </a:spcBef>
-              <a:spcAft>
-                <a:spcPts val="600"/>
-              </a:spcAft>
-              <a:buClr>
-                <a:schemeClr val="tx2"/>
-              </a:buClr>
-              <a:buSzPct val="70000"/>
-              <a:buFont typeface="Wingdings 2" charset="2"/>
-              <a:buChar char=""/>
-            </a:pPr>
-            <a:r>
-              <a:rPr lang="en-US" sz="2000" dirty="0">
-                <a:ln>
-                  <a:solidFill>
-                    <a:schemeClr val="bg1">
-                      <a:lumMod val="75000"/>
-                      <a:lumOff val="25000"/>
-                      <a:alpha val="10000"/>
-                    </a:schemeClr>
-                  </a:solidFill>
-                </a:ln>
-                <a:solidFill>
-                  <a:schemeClr val="tx2"/>
-                </a:solidFill>
-                <a:effectLst>
-                  <a:outerShdw blurRad="9525" dist="25400" dir="14640000" algn="tl" rotWithShape="0">
-                    <a:schemeClr val="bg1">
-                      <a:alpha val="30000"/>
-                    </a:schemeClr>
-                  </a:outerShdw>
-                </a:effectLst>
-              </a:rPr>
-              <a:t>At </a:t>
-            </a:r>
-          </a:p>
-          <a:p>
-            <a:pPr marL="285750" indent="-285750">
-              <a:buFont typeface="Arial" panose="020B0604020202020204" pitchFamily="34" charset="0"/>
-              <a:buChar char="•"/>
-            </a:pPr>
-            <a:endParaRPr lang="en-US" dirty="0"/>
-          </a:p>
-        </p:txBody>
-      </p:sp>
-      <p:sp>
-        <p:nvSpPr>
-          <p:cNvPr id="8" name="TextBox 7"/>
-          <p:cNvSpPr txBox="1"/>
-          <p:nvPr/>
-        </p:nvSpPr>
-        <p:spPr>
-          <a:xfrm>
-            <a:off x="5714999" y="6275697"/>
-            <a:ext cx="2828925" cy="646331"/>
-          </a:xfrm>
-          <a:prstGeom prst="rect">
-            <a:avLst/>
-          </a:prstGeom>
-          <a:noFill/>
-        </p:spPr>
-        <p:txBody>
-          <a:bodyPr wrap="square" rtlCol="0">
-            <a:spAutoFit/>
-          </a:bodyPr>
-          <a:lstStyle/>
-          <a:p>
-            <a:pPr algn="ctr"/>
-            <a:r>
-              <a:rPr lang="en-US" dirty="0" smtClean="0"/>
-              <a:t>Current Android version shown</a:t>
-            </a:r>
-            <a:endParaRPr lang="en-US" dirty="0"/>
-          </a:p>
-        </p:txBody>
-      </p:sp>
-      <p:pic>
-        <p:nvPicPr>
-          <p:cNvPr id="6" name="Picture 5"/>
-          <p:cNvPicPr>
-            <a:picLocks noChangeAspect="1"/>
-          </p:cNvPicPr>
-          <p:nvPr/>
-        </p:nvPicPr>
-        <p:blipFill>
-          <a:blip r:embed="rId3"/>
-          <a:stretch>
-            <a:fillRect/>
-          </a:stretch>
-        </p:blipFill>
-        <p:spPr>
-          <a:xfrm>
-            <a:off x="5957577" y="2160897"/>
-            <a:ext cx="2552700" cy="4114800"/>
-          </a:xfrm>
-          <a:prstGeom prst="rect">
-            <a:avLst/>
-          </a:prstGeom>
-        </p:spPr>
-      </p:pic>
     </p:spTree>
     <p:extLst>
       <p:ext uri="{BB962C8B-B14F-4D97-AF65-F5344CB8AC3E}">
-        <p14:creationId xmlns:p14="http://schemas.microsoft.com/office/powerpoint/2010/main" val="2542402137"/>
+        <p14:creationId xmlns:p14="http://schemas.microsoft.com/office/powerpoint/2010/main" val="680023946"/>
       </p:ext>
     </p:extLst>
   </p:cSld>
   <p:clrMapOvr>
     <a:masterClrMapping/>
   </p:clrMapOvr>
-  <p:timing>
-    <p:tnLst>
-      <p:par>
-        <p:cTn id="1" dur="indefinite" restart="never" nodeType="tmRoot"/>
-      </p:par>
-    </p:tnLst>
-  </p:timing>
 </p:sld>
 </file>
 
@@ -8972,23 +9592,21 @@
             <p:ph type="title"/>
           </p:nvPr>
         </p:nvSpPr>
-        <p:spPr>
-          <a:xfrm>
-            <a:off x="744955" y="609600"/>
-            <a:ext cx="7765322" cy="970450"/>
-          </a:xfrm>
-        </p:spPr>
+        <p:spPr/>
         <p:txBody>
           <a:bodyPr>
-            <a:normAutofit/>
+            <a:normAutofit fontScale="90000"/>
           </a:bodyPr>
           <a:lstStyle/>
           <a:p>
             <a:r>
-              <a:rPr lang="en-US" b="1" dirty="0" smtClean="0"/>
-              <a:t>UC: </a:t>
-            </a:r>
-            <a:endParaRPr lang="en-US" b="1" dirty="0"/>
+              <a:rPr lang="en-US" dirty="0"/>
+              <a:t>David: Relation between </a:t>
+            </a:r>
+            <a:br>
+              <a:rPr lang="en-US" dirty="0"/>
+            </a:br>
+            <a:endParaRPr lang="en-US" dirty="0"/>
           </a:p>
         </p:txBody>
       </p:sp>
@@ -9007,167 +9625,51 @@
           <a:bodyPr/>
           <a:lstStyle/>
           <a:p>
-            <a:pPr>
-              <a:buNone/>
-            </a:pPr>
-            <a:endParaRPr lang="en-US" dirty="0" smtClean="0"/>
-          </a:p>
-          <a:p>
-            <a:pPr>
-              <a:buNone/>
-            </a:pPr>
-            <a:endParaRPr lang="en-US" dirty="0" smtClean="0"/>
-          </a:p>
-          <a:p>
-            <a:pPr>
-              <a:buNone/>
-            </a:pPr>
+            <a:r>
+              <a:rPr lang="en-US" dirty="0"/>
+              <a:t>David: Relation between </a:t>
+            </a:r>
+          </a:p>
+          <a:p>
+            <a:r>
+              <a:rPr lang="en-US" dirty="0"/>
+              <a:t>&lt;app&gt; </a:t>
+            </a:r>
+            <a:r>
+              <a:rPr lang="en-US" dirty="0">
+                <a:sym typeface="Wingdings" panose="05000000000000000000" pitchFamily="2" charset="2"/>
+              </a:rPr>
+              <a:t> &lt;transporter&gt; &lt;GPS service&gt; &lt;</a:t>
+            </a:r>
+            <a:r>
+              <a:rPr lang="en-US" dirty="0" err="1">
+                <a:sym typeface="Wingdings" panose="05000000000000000000" pitchFamily="2" charset="2"/>
+              </a:rPr>
+              <a:t>Api</a:t>
+            </a:r>
+            <a:r>
+              <a:rPr lang="en-US" dirty="0">
+                <a:sym typeface="Wingdings" panose="05000000000000000000" pitchFamily="2" charset="2"/>
+              </a:rPr>
+              <a:t>&gt; </a:t>
+            </a:r>
             <a:endParaRPr lang="en-US" dirty="0"/>
           </a:p>
-        </p:txBody>
-      </p:sp>
-      <p:sp>
-        <p:nvSpPr>
-          <p:cNvPr id="5" name="TextBox 4"/>
-          <p:cNvSpPr txBox="1"/>
-          <p:nvPr/>
-        </p:nvSpPr>
-        <p:spPr>
-          <a:xfrm>
-            <a:off x="228601" y="1935480"/>
-            <a:ext cx="4800600" cy="754053"/>
-          </a:xfrm>
-          <a:prstGeom prst="rect">
-            <a:avLst/>
-          </a:prstGeom>
-          <a:noFill/>
-        </p:spPr>
-        <p:txBody>
-          <a:bodyPr wrap="square" rtlCol="0">
-            <a:spAutoFit/>
-          </a:bodyPr>
-          <a:lstStyle/>
-          <a:p>
-            <a:pPr marL="342900" indent="-306000" defTabSz="457200">
-              <a:spcBef>
-                <a:spcPct val="20000"/>
-              </a:spcBef>
-              <a:spcAft>
-                <a:spcPts val="600"/>
-              </a:spcAft>
-              <a:buClr>
-                <a:schemeClr val="tx2"/>
-              </a:buClr>
-              <a:buSzPct val="70000"/>
-              <a:buFont typeface="Wingdings 2" charset="2"/>
-              <a:buChar char=""/>
-            </a:pPr>
-            <a:r>
-              <a:rPr lang="en-US" sz="2000" dirty="0">
-                <a:ln>
-                  <a:solidFill>
-                    <a:schemeClr val="bg1">
-                      <a:lumMod val="75000"/>
-                      <a:lumOff val="25000"/>
-                      <a:alpha val="10000"/>
-                    </a:schemeClr>
-                  </a:solidFill>
-                </a:ln>
-                <a:solidFill>
-                  <a:schemeClr val="tx2"/>
-                </a:solidFill>
-                <a:effectLst>
-                  <a:outerShdw blurRad="9525" dist="25400" dir="14640000" algn="tl" rotWithShape="0">
-                    <a:schemeClr val="bg1">
-                      <a:alpha val="30000"/>
-                    </a:schemeClr>
-                  </a:outerShdw>
-                </a:effectLst>
-              </a:rPr>
-              <a:t>At </a:t>
-            </a:r>
-          </a:p>
-          <a:p>
-            <a:pPr marL="285750" indent="-285750">
-              <a:buFont typeface="Arial" panose="020B0604020202020204" pitchFamily="34" charset="0"/>
-              <a:buChar char="•"/>
-            </a:pPr>
+          <a:p>
             <a:endParaRPr lang="en-US" dirty="0"/>
           </a:p>
         </p:txBody>
       </p:sp>
-      <p:sp>
-        <p:nvSpPr>
-          <p:cNvPr id="8" name="TextBox 7"/>
-          <p:cNvSpPr txBox="1"/>
-          <p:nvPr/>
-        </p:nvSpPr>
-        <p:spPr>
-          <a:xfrm>
-            <a:off x="5714999" y="6275697"/>
-            <a:ext cx="2828925" cy="646331"/>
-          </a:xfrm>
-          <a:prstGeom prst="rect">
-            <a:avLst/>
-          </a:prstGeom>
-          <a:noFill/>
-        </p:spPr>
-        <p:txBody>
-          <a:bodyPr wrap="square" rtlCol="0">
-            <a:spAutoFit/>
-          </a:bodyPr>
-          <a:lstStyle/>
-          <a:p>
-            <a:pPr algn="ctr"/>
-            <a:r>
-              <a:rPr lang="en-US" dirty="0" smtClean="0"/>
-              <a:t>Current Android version shown</a:t>
-            </a:r>
-            <a:endParaRPr lang="en-US" dirty="0"/>
-          </a:p>
-        </p:txBody>
-      </p:sp>
-      <p:pic>
-        <p:nvPicPr>
-          <p:cNvPr id="6" name="Picture 5"/>
-          <p:cNvPicPr>
-            <a:picLocks noChangeAspect="1"/>
-          </p:cNvPicPr>
-          <p:nvPr/>
-        </p:nvPicPr>
-        <p:blipFill>
-          <a:blip r:embed="rId3"/>
-          <a:stretch>
-            <a:fillRect/>
-          </a:stretch>
-        </p:blipFill>
-        <p:spPr>
-          <a:xfrm>
-            <a:off x="5957577" y="2160897"/>
-            <a:ext cx="2552700" cy="4114800"/>
-          </a:xfrm>
-          <a:prstGeom prst="rect">
-            <a:avLst/>
-          </a:prstGeom>
-        </p:spPr>
-      </p:pic>
     </p:spTree>
     <p:extLst>
       <p:ext uri="{BB962C8B-B14F-4D97-AF65-F5344CB8AC3E}">
-        <p14:creationId xmlns:p14="http://schemas.microsoft.com/office/powerpoint/2010/main" val="2145517465"/>
+        <p14:creationId xmlns:p14="http://schemas.microsoft.com/office/powerpoint/2010/main" val="2503995030"/>
       </p:ext>
     </p:extLst>
   </p:cSld>
   <p:clrMapOvr>
     <a:masterClrMapping/>
   </p:clrMapOvr>
-  <p:timing>
-    <p:tnLst>
-      <p:par>
-        <p:cTn id="1" dur="indefinite" restart="never" nodeType="tmRoot"/>
-      </p:par>
-    </p:tnLst>
-  </p:timing>
 </p:sld>
 </file>
 
@@ -9408,8 +9910,9 @@
       <a:spPr>
         <a:ln w="76200">
           <a:solidFill>
-            <a:srgbClr val="FFFF00"/>
+            <a:srgbClr val="FFC000"/>
           </a:solidFill>
+          <a:tailEnd type="triangle"/>
         </a:ln>
       </a:spPr>
       <a:bodyPr/>

--- a/MobAppFinalPresent.pptx
+++ b/MobAppFinalPresent.pptx
@@ -5,7 +5,7 @@
     <p:sldMasterId id="2147483672" r:id="rId1"/>
   </p:sldMasterIdLst>
   <p:notesMasterIdLst>
-    <p:notesMasterId r:id="rId18"/>
+    <p:notesMasterId r:id="rId19"/>
   </p:notesMasterIdLst>
   <p:sldIdLst>
     <p:sldId id="256" r:id="rId2"/>
@@ -14,16 +14,17 @@
     <p:sldId id="277" r:id="rId5"/>
     <p:sldId id="282" r:id="rId6"/>
     <p:sldId id="274" r:id="rId7"/>
-    <p:sldId id="259" r:id="rId8"/>
-    <p:sldId id="283" r:id="rId9"/>
-    <p:sldId id="284" r:id="rId10"/>
-    <p:sldId id="278" r:id="rId11"/>
-    <p:sldId id="285" r:id="rId12"/>
-    <p:sldId id="287" r:id="rId13"/>
-    <p:sldId id="286" r:id="rId14"/>
-    <p:sldId id="279" r:id="rId15"/>
-    <p:sldId id="275" r:id="rId16"/>
-    <p:sldId id="276" r:id="rId17"/>
+    <p:sldId id="288" r:id="rId8"/>
+    <p:sldId id="259" r:id="rId9"/>
+    <p:sldId id="283" r:id="rId10"/>
+    <p:sldId id="284" r:id="rId11"/>
+    <p:sldId id="278" r:id="rId12"/>
+    <p:sldId id="285" r:id="rId13"/>
+    <p:sldId id="287" r:id="rId14"/>
+    <p:sldId id="286" r:id="rId15"/>
+    <p:sldId id="279" r:id="rId16"/>
+    <p:sldId id="275" r:id="rId17"/>
+    <p:sldId id="276" r:id="rId18"/>
   </p:sldIdLst>
   <p:sldSz cx="9144000" cy="6858000" type="screen4x3"/>
   <p:notesSz cx="6858000" cy="9144000"/>
@@ -124,7 +125,7 @@
   </p:defaultTextStyle>
   <p:extLst>
     <p:ext uri="{EFAFB233-063F-42B5-8137-9DF3F51BA10A}">
-      <p15:sldGuideLst xmlns:p15="http://schemas.microsoft.com/office/powerpoint/2012/main">
+      <p15:sldGuideLst xmlns:p15="http://schemas.microsoft.com/office/powerpoint/2012/main" xmlns="">
         <p15:guide id="1" orient="horz" pos="2160">
           <p15:clr>
             <a:srgbClr val="A4A3A4"/>
@@ -224,7 +225,7 @@
             <a:fld id="{4A33FB36-6EF8-4692-8B0F-0E50E7267C39}" type="datetimeFigureOut">
               <a:rPr lang="en-US" smtClean="0"/>
               <a:pPr/>
-              <a:t>11/15/2015</a:t>
+              <a:t>11/16/2015</a:t>
             </a:fld>
             <a:endParaRPr lang="en-US"/>
           </a:p>
@@ -559,7 +560,7 @@
             <a:fld id="{9C75C2C6-49ED-4485-B0BC-FAD6842E771D}" type="slidenum">
               <a:rPr lang="en-US" smtClean="0"/>
               <a:pPr/>
-              <a:t>7</a:t>
+              <a:t>8</a:t>
             </a:fld>
             <a:endParaRPr lang="en-US"/>
           </a:p>
@@ -644,7 +645,7 @@
             <a:fld id="{9C75C2C6-49ED-4485-B0BC-FAD6842E771D}" type="slidenum">
               <a:rPr lang="en-US" smtClean="0"/>
               <a:pPr/>
-              <a:t>10</a:t>
+              <a:t>11</a:t>
             </a:fld>
             <a:endParaRPr lang="en-US"/>
           </a:p>
@@ -737,7 +738,7 @@
             <a:fld id="{9C75C2C6-49ED-4485-B0BC-FAD6842E771D}" type="slidenum">
               <a:rPr lang="en-US" smtClean="0"/>
               <a:pPr/>
-              <a:t>14</a:t>
+              <a:t>15</a:t>
             </a:fld>
             <a:endParaRPr lang="en-US"/>
           </a:p>
@@ -942,7 +943,7 @@
             <a:fld id="{2CC031FC-700A-4711-97F2-14A15C18F49D}" type="datetimeFigureOut">
               <a:rPr lang="en-US" smtClean="0"/>
               <a:pPr/>
-              <a:t>11/15/2015</a:t>
+              <a:t>11/16/2015</a:t>
             </a:fld>
             <a:endParaRPr lang="en-US"/>
           </a:p>
@@ -1242,7 +1243,7 @@
             <a:fld id="{2CC031FC-700A-4711-97F2-14A15C18F49D}" type="datetimeFigureOut">
               <a:rPr lang="en-US" smtClean="0"/>
               <a:pPr/>
-              <a:t>11/15/2015</a:t>
+              <a:t>11/16/2015</a:t>
             </a:fld>
             <a:endParaRPr lang="en-US"/>
           </a:p>
@@ -1436,7 +1437,7 @@
             <a:fld id="{2CC031FC-700A-4711-97F2-14A15C18F49D}" type="datetimeFigureOut">
               <a:rPr lang="en-US" smtClean="0"/>
               <a:pPr/>
-              <a:t>11/15/2015</a:t>
+              <a:t>11/16/2015</a:t>
             </a:fld>
             <a:endParaRPr lang="en-US"/>
           </a:p>
@@ -1699,7 +1700,7 @@
             <a:fld id="{2CC031FC-700A-4711-97F2-14A15C18F49D}" type="datetimeFigureOut">
               <a:rPr lang="en-US" smtClean="0"/>
               <a:pPr/>
-              <a:t>11/15/2015</a:t>
+              <a:t>11/16/2015</a:t>
             </a:fld>
             <a:endParaRPr lang="en-US"/>
           </a:p>
@@ -2125,7 +2126,7 @@
             <a:fld id="{2CC031FC-700A-4711-97F2-14A15C18F49D}" type="datetimeFigureOut">
               <a:rPr lang="en-US" smtClean="0"/>
               <a:pPr/>
-              <a:t>11/15/2015</a:t>
+              <a:t>11/16/2015</a:t>
             </a:fld>
             <a:endParaRPr lang="en-US"/>
           </a:p>
@@ -2664,7 +2665,7 @@
             <a:fld id="{2CC031FC-700A-4711-97F2-14A15C18F49D}" type="datetimeFigureOut">
               <a:rPr lang="en-US" smtClean="0"/>
               <a:pPr/>
-              <a:t>11/15/2015</a:t>
+              <a:t>11/16/2015</a:t>
             </a:fld>
             <a:endParaRPr lang="en-US"/>
           </a:p>
@@ -3530,7 +3531,7 @@
             <a:fld id="{2CC031FC-700A-4711-97F2-14A15C18F49D}" type="datetimeFigureOut">
               <a:rPr lang="en-US" smtClean="0"/>
               <a:pPr/>
-              <a:t>11/15/2015</a:t>
+              <a:t>11/16/2015</a:t>
             </a:fld>
             <a:endParaRPr lang="en-US"/>
           </a:p>
@@ -3702,7 +3703,7 @@
             <a:fld id="{2CC031FC-700A-4711-97F2-14A15C18F49D}" type="datetimeFigureOut">
               <a:rPr lang="en-US" smtClean="0"/>
               <a:pPr/>
-              <a:t>11/15/2015</a:t>
+              <a:t>11/16/2015</a:t>
             </a:fld>
             <a:endParaRPr lang="en-US"/>
           </a:p>
@@ -3888,7 +3889,7 @@
             <a:fld id="{2CC031FC-700A-4711-97F2-14A15C18F49D}" type="datetimeFigureOut">
               <a:rPr lang="en-US" smtClean="0"/>
               <a:pPr/>
-              <a:t>11/15/2015</a:t>
+              <a:t>11/16/2015</a:t>
             </a:fld>
             <a:endParaRPr lang="en-US"/>
           </a:p>
@@ -4060,7 +4061,7 @@
             <a:fld id="{2CC031FC-700A-4711-97F2-14A15C18F49D}" type="datetimeFigureOut">
               <a:rPr lang="en-US" smtClean="0"/>
               <a:pPr/>
-              <a:t>11/15/2015</a:t>
+              <a:t>11/16/2015</a:t>
             </a:fld>
             <a:endParaRPr lang="en-US"/>
           </a:p>
@@ -4306,7 +4307,7 @@
             <a:fld id="{2CC031FC-700A-4711-97F2-14A15C18F49D}" type="datetimeFigureOut">
               <a:rPr lang="en-US" smtClean="0"/>
               <a:pPr/>
-              <a:t>11/15/2015</a:t>
+              <a:t>11/16/2015</a:t>
             </a:fld>
             <a:endParaRPr lang="en-US"/>
           </a:p>
@@ -4544,7 +4545,7 @@
             <a:fld id="{2CC031FC-700A-4711-97F2-14A15C18F49D}" type="datetimeFigureOut">
               <a:rPr lang="en-US" smtClean="0"/>
               <a:pPr/>
-              <a:t>11/15/2015</a:t>
+              <a:t>11/16/2015</a:t>
             </a:fld>
             <a:endParaRPr lang="en-US"/>
           </a:p>
@@ -5012,7 +5013,7 @@
             <a:fld id="{2CC031FC-700A-4711-97F2-14A15C18F49D}" type="datetimeFigureOut">
               <a:rPr lang="en-US" smtClean="0"/>
               <a:pPr/>
-              <a:t>11/15/2015</a:t>
+              <a:t>11/16/2015</a:t>
             </a:fld>
             <a:endParaRPr lang="en-US"/>
           </a:p>
@@ -5132,7 +5133,7 @@
             <a:fld id="{2CC031FC-700A-4711-97F2-14A15C18F49D}" type="datetimeFigureOut">
               <a:rPr lang="en-US" smtClean="0"/>
               <a:pPr/>
-              <a:t>11/15/2015</a:t>
+              <a:t>11/16/2015</a:t>
             </a:fld>
             <a:endParaRPr lang="en-US"/>
           </a:p>
@@ -5229,7 +5230,7 @@
             <a:fld id="{2CC031FC-700A-4711-97F2-14A15C18F49D}" type="datetimeFigureOut">
               <a:rPr lang="en-US" smtClean="0"/>
               <a:pPr/>
-              <a:t>11/15/2015</a:t>
+              <a:t>11/16/2015</a:t>
             </a:fld>
             <a:endParaRPr lang="en-US"/>
           </a:p>
@@ -5486,7 +5487,7 @@
             <a:fld id="{2CC031FC-700A-4711-97F2-14A15C18F49D}" type="datetimeFigureOut">
               <a:rPr lang="en-US" smtClean="0"/>
               <a:pPr/>
-              <a:t>11/15/2015</a:t>
+              <a:t>11/16/2015</a:t>
             </a:fld>
             <a:endParaRPr lang="en-US"/>
           </a:p>
@@ -5788,7 +5789,7 @@
             <a:fld id="{2CC031FC-700A-4711-97F2-14A15C18F49D}" type="datetimeFigureOut">
               <a:rPr lang="en-US" smtClean="0"/>
               <a:pPr/>
-              <a:t>11/15/2015</a:t>
+              <a:t>11/16/2015</a:t>
             </a:fld>
             <a:endParaRPr lang="en-US"/>
           </a:p>
@@ -6024,7 +6025,7 @@
             <a:fld id="{2CC031FC-700A-4711-97F2-14A15C18F49D}" type="datetimeFigureOut">
               <a:rPr lang="en-US" smtClean="0"/>
               <a:pPr/>
-              <a:t>11/15/2015</a:t>
+              <a:t>11/16/2015</a:t>
             </a:fld>
             <a:endParaRPr lang="en-US"/>
           </a:p>
@@ -6836,6 +6837,114 @@
             <p:ph type="title"/>
           </p:nvPr>
         </p:nvSpPr>
+        <p:spPr/>
+        <p:txBody>
+          <a:bodyPr>
+            <a:normAutofit fontScale="90000"/>
+          </a:bodyPr>
+          <a:lstStyle/>
+          <a:p>
+            <a:r>
+              <a:rPr lang="en-US" dirty="0"/>
+              <a:t>David: Relation between </a:t>
+            </a:r>
+            <a:br>
+              <a:rPr lang="en-US" dirty="0"/>
+            </a:br>
+            <a:endParaRPr lang="en-US" dirty="0"/>
+          </a:p>
+        </p:txBody>
+      </p:sp>
+      <p:sp>
+        <p:nvSpPr>
+          <p:cNvPr id="3" name="Content Placeholder 2"/>
+          <p:cNvSpPr>
+            <a:spLocks noGrp="1"/>
+          </p:cNvSpPr>
+          <p:nvPr>
+            <p:ph idx="1"/>
+          </p:nvPr>
+        </p:nvSpPr>
+        <p:spPr/>
+        <p:txBody>
+          <a:bodyPr/>
+          <a:lstStyle/>
+          <a:p>
+            <a:r>
+              <a:rPr lang="en-US" dirty="0"/>
+              <a:t>David: Relation between </a:t>
+            </a:r>
+          </a:p>
+          <a:p>
+            <a:r>
+              <a:rPr lang="en-US" dirty="0"/>
+              <a:t>&lt;app&gt; </a:t>
+            </a:r>
+            <a:r>
+              <a:rPr lang="en-US" dirty="0">
+                <a:sym typeface="Wingdings" panose="05000000000000000000" pitchFamily="2" charset="2"/>
+              </a:rPr>
+              <a:t> &lt;transporter&gt; &lt;GPS service&gt; &lt;</a:t>
+            </a:r>
+            <a:r>
+              <a:rPr lang="en-US" dirty="0" err="1">
+                <a:sym typeface="Wingdings" panose="05000000000000000000" pitchFamily="2" charset="2"/>
+              </a:rPr>
+              <a:t>Api</a:t>
+            </a:r>
+            <a:r>
+              <a:rPr lang="en-US" dirty="0">
+                <a:sym typeface="Wingdings" panose="05000000000000000000" pitchFamily="2" charset="2"/>
+              </a:rPr>
+              <a:t>&gt; </a:t>
+            </a:r>
+            <a:endParaRPr lang="en-US" dirty="0"/>
+          </a:p>
+          <a:p>
+            <a:endParaRPr lang="en-US" dirty="0"/>
+          </a:p>
+        </p:txBody>
+      </p:sp>
+    </p:spTree>
+    <p:extLst>
+      <p:ext uri="{BB962C8B-B14F-4D97-AF65-F5344CB8AC3E}">
+        <p14:creationId xmlns:p14="http://schemas.microsoft.com/office/powerpoint/2010/main" val="2503995030"/>
+      </p:ext>
+    </p:extLst>
+  </p:cSld>
+  <p:clrMapOvr>
+    <a:masterClrMapping/>
+  </p:clrMapOvr>
+</p:sld>
+</file>
+
+<file path=ppt/slides/slide11.xml><?xml version="1.0" encoding="utf-8"?>
+<p:sld xmlns:a="http://schemas.openxmlformats.org/drawingml/2006/main" xmlns:r="http://schemas.openxmlformats.org/officeDocument/2006/relationships" xmlns:p="http://schemas.openxmlformats.org/presentationml/2006/main">
+  <p:cSld>
+    <p:spTree>
+      <p:nvGrpSpPr>
+        <p:cNvPr id="1" name=""/>
+        <p:cNvGrpSpPr/>
+        <p:nvPr/>
+      </p:nvGrpSpPr>
+      <p:grpSpPr>
+        <a:xfrm>
+          <a:off x="0" y="0"/>
+          <a:ext cx="0" cy="0"/>
+          <a:chOff x="0" y="0"/>
+          <a:chExt cx="0" cy="0"/>
+        </a:xfrm>
+      </p:grpSpPr>
+      <p:sp>
+        <p:nvSpPr>
+          <p:cNvPr id="2" name="Title 1"/>
+          <p:cNvSpPr>
+            <a:spLocks noGrp="1"/>
+          </p:cNvSpPr>
+          <p:nvPr>
+            <p:ph type="title"/>
+          </p:nvPr>
+        </p:nvSpPr>
         <p:spPr>
           <a:xfrm>
             <a:off x="111229" y="562440"/>
@@ -6990,27 +7099,6 @@
               </a:rPr>
               <a:t>UC:9 Employee alerted of time stamp </a:t>
             </a:r>
-            <a:endParaRPr lang="en-US" sz="2000" dirty="0" smtClean="0">
-              <a:ln>
-                <a:solidFill>
-                  <a:schemeClr val="bg1">
-                    <a:lumMod val="75000"/>
-                    <a:lumOff val="25000"/>
-                    <a:alpha val="10000"/>
-                  </a:schemeClr>
-                </a:solidFill>
-              </a:ln>
-              <a:solidFill>
-                <a:schemeClr val="tx2"/>
-              </a:solidFill>
-              <a:effectLst>
-                <a:outerShdw blurRad="9525" dist="25400" dir="14640000" algn="tl" rotWithShape="0">
-                  <a:schemeClr val="bg1">
-                    <a:alpha val="30000"/>
-                  </a:schemeClr>
-                </a:outerShdw>
-              </a:effectLst>
-            </a:endParaRPr>
           </a:p>
           <a:p>
             <a:pPr marL="36900" defTabSz="457200">
@@ -7260,7 +7348,7 @@
 </p:sld>
 </file>
 
-<file path=ppt/slides/slide11.xml><?xml version="1.0" encoding="utf-8"?>
+<file path=ppt/slides/slide12.xml><?xml version="1.0" encoding="utf-8"?>
 <p:sld xmlns:a="http://schemas.openxmlformats.org/drawingml/2006/main" xmlns:r="http://schemas.openxmlformats.org/officeDocument/2006/relationships" xmlns:p="http://schemas.openxmlformats.org/presentationml/2006/main">
   <p:cSld>
     <p:spTree>
@@ -7442,7 +7530,7 @@
 </p:sld>
 </file>
 
-<file path=ppt/slides/slide12.xml><?xml version="1.0" encoding="utf-8"?>
+<file path=ppt/slides/slide13.xml><?xml version="1.0" encoding="utf-8"?>
 <p:sld xmlns:a="http://schemas.openxmlformats.org/drawingml/2006/main" xmlns:r="http://schemas.openxmlformats.org/officeDocument/2006/relationships" xmlns:p="http://schemas.openxmlformats.org/presentationml/2006/main">
   <p:cSld>
     <p:spTree>
@@ -7644,7 +7732,7 @@
 </p:sld>
 </file>
 
-<file path=ppt/slides/slide13.xml><?xml version="1.0" encoding="utf-8"?>
+<file path=ppt/slides/slide14.xml><?xml version="1.0" encoding="utf-8"?>
 <p:sld xmlns:a="http://schemas.openxmlformats.org/drawingml/2006/main" xmlns:r="http://schemas.openxmlformats.org/officeDocument/2006/relationships" xmlns:p="http://schemas.openxmlformats.org/presentationml/2006/main">
   <p:cSld>
     <p:spTree>
@@ -7790,7 +7878,7 @@
 </p:sld>
 </file>
 
-<file path=ppt/slides/slide14.xml><?xml version="1.0" encoding="utf-8"?>
+<file path=ppt/slides/slide15.xml><?xml version="1.0" encoding="utf-8"?>
 <p:sld xmlns:a="http://schemas.openxmlformats.org/drawingml/2006/main" xmlns:r="http://schemas.openxmlformats.org/officeDocument/2006/relationships" xmlns:p="http://schemas.openxmlformats.org/presentationml/2006/main">
   <p:cSld>
     <p:spTree>
@@ -8054,55 +8142,7 @@
                   </a:outerShdw>
                 </a:effectLst>
               </a:rPr>
-              <a:t> UC:15 Manager </a:t>
-            </a:r>
-            <a:r>
-              <a:rPr lang="en-US" sz="2800" dirty="0" smtClean="0">
-                <a:ln>
-                  <a:solidFill>
-                    <a:schemeClr val="bg1">
-                      <a:lumMod val="75000"/>
-                      <a:lumOff val="25000"/>
-                      <a:alpha val="10000"/>
-                    </a:schemeClr>
-                  </a:solidFill>
-                </a:ln>
-                <a:solidFill>
-                  <a:schemeClr val="tx2"/>
-                </a:solidFill>
-                <a:effectLst>
-                  <a:outerShdw blurRad="9525" dist="25400" dir="14640000" algn="tl" rotWithShape="0">
-                    <a:schemeClr val="bg1">
-                      <a:alpha val="30000"/>
-                    </a:schemeClr>
-                  </a:outerShdw>
-                </a:effectLst>
-              </a:rPr>
-              <a:t>acc</a:t>
-            </a:r>
-            <a:r>
-              <a:rPr lang="en-US" sz="2800" dirty="0" smtClean="0">
-                <a:ln>
-                  <a:solidFill>
-                    <a:schemeClr val="bg1">
-                      <a:lumMod val="75000"/>
-                      <a:lumOff val="25000"/>
-                      <a:alpha val="10000"/>
-                    </a:schemeClr>
-                  </a:solidFill>
-                </a:ln>
-                <a:solidFill>
-                  <a:schemeClr val="tx2"/>
-                </a:solidFill>
-                <a:effectLst>
-                  <a:outerShdw blurRad="9525" dist="25400" dir="14640000" algn="tl" rotWithShape="0">
-                    <a:schemeClr val="bg1">
-                      <a:alpha val="30000"/>
-                    </a:schemeClr>
-                  </a:outerShdw>
-                </a:effectLst>
-              </a:rPr>
-              <a:t>esses the web based report</a:t>
+              <a:t> UC:15 Manager accesses the web based report</a:t>
             </a:r>
             <a:endParaRPr lang="en-US" sz="2800" dirty="0">
               <a:ln>
@@ -8189,7 +8229,7 @@
 </p:sld>
 </file>
 
-<file path=ppt/slides/slide15.xml><?xml version="1.0" encoding="utf-8"?>
+<file path=ppt/slides/slide16.xml><?xml version="1.0" encoding="utf-8"?>
 <p:sld xmlns:a="http://schemas.openxmlformats.org/drawingml/2006/main" xmlns:r="http://schemas.openxmlformats.org/officeDocument/2006/relationships" xmlns:p="http://schemas.openxmlformats.org/presentationml/2006/main">
   <p:cSld>
     <p:spTree>
@@ -8272,7 +8312,7 @@
 </p:sld>
 </file>
 
-<file path=ppt/slides/slide16.xml><?xml version="1.0" encoding="utf-8"?>
+<file path=ppt/slides/slide17.xml><?xml version="1.0" encoding="utf-8"?>
 <p:sld xmlns:a="http://schemas.openxmlformats.org/drawingml/2006/main" xmlns:r="http://schemas.openxmlformats.org/officeDocument/2006/relationships" xmlns:p="http://schemas.openxmlformats.org/presentationml/2006/main">
   <p:cSld>
     <p:spTree>
@@ -9115,7 +9155,7 @@
 </file>
 
 <file path=ppt/slides/slide6.xml><?xml version="1.0" encoding="utf-8"?>
-<p:sld xmlns:a="http://schemas.openxmlformats.org/drawingml/2006/main" xmlns:r="http://schemas.openxmlformats.org/officeDocument/2006/relationships" xmlns:p="http://schemas.openxmlformats.org/presentationml/2006/main">
+<p:sld xmlns:a="http://schemas.openxmlformats.org/drawingml/2006/main" xmlns:r="http://schemas.openxmlformats.org/officeDocument/2006/relationships" xmlns:p="http://schemas.openxmlformats.org/presentationml/2006/main" show="0">
   <p:cSld>
     <p:spTree>
       <p:nvGrpSpPr>
@@ -9208,6 +9248,14 @@
   <p:clrMapOvr>
     <a:masterClrMapping/>
   </p:clrMapOvr>
+  <mc:AlternateContent xmlns:mc="http://schemas.openxmlformats.org/markup-compatibility/2006">
+    <mc:Choice xmlns:p14="http://schemas.microsoft.com/office/powerpoint/2010/main" Requires="p14">
+      <p:transition spd="slow" p14:dur="2000"/>
+    </mc:Choice>
+    <mc:Fallback>
+      <p:transition spd="slow"/>
+    </mc:Fallback>
+  </mc:AlternateContent>
   <p:timing>
     <p:tnLst>
       <p:par>
@@ -9247,234 +9295,58 @@
         </p:nvSpPr>
         <p:spPr>
           <a:xfrm>
-            <a:off x="744955" y="609600"/>
+            <a:off x="685800" y="0"/>
             <a:ext cx="7765322" cy="970450"/>
           </a:xfrm>
         </p:spPr>
         <p:txBody>
-          <a:bodyPr>
-            <a:normAutofit/>
-          </a:bodyPr>
+          <a:bodyPr/>
           <a:lstStyle/>
           <a:p>
             <a:r>
               <a:rPr lang="en-US" b="1" dirty="0" smtClean="0"/>
-              <a:t>UC:1,2,3,4 </a:t>
+              <a:t>Data Model</a:t>
             </a:r>
             <a:endParaRPr lang="en-US" b="1" dirty="0"/>
           </a:p>
         </p:txBody>
       </p:sp>
-      <p:sp>
-        <p:nvSpPr>
-          <p:cNvPr id="5" name="TextBox 4"/>
-          <p:cNvSpPr txBox="1"/>
+      <p:pic>
+        <p:nvPicPr>
+          <p:cNvPr id="4" name="Picture 3" descr="Screen Clipping"/>
+          <p:cNvPicPr>
+            <a:picLocks noChangeAspect="1"/>
+          </p:cNvPicPr>
           <p:nvPr/>
-        </p:nvSpPr>
+        </p:nvPicPr>
+        <p:blipFill>
+          <a:blip r:embed="rId2">
+            <a:extLst>
+              <a:ext uri="{28A0092B-C50C-407E-A947-70E740481C1C}">
+                <a14:useLocalDpi xmlns:a14="http://schemas.microsoft.com/office/drawing/2010/main" val="0"/>
+              </a:ext>
+            </a:extLst>
+          </a:blip>
+          <a:stretch>
+            <a:fillRect/>
+          </a:stretch>
+        </p:blipFill>
         <p:spPr>
           <a:xfrm>
-            <a:off x="433078" y="1524000"/>
-            <a:ext cx="8077199" cy="2634567"/>
+            <a:off x="914400" y="909801"/>
+            <a:ext cx="7315200" cy="5444101"/>
           </a:xfrm>
           <a:prstGeom prst="rect">
             <a:avLst/>
           </a:prstGeom>
-          <a:noFill/>
         </p:spPr>
-        <p:txBody>
-          <a:bodyPr wrap="square" rtlCol="0">
-            <a:spAutoFit/>
-          </a:bodyPr>
-          <a:lstStyle/>
-          <a:p>
-            <a:pPr marL="342900" indent="-306000" defTabSz="457200">
-              <a:spcBef>
-                <a:spcPct val="20000"/>
-              </a:spcBef>
-              <a:spcAft>
-                <a:spcPts val="600"/>
-              </a:spcAft>
-              <a:buClr>
-                <a:schemeClr val="tx2"/>
-              </a:buClr>
-              <a:buSzPct val="70000"/>
-              <a:buFont typeface="Wingdings 2" charset="2"/>
-              <a:buChar char=""/>
-            </a:pPr>
-            <a:r>
-              <a:rPr lang="en-US" sz="2200" dirty="0" smtClean="0">
-                <a:ln>
-                  <a:solidFill>
-                    <a:schemeClr val="bg1">
-                      <a:lumMod val="75000"/>
-                      <a:lumOff val="25000"/>
-                      <a:alpha val="10000"/>
-                    </a:schemeClr>
-                  </a:solidFill>
-                </a:ln>
-                <a:solidFill>
-                  <a:schemeClr val="tx2"/>
-                </a:solidFill>
-                <a:effectLst>
-                  <a:outerShdw blurRad="9525" dist="25400" dir="14640000" algn="tl" rotWithShape="0">
-                    <a:schemeClr val="bg1">
-                      <a:alpha val="30000"/>
-                    </a:schemeClr>
-                  </a:outerShdw>
-                </a:effectLst>
-              </a:rPr>
-              <a:t>UC:1 Walk in the work place, get auto logged in by detection of their GPS coordinates</a:t>
-            </a:r>
-          </a:p>
-          <a:p>
-            <a:pPr marL="342900" indent="-306000" defTabSz="457200">
-              <a:spcBef>
-                <a:spcPct val="20000"/>
-              </a:spcBef>
-              <a:spcAft>
-                <a:spcPts val="600"/>
-              </a:spcAft>
-              <a:buClr>
-                <a:schemeClr val="tx2"/>
-              </a:buClr>
-              <a:buSzPct val="70000"/>
-              <a:buFont typeface="Wingdings 2" charset="2"/>
-              <a:buChar char=""/>
-            </a:pPr>
-            <a:r>
-              <a:rPr lang="en-US" sz="2200" dirty="0" smtClean="0">
-                <a:ln>
-                  <a:solidFill>
-                    <a:schemeClr val="bg1">
-                      <a:lumMod val="75000"/>
-                      <a:lumOff val="25000"/>
-                      <a:alpha val="10000"/>
-                    </a:schemeClr>
-                  </a:solidFill>
-                </a:ln>
-                <a:solidFill>
-                  <a:schemeClr val="tx2"/>
-                </a:solidFill>
-                <a:effectLst>
-                  <a:outerShdw blurRad="9525" dist="25400" dir="14640000" algn="tl" rotWithShape="0">
-                    <a:schemeClr val="bg1">
-                      <a:alpha val="30000"/>
-                    </a:schemeClr>
-                  </a:outerShdw>
-                </a:effectLst>
-              </a:rPr>
-              <a:t>UC:3,4  Leave / return for lunch, auto log in/out</a:t>
-            </a:r>
-          </a:p>
-          <a:p>
-            <a:pPr marL="342900" indent="-306000" defTabSz="457200">
-              <a:spcBef>
-                <a:spcPct val="20000"/>
-              </a:spcBef>
-              <a:spcAft>
-                <a:spcPts val="600"/>
-              </a:spcAft>
-              <a:buClr>
-                <a:schemeClr val="tx2"/>
-              </a:buClr>
-              <a:buSzPct val="70000"/>
-              <a:buFont typeface="Wingdings 2" charset="2"/>
-              <a:buChar char=""/>
-            </a:pPr>
-            <a:r>
-              <a:rPr lang="en-US" sz="2200" dirty="0" smtClean="0">
-                <a:ln>
-                  <a:solidFill>
-                    <a:schemeClr val="bg1">
-                      <a:lumMod val="75000"/>
-                      <a:lumOff val="25000"/>
-                      <a:alpha val="10000"/>
-                    </a:schemeClr>
-                  </a:solidFill>
-                </a:ln>
-                <a:solidFill>
-                  <a:schemeClr val="tx2"/>
-                </a:solidFill>
-                <a:effectLst>
-                  <a:outerShdw blurRad="9525" dist="25400" dir="14640000" algn="tl" rotWithShape="0">
-                    <a:schemeClr val="bg1">
-                      <a:alpha val="30000"/>
-                    </a:schemeClr>
-                  </a:outerShdw>
-                </a:effectLst>
-              </a:rPr>
-              <a:t>UC:2 Leave for the day, auto logout</a:t>
-            </a:r>
-          </a:p>
-          <a:p>
-            <a:pPr marL="36900" defTabSz="457200">
-              <a:spcBef>
-                <a:spcPct val="20000"/>
-              </a:spcBef>
-              <a:spcAft>
-                <a:spcPts val="600"/>
-              </a:spcAft>
-              <a:buClr>
-                <a:schemeClr val="tx2"/>
-              </a:buClr>
-              <a:buSzPct val="70000"/>
-            </a:pPr>
-            <a:r>
-              <a:rPr lang="en-US" sz="2200" dirty="0" smtClean="0">
-                <a:ln>
-                  <a:solidFill>
-                    <a:schemeClr val="bg1">
-                      <a:lumMod val="75000"/>
-                      <a:lumOff val="25000"/>
-                      <a:alpha val="10000"/>
-                    </a:schemeClr>
-                  </a:solidFill>
-                </a:ln>
-                <a:solidFill>
-                  <a:schemeClr val="tx2"/>
-                </a:solidFill>
-                <a:effectLst>
-                  <a:outerShdw blurRad="9525" dist="25400" dir="14640000" algn="tl" rotWithShape="0">
-                    <a:schemeClr val="bg1">
-                      <a:alpha val="30000"/>
-                    </a:schemeClr>
-                  </a:outerShdw>
-                </a:effectLst>
-              </a:rPr>
-              <a:t>Output: Employee is notified by a tone/visual </a:t>
-            </a:r>
-            <a:endParaRPr lang="en-US" sz="2200" dirty="0">
-              <a:ln>
-                <a:solidFill>
-                  <a:schemeClr val="bg1">
-                    <a:lumMod val="75000"/>
-                    <a:lumOff val="25000"/>
-                    <a:alpha val="10000"/>
-                  </a:schemeClr>
-                </a:solidFill>
-              </a:ln>
-              <a:solidFill>
-                <a:schemeClr val="tx2"/>
-              </a:solidFill>
-              <a:effectLst>
-                <a:outerShdw blurRad="9525" dist="25400" dir="14640000" algn="tl" rotWithShape="0">
-                  <a:schemeClr val="bg1">
-                    <a:alpha val="30000"/>
-                  </a:schemeClr>
-                </a:outerShdw>
-              </a:effectLst>
-            </a:endParaRPr>
-          </a:p>
-          <a:p>
-            <a:pPr marL="285750" indent="-285750">
-              <a:buFont typeface="Arial" panose="020B0604020202020204" pitchFamily="34" charset="0"/>
-              <a:buChar char="•"/>
-            </a:pPr>
-            <a:endParaRPr lang="en-US" sz="2200" dirty="0"/>
-          </a:p>
-        </p:txBody>
-      </p:sp>
+      </p:pic>
     </p:spTree>
+    <p:extLst>
+      <p:ext uri="{BB962C8B-B14F-4D97-AF65-F5344CB8AC3E}">
+        <p14:creationId xmlns:p14="http://schemas.microsoft.com/office/powerpoint/2010/main" val="3703754830"/>
+      </p:ext>
+    </p:extLst>
   </p:cSld>
   <p:clrMapOvr>
     <a:masterClrMapping/>
@@ -9516,52 +9388,247 @@
             <p:ph type="title"/>
           </p:nvPr>
         </p:nvSpPr>
-        <p:spPr/>
-        <p:txBody>
-          <a:bodyPr/>
-          <a:lstStyle/>
-          <a:p>
-            <a:r>
-              <a:rPr lang="en-US" dirty="0" smtClean="0"/>
-              <a:t>GPS Service class </a:t>
-            </a:r>
-            <a:endParaRPr lang="en-US" dirty="0"/>
-          </a:p>
-        </p:txBody>
-      </p:sp>
-      <p:sp>
-        <p:nvSpPr>
-          <p:cNvPr id="3" name="Content Placeholder 2"/>
-          <p:cNvSpPr>
-            <a:spLocks noGrp="1"/>
-          </p:cNvSpPr>
-          <p:nvPr>
-            <p:ph idx="1"/>
-          </p:nvPr>
-        </p:nvSpPr>
-        <p:spPr/>
-        <p:txBody>
-          <a:bodyPr/>
-          <a:lstStyle/>
-          <a:p>
-            <a:r>
-              <a:rPr lang="en-US" dirty="0" smtClean="0"/>
-              <a:t>David, explain functions in GPS service and how we hook it to app</a:t>
-            </a:r>
-            <a:endParaRPr lang="en-US" dirty="0"/>
+        <p:spPr>
+          <a:xfrm>
+            <a:off x="744955" y="609600"/>
+            <a:ext cx="7765322" cy="970450"/>
+          </a:xfrm>
+        </p:spPr>
+        <p:txBody>
+          <a:bodyPr>
+            <a:normAutofit/>
+          </a:bodyPr>
+          <a:lstStyle/>
+          <a:p>
+            <a:r>
+              <a:rPr lang="en-US" b="1" dirty="0" smtClean="0"/>
+              <a:t>UC:1,2,3,4 </a:t>
+            </a:r>
+            <a:endParaRPr lang="en-US" b="1" dirty="0"/>
+          </a:p>
+        </p:txBody>
+      </p:sp>
+      <p:sp>
+        <p:nvSpPr>
+          <p:cNvPr id="5" name="TextBox 4"/>
+          <p:cNvSpPr txBox="1"/>
+          <p:nvPr/>
+        </p:nvSpPr>
+        <p:spPr>
+          <a:xfrm>
+            <a:off x="433078" y="1524000"/>
+            <a:ext cx="8077199" cy="2634567"/>
+          </a:xfrm>
+          <a:prstGeom prst="rect">
+            <a:avLst/>
+          </a:prstGeom>
+          <a:noFill/>
+        </p:spPr>
+        <p:txBody>
+          <a:bodyPr wrap="square" rtlCol="0">
+            <a:spAutoFit/>
+          </a:bodyPr>
+          <a:lstStyle/>
+          <a:p>
+            <a:pPr marL="342900" indent="-306000" defTabSz="457200">
+              <a:spcBef>
+                <a:spcPct val="20000"/>
+              </a:spcBef>
+              <a:spcAft>
+                <a:spcPts val="600"/>
+              </a:spcAft>
+              <a:buClr>
+                <a:schemeClr val="tx2"/>
+              </a:buClr>
+              <a:buSzPct val="70000"/>
+              <a:buFont typeface="Wingdings 2" charset="2"/>
+              <a:buChar char=""/>
+            </a:pPr>
+            <a:r>
+              <a:rPr lang="en-US" sz="2200" dirty="0" smtClean="0">
+                <a:ln>
+                  <a:solidFill>
+                    <a:schemeClr val="bg1">
+                      <a:lumMod val="75000"/>
+                      <a:lumOff val="25000"/>
+                      <a:alpha val="10000"/>
+                    </a:schemeClr>
+                  </a:solidFill>
+                </a:ln>
+                <a:solidFill>
+                  <a:schemeClr val="tx2"/>
+                </a:solidFill>
+                <a:effectLst>
+                  <a:outerShdw blurRad="9525" dist="25400" dir="14640000" algn="tl" rotWithShape="0">
+                    <a:schemeClr val="bg1">
+                      <a:alpha val="30000"/>
+                    </a:schemeClr>
+                  </a:outerShdw>
+                </a:effectLst>
+              </a:rPr>
+              <a:t>UC:1 Walk in the work place, get auto logged in by detection of their GPS coordinates</a:t>
+            </a:r>
+          </a:p>
+          <a:p>
+            <a:pPr marL="342900" indent="-306000" defTabSz="457200">
+              <a:spcBef>
+                <a:spcPct val="20000"/>
+              </a:spcBef>
+              <a:spcAft>
+                <a:spcPts val="600"/>
+              </a:spcAft>
+              <a:buClr>
+                <a:schemeClr val="tx2"/>
+              </a:buClr>
+              <a:buSzPct val="70000"/>
+              <a:buFont typeface="Wingdings 2" charset="2"/>
+              <a:buChar char=""/>
+            </a:pPr>
+            <a:r>
+              <a:rPr lang="en-US" sz="2200" dirty="0" smtClean="0">
+                <a:ln>
+                  <a:solidFill>
+                    <a:schemeClr val="bg1">
+                      <a:lumMod val="75000"/>
+                      <a:lumOff val="25000"/>
+                      <a:alpha val="10000"/>
+                    </a:schemeClr>
+                  </a:solidFill>
+                </a:ln>
+                <a:solidFill>
+                  <a:schemeClr val="tx2"/>
+                </a:solidFill>
+                <a:effectLst>
+                  <a:outerShdw blurRad="9525" dist="25400" dir="14640000" algn="tl" rotWithShape="0">
+                    <a:schemeClr val="bg1">
+                      <a:alpha val="30000"/>
+                    </a:schemeClr>
+                  </a:outerShdw>
+                </a:effectLst>
+              </a:rPr>
+              <a:t>UC:3,4  Leave / return for lunch, auto log in/out</a:t>
+            </a:r>
+          </a:p>
+          <a:p>
+            <a:pPr marL="342900" indent="-306000" defTabSz="457200">
+              <a:spcBef>
+                <a:spcPct val="20000"/>
+              </a:spcBef>
+              <a:spcAft>
+                <a:spcPts val="600"/>
+              </a:spcAft>
+              <a:buClr>
+                <a:schemeClr val="tx2"/>
+              </a:buClr>
+              <a:buSzPct val="70000"/>
+              <a:buFont typeface="Wingdings 2" charset="2"/>
+              <a:buChar char=""/>
+            </a:pPr>
+            <a:r>
+              <a:rPr lang="en-US" sz="2200" dirty="0" smtClean="0">
+                <a:ln>
+                  <a:solidFill>
+                    <a:schemeClr val="bg1">
+                      <a:lumMod val="75000"/>
+                      <a:lumOff val="25000"/>
+                      <a:alpha val="10000"/>
+                    </a:schemeClr>
+                  </a:solidFill>
+                </a:ln>
+                <a:solidFill>
+                  <a:schemeClr val="tx2"/>
+                </a:solidFill>
+                <a:effectLst>
+                  <a:outerShdw blurRad="9525" dist="25400" dir="14640000" algn="tl" rotWithShape="0">
+                    <a:schemeClr val="bg1">
+                      <a:alpha val="30000"/>
+                    </a:schemeClr>
+                  </a:outerShdw>
+                </a:effectLst>
+              </a:rPr>
+              <a:t>UC:2 Leave for the day, auto logout</a:t>
+            </a:r>
+          </a:p>
+          <a:p>
+            <a:pPr marL="36900" defTabSz="457200">
+              <a:spcBef>
+                <a:spcPct val="20000"/>
+              </a:spcBef>
+              <a:spcAft>
+                <a:spcPts val="600"/>
+              </a:spcAft>
+              <a:buClr>
+                <a:schemeClr val="tx2"/>
+              </a:buClr>
+              <a:buSzPct val="70000"/>
+            </a:pPr>
+            <a:r>
+              <a:rPr lang="en-US" sz="2200" dirty="0" smtClean="0">
+                <a:ln>
+                  <a:solidFill>
+                    <a:schemeClr val="bg1">
+                      <a:lumMod val="75000"/>
+                      <a:lumOff val="25000"/>
+                      <a:alpha val="10000"/>
+                    </a:schemeClr>
+                  </a:solidFill>
+                </a:ln>
+                <a:solidFill>
+                  <a:schemeClr val="tx2"/>
+                </a:solidFill>
+                <a:effectLst>
+                  <a:outerShdw blurRad="9525" dist="25400" dir="14640000" algn="tl" rotWithShape="0">
+                    <a:schemeClr val="bg1">
+                      <a:alpha val="30000"/>
+                    </a:schemeClr>
+                  </a:outerShdw>
+                </a:effectLst>
+              </a:rPr>
+              <a:t>Output: Employee is notified by a tone/visual </a:t>
+            </a:r>
+            <a:endParaRPr lang="en-US" sz="2200" dirty="0">
+              <a:ln>
+                <a:solidFill>
+                  <a:schemeClr val="bg1">
+                    <a:lumMod val="75000"/>
+                    <a:lumOff val="25000"/>
+                    <a:alpha val="10000"/>
+                  </a:schemeClr>
+                </a:solidFill>
+              </a:ln>
+              <a:solidFill>
+                <a:schemeClr val="tx2"/>
+              </a:solidFill>
+              <a:effectLst>
+                <a:outerShdw blurRad="9525" dist="25400" dir="14640000" algn="tl" rotWithShape="0">
+                  <a:schemeClr val="bg1">
+                    <a:alpha val="30000"/>
+                  </a:schemeClr>
+                </a:outerShdw>
+              </a:effectLst>
+            </a:endParaRPr>
+          </a:p>
+          <a:p>
+            <a:pPr marL="285750" indent="-285750">
+              <a:buFont typeface="Arial" panose="020B0604020202020204" pitchFamily="34" charset="0"/>
+              <a:buChar char="•"/>
+            </a:pPr>
+            <a:endParaRPr lang="en-US" sz="2200" dirty="0"/>
           </a:p>
         </p:txBody>
       </p:sp>
     </p:spTree>
-    <p:extLst>
-      <p:ext uri="{BB962C8B-B14F-4D97-AF65-F5344CB8AC3E}">
-        <p14:creationId xmlns:p14="http://schemas.microsoft.com/office/powerpoint/2010/main" val="680023946"/>
-      </p:ext>
-    </p:extLst>
   </p:cSld>
   <p:clrMapOvr>
     <a:masterClrMapping/>
   </p:clrMapOvr>
+  <p:timing>
+    <p:tnLst>
+      <p:par>
+        <p:cTn id="1" dur="indefinite" restart="never" nodeType="tmRoot"/>
+      </p:par>
+    </p:tnLst>
+  </p:timing>
 </p:sld>
 </file>
 
@@ -9594,18 +9661,13 @@
         </p:nvSpPr>
         <p:spPr/>
         <p:txBody>
-          <a:bodyPr>
-            <a:normAutofit fontScale="90000"/>
-          </a:bodyPr>
-          <a:lstStyle/>
-          <a:p>
-            <a:r>
-              <a:rPr lang="en-US" dirty="0"/>
-              <a:t>David: Relation between </a:t>
-            </a:r>
-            <a:br>
-              <a:rPr lang="en-US" dirty="0"/>
-            </a:br>
+          <a:bodyPr/>
+          <a:lstStyle/>
+          <a:p>
+            <a:r>
+              <a:rPr lang="en-US" dirty="0" smtClean="0"/>
+              <a:t>GPS Service class </a:t>
+            </a:r>
             <a:endParaRPr lang="en-US" dirty="0"/>
           </a:p>
         </p:txBody>
@@ -9626,36 +9688,9 @@
           <a:lstStyle/>
           <a:p>
             <a:r>
-              <a:rPr lang="en-US" dirty="0"/>
-              <a:t>David: Relation between </a:t>
-            </a:r>
-          </a:p>
-          <a:p>
-            <a:r>
-              <a:rPr lang="en-US" dirty="0"/>
-              <a:t>&lt;app&gt; </a:t>
-            </a:r>
-            <a:r>
-              <a:rPr lang="en-US" dirty="0">
-                <a:sym typeface="Wingdings" panose="05000000000000000000" pitchFamily="2" charset="2"/>
-              </a:rPr>
-              <a:t> &lt;transporter&gt; &lt;GPS service&gt; &lt;</a:t>
-            </a:r>
-            <a:r>
-              <a:rPr lang="en-US" dirty="0" err="1">
-                <a:sym typeface="Wingdings" panose="05000000000000000000" pitchFamily="2" charset="2"/>
-              </a:rPr>
-              <a:t>Api</a:t>
-            </a:r>
-            <a:r>
-              <a:rPr lang="en-US" dirty="0">
-                <a:sym typeface="Wingdings" panose="05000000000000000000" pitchFamily="2" charset="2"/>
-              </a:rPr>
-              <a:t>&gt; </a:t>
-            </a:r>
-            <a:endParaRPr lang="en-US" dirty="0"/>
-          </a:p>
-          <a:p>
+              <a:rPr lang="en-US" dirty="0" smtClean="0"/>
+              <a:t>David, explain functions in GPS service and how we hook it to app</a:t>
+            </a:r>
             <a:endParaRPr lang="en-US" dirty="0"/>
           </a:p>
         </p:txBody>
@@ -9663,7 +9698,7 @@
     </p:spTree>
     <p:extLst>
       <p:ext uri="{BB962C8B-B14F-4D97-AF65-F5344CB8AC3E}">
-        <p14:creationId xmlns:p14="http://schemas.microsoft.com/office/powerpoint/2010/main" val="2503995030"/>
+        <p14:creationId xmlns:p14="http://schemas.microsoft.com/office/powerpoint/2010/main" val="680023946"/>
       </p:ext>
     </p:extLst>
   </p:cSld>
@@ -9936,7 +9971,7 @@
   <a:extraClrSchemeLst/>
   <a:extLst>
     <a:ext uri="{05A4C25C-085E-4340-85A3-A5531E510DB2}">
-      <thm15:themeFamily xmlns:thm15="http://schemas.microsoft.com/office/thememl/2012/main" name="Slate" id="{C3F70B94-7CE9-428E-ADC1-3269CC2C3385}" vid="{3F2DE9A5-64E6-437C-A389-CC4477E817E8}"/>
+      <thm15:themeFamily xmlns:thm15="http://schemas.microsoft.com/office/thememl/2012/main" xmlns="" name="Slate" id="{C3F70B94-7CE9-428E-ADC1-3269CC2C3385}" vid="{3F2DE9A5-64E6-437C-A389-CC4477E817E8}"/>
     </a:ext>
   </a:extLst>
 </a:theme>
@@ -10197,7 +10232,7 @@
   <a:extraClrSchemeLst/>
   <a:extLst>
     <a:ext uri="{05A4C25C-085E-4340-85A3-A5531E510DB2}">
-      <thm15:themeFamily xmlns:thm15="http://schemas.microsoft.com/office/thememl/2012/main" name="Office Theme" id="{62F939B6-93AF-4DB8-9C6B-D6C7DFDC589F}" vid="{4A3C46E8-61CC-4603-A589-7422A47A8E4A}"/>
+      <thm15:themeFamily xmlns:thm15="http://schemas.microsoft.com/office/thememl/2012/main" xmlns="" name="Office Theme" id="{62F939B6-93AF-4DB8-9C6B-D6C7DFDC589F}" vid="{4A3C46E8-61CC-4603-A589-7422A47A8E4A}"/>
     </a:ext>
   </a:extLst>
 </a:theme>

--- a/MobAppFinalPresent.pptx
+++ b/MobAppFinalPresent.pptx
@@ -5,7 +5,7 @@
     <p:sldMasterId id="2147483672" r:id="rId1"/>
   </p:sldMasterIdLst>
   <p:notesMasterIdLst>
-    <p:notesMasterId r:id="rId18"/>
+    <p:notesMasterId r:id="rId19"/>
   </p:notesMasterIdLst>
   <p:sldIdLst>
     <p:sldId id="256" r:id="rId2"/>
@@ -14,16 +14,17 @@
     <p:sldId id="277" r:id="rId5"/>
     <p:sldId id="282" r:id="rId6"/>
     <p:sldId id="274" r:id="rId7"/>
-    <p:sldId id="259" r:id="rId8"/>
-    <p:sldId id="283" r:id="rId9"/>
-    <p:sldId id="284" r:id="rId10"/>
-    <p:sldId id="278" r:id="rId11"/>
-    <p:sldId id="285" r:id="rId12"/>
-    <p:sldId id="287" r:id="rId13"/>
-    <p:sldId id="286" r:id="rId14"/>
-    <p:sldId id="279" r:id="rId15"/>
-    <p:sldId id="275" r:id="rId16"/>
-    <p:sldId id="276" r:id="rId17"/>
+    <p:sldId id="288" r:id="rId8"/>
+    <p:sldId id="259" r:id="rId9"/>
+    <p:sldId id="283" r:id="rId10"/>
+    <p:sldId id="284" r:id="rId11"/>
+    <p:sldId id="278" r:id="rId12"/>
+    <p:sldId id="285" r:id="rId13"/>
+    <p:sldId id="287" r:id="rId14"/>
+    <p:sldId id="286" r:id="rId15"/>
+    <p:sldId id="279" r:id="rId16"/>
+    <p:sldId id="275" r:id="rId17"/>
+    <p:sldId id="276" r:id="rId18"/>
   </p:sldIdLst>
   <p:sldSz cx="9144000" cy="6858000" type="screen4x3"/>
   <p:notesSz cx="6858000" cy="9144000"/>
@@ -224,7 +225,7 @@
             <a:fld id="{4A33FB36-6EF8-4692-8B0F-0E50E7267C39}" type="datetimeFigureOut">
               <a:rPr lang="en-US" smtClean="0"/>
               <a:pPr/>
-              <a:t>11/15/2015</a:t>
+              <a:t>11/16/2015</a:t>
             </a:fld>
             <a:endParaRPr lang="en-US"/>
           </a:p>
@@ -559,7 +560,7 @@
             <a:fld id="{9C75C2C6-49ED-4485-B0BC-FAD6842E771D}" type="slidenum">
               <a:rPr lang="en-US" smtClean="0"/>
               <a:pPr/>
-              <a:t>7</a:t>
+              <a:t>8</a:t>
             </a:fld>
             <a:endParaRPr lang="en-US"/>
           </a:p>
@@ -644,7 +645,7 @@
             <a:fld id="{9C75C2C6-49ED-4485-B0BC-FAD6842E771D}" type="slidenum">
               <a:rPr lang="en-US" smtClean="0"/>
               <a:pPr/>
-              <a:t>10</a:t>
+              <a:t>11</a:t>
             </a:fld>
             <a:endParaRPr lang="en-US"/>
           </a:p>
@@ -737,7 +738,7 @@
             <a:fld id="{9C75C2C6-49ED-4485-B0BC-FAD6842E771D}" type="slidenum">
               <a:rPr lang="en-US" smtClean="0"/>
               <a:pPr/>
-              <a:t>14</a:t>
+              <a:t>15</a:t>
             </a:fld>
             <a:endParaRPr lang="en-US"/>
           </a:p>
@@ -942,7 +943,7 @@
             <a:fld id="{2CC031FC-700A-4711-97F2-14A15C18F49D}" type="datetimeFigureOut">
               <a:rPr lang="en-US" smtClean="0"/>
               <a:pPr/>
-              <a:t>11/15/2015</a:t>
+              <a:t>11/16/2015</a:t>
             </a:fld>
             <a:endParaRPr lang="en-US"/>
           </a:p>
@@ -1242,7 +1243,7 @@
             <a:fld id="{2CC031FC-700A-4711-97F2-14A15C18F49D}" type="datetimeFigureOut">
               <a:rPr lang="en-US" smtClean="0"/>
               <a:pPr/>
-              <a:t>11/15/2015</a:t>
+              <a:t>11/16/2015</a:t>
             </a:fld>
             <a:endParaRPr lang="en-US"/>
           </a:p>
@@ -1436,7 +1437,7 @@
             <a:fld id="{2CC031FC-700A-4711-97F2-14A15C18F49D}" type="datetimeFigureOut">
               <a:rPr lang="en-US" smtClean="0"/>
               <a:pPr/>
-              <a:t>11/15/2015</a:t>
+              <a:t>11/16/2015</a:t>
             </a:fld>
             <a:endParaRPr lang="en-US"/>
           </a:p>
@@ -1699,7 +1700,7 @@
             <a:fld id="{2CC031FC-700A-4711-97F2-14A15C18F49D}" type="datetimeFigureOut">
               <a:rPr lang="en-US" smtClean="0"/>
               <a:pPr/>
-              <a:t>11/15/2015</a:t>
+              <a:t>11/16/2015</a:t>
             </a:fld>
             <a:endParaRPr lang="en-US"/>
           </a:p>
@@ -2125,7 +2126,7 @@
             <a:fld id="{2CC031FC-700A-4711-97F2-14A15C18F49D}" type="datetimeFigureOut">
               <a:rPr lang="en-US" smtClean="0"/>
               <a:pPr/>
-              <a:t>11/15/2015</a:t>
+              <a:t>11/16/2015</a:t>
             </a:fld>
             <a:endParaRPr lang="en-US"/>
           </a:p>
@@ -2664,7 +2665,7 @@
             <a:fld id="{2CC031FC-700A-4711-97F2-14A15C18F49D}" type="datetimeFigureOut">
               <a:rPr lang="en-US" smtClean="0"/>
               <a:pPr/>
-              <a:t>11/15/2015</a:t>
+              <a:t>11/16/2015</a:t>
             </a:fld>
             <a:endParaRPr lang="en-US"/>
           </a:p>
@@ -3530,7 +3531,7 @@
             <a:fld id="{2CC031FC-700A-4711-97F2-14A15C18F49D}" type="datetimeFigureOut">
               <a:rPr lang="en-US" smtClean="0"/>
               <a:pPr/>
-              <a:t>11/15/2015</a:t>
+              <a:t>11/16/2015</a:t>
             </a:fld>
             <a:endParaRPr lang="en-US"/>
           </a:p>
@@ -3702,7 +3703,7 @@
             <a:fld id="{2CC031FC-700A-4711-97F2-14A15C18F49D}" type="datetimeFigureOut">
               <a:rPr lang="en-US" smtClean="0"/>
               <a:pPr/>
-              <a:t>11/15/2015</a:t>
+              <a:t>11/16/2015</a:t>
             </a:fld>
             <a:endParaRPr lang="en-US"/>
           </a:p>
@@ -3888,7 +3889,7 @@
             <a:fld id="{2CC031FC-700A-4711-97F2-14A15C18F49D}" type="datetimeFigureOut">
               <a:rPr lang="en-US" smtClean="0"/>
               <a:pPr/>
-              <a:t>11/15/2015</a:t>
+              <a:t>11/16/2015</a:t>
             </a:fld>
             <a:endParaRPr lang="en-US"/>
           </a:p>
@@ -4060,7 +4061,7 @@
             <a:fld id="{2CC031FC-700A-4711-97F2-14A15C18F49D}" type="datetimeFigureOut">
               <a:rPr lang="en-US" smtClean="0"/>
               <a:pPr/>
-              <a:t>11/15/2015</a:t>
+              <a:t>11/16/2015</a:t>
             </a:fld>
             <a:endParaRPr lang="en-US"/>
           </a:p>
@@ -4306,7 +4307,7 @@
             <a:fld id="{2CC031FC-700A-4711-97F2-14A15C18F49D}" type="datetimeFigureOut">
               <a:rPr lang="en-US" smtClean="0"/>
               <a:pPr/>
-              <a:t>11/15/2015</a:t>
+              <a:t>11/16/2015</a:t>
             </a:fld>
             <a:endParaRPr lang="en-US"/>
           </a:p>
@@ -4544,7 +4545,7 @@
             <a:fld id="{2CC031FC-700A-4711-97F2-14A15C18F49D}" type="datetimeFigureOut">
               <a:rPr lang="en-US" smtClean="0"/>
               <a:pPr/>
-              <a:t>11/15/2015</a:t>
+              <a:t>11/16/2015</a:t>
             </a:fld>
             <a:endParaRPr lang="en-US"/>
           </a:p>
@@ -5012,7 +5013,7 @@
             <a:fld id="{2CC031FC-700A-4711-97F2-14A15C18F49D}" type="datetimeFigureOut">
               <a:rPr lang="en-US" smtClean="0"/>
               <a:pPr/>
-              <a:t>11/15/2015</a:t>
+              <a:t>11/16/2015</a:t>
             </a:fld>
             <a:endParaRPr lang="en-US"/>
           </a:p>
@@ -5132,7 +5133,7 @@
             <a:fld id="{2CC031FC-700A-4711-97F2-14A15C18F49D}" type="datetimeFigureOut">
               <a:rPr lang="en-US" smtClean="0"/>
               <a:pPr/>
-              <a:t>11/15/2015</a:t>
+              <a:t>11/16/2015</a:t>
             </a:fld>
             <a:endParaRPr lang="en-US"/>
           </a:p>
@@ -5229,7 +5230,7 @@
             <a:fld id="{2CC031FC-700A-4711-97F2-14A15C18F49D}" type="datetimeFigureOut">
               <a:rPr lang="en-US" smtClean="0"/>
               <a:pPr/>
-              <a:t>11/15/2015</a:t>
+              <a:t>11/16/2015</a:t>
             </a:fld>
             <a:endParaRPr lang="en-US"/>
           </a:p>
@@ -5486,7 +5487,7 @@
             <a:fld id="{2CC031FC-700A-4711-97F2-14A15C18F49D}" type="datetimeFigureOut">
               <a:rPr lang="en-US" smtClean="0"/>
               <a:pPr/>
-              <a:t>11/15/2015</a:t>
+              <a:t>11/16/2015</a:t>
             </a:fld>
             <a:endParaRPr lang="en-US"/>
           </a:p>
@@ -5788,7 +5789,7 @@
             <a:fld id="{2CC031FC-700A-4711-97F2-14A15C18F49D}" type="datetimeFigureOut">
               <a:rPr lang="en-US" smtClean="0"/>
               <a:pPr/>
-              <a:t>11/15/2015</a:t>
+              <a:t>11/16/2015</a:t>
             </a:fld>
             <a:endParaRPr lang="en-US"/>
           </a:p>
@@ -6024,7 +6025,7 @@
             <a:fld id="{2CC031FC-700A-4711-97F2-14A15C18F49D}" type="datetimeFigureOut">
               <a:rPr lang="en-US" smtClean="0"/>
               <a:pPr/>
-              <a:t>11/15/2015</a:t>
+              <a:t>11/16/2015</a:t>
             </a:fld>
             <a:endParaRPr lang="en-US"/>
           </a:p>
@@ -6836,9 +6837,117 @@
             <p:ph type="title"/>
           </p:nvPr>
         </p:nvSpPr>
+        <p:spPr/>
+        <p:txBody>
+          <a:bodyPr>
+            <a:normAutofit fontScale="90000"/>
+          </a:bodyPr>
+          <a:lstStyle/>
+          <a:p>
+            <a:r>
+              <a:rPr lang="en-US" dirty="0"/>
+              <a:t>David: Relation between </a:t>
+            </a:r>
+            <a:br>
+              <a:rPr lang="en-US" dirty="0"/>
+            </a:br>
+            <a:endParaRPr lang="en-US" dirty="0"/>
+          </a:p>
+        </p:txBody>
+      </p:sp>
+      <p:sp>
+        <p:nvSpPr>
+          <p:cNvPr id="3" name="Content Placeholder 2"/>
+          <p:cNvSpPr>
+            <a:spLocks noGrp="1"/>
+          </p:cNvSpPr>
+          <p:nvPr>
+            <p:ph idx="1"/>
+          </p:nvPr>
+        </p:nvSpPr>
+        <p:spPr/>
+        <p:txBody>
+          <a:bodyPr/>
+          <a:lstStyle/>
+          <a:p>
+            <a:r>
+              <a:rPr lang="en-US" dirty="0"/>
+              <a:t>David: Relation between </a:t>
+            </a:r>
+          </a:p>
+          <a:p>
+            <a:r>
+              <a:rPr lang="en-US" dirty="0"/>
+              <a:t>&lt;app&gt; </a:t>
+            </a:r>
+            <a:r>
+              <a:rPr lang="en-US" dirty="0">
+                <a:sym typeface="Wingdings" panose="05000000000000000000" pitchFamily="2" charset="2"/>
+              </a:rPr>
+              <a:t> &lt;transporter&gt; &lt;GPS service&gt; &lt;</a:t>
+            </a:r>
+            <a:r>
+              <a:rPr lang="en-US" dirty="0" err="1">
+                <a:sym typeface="Wingdings" panose="05000000000000000000" pitchFamily="2" charset="2"/>
+              </a:rPr>
+              <a:t>Api</a:t>
+            </a:r>
+            <a:r>
+              <a:rPr lang="en-US" dirty="0">
+                <a:sym typeface="Wingdings" panose="05000000000000000000" pitchFamily="2" charset="2"/>
+              </a:rPr>
+              <a:t>&gt; </a:t>
+            </a:r>
+            <a:endParaRPr lang="en-US" dirty="0"/>
+          </a:p>
+          <a:p>
+            <a:endParaRPr lang="en-US" dirty="0"/>
+          </a:p>
+        </p:txBody>
+      </p:sp>
+    </p:spTree>
+    <p:extLst>
+      <p:ext uri="{BB962C8B-B14F-4D97-AF65-F5344CB8AC3E}">
+        <p14:creationId xmlns:p14="http://schemas.microsoft.com/office/powerpoint/2010/main" val="2503995030"/>
+      </p:ext>
+    </p:extLst>
+  </p:cSld>
+  <p:clrMapOvr>
+    <a:masterClrMapping/>
+  </p:clrMapOvr>
+</p:sld>
+</file>
+
+<file path=ppt/slides/slide11.xml><?xml version="1.0" encoding="utf-8"?>
+<p:sld xmlns:a="http://schemas.openxmlformats.org/drawingml/2006/main" xmlns:r="http://schemas.openxmlformats.org/officeDocument/2006/relationships" xmlns:p="http://schemas.openxmlformats.org/presentationml/2006/main">
+  <p:cSld>
+    <p:spTree>
+      <p:nvGrpSpPr>
+        <p:cNvPr id="1" name=""/>
+        <p:cNvGrpSpPr/>
+        <p:nvPr/>
+      </p:nvGrpSpPr>
+      <p:grpSpPr>
+        <a:xfrm>
+          <a:off x="0" y="0"/>
+          <a:ext cx="0" cy="0"/>
+          <a:chOff x="0" y="0"/>
+          <a:chExt cx="0" cy="0"/>
+        </a:xfrm>
+      </p:grpSpPr>
+      <p:sp>
+        <p:nvSpPr>
+          <p:cNvPr id="2" name="Title 1"/>
+          <p:cNvSpPr>
+            <a:spLocks noGrp="1"/>
+          </p:cNvSpPr>
+          <p:nvPr>
+            <p:ph type="title"/>
+          </p:nvPr>
+        </p:nvSpPr>
         <p:spPr>
           <a:xfrm>
-            <a:off x="111229" y="562440"/>
+            <a:off x="228600" y="328652"/>
             <a:ext cx="7765322" cy="970450"/>
           </a:xfrm>
         </p:spPr>
@@ -6898,8 +7007,8 @@
         </p:nvSpPr>
         <p:spPr>
           <a:xfrm>
-            <a:off x="228601" y="1935480"/>
-            <a:ext cx="4800600" cy="1954381"/>
+            <a:off x="470659" y="1299102"/>
+            <a:ext cx="4800600" cy="2828467"/>
           </a:xfrm>
           <a:prstGeom prst="rect">
             <a:avLst/>
@@ -6927,7 +7036,7 @@
               <a:buChar char=""/>
             </a:pPr>
             <a:r>
-              <a:rPr lang="en-US" sz="2000" dirty="0" smtClean="0">
+              <a:rPr lang="en-US" sz="2200" dirty="0" smtClean="0">
                 <a:ln>
                   <a:solidFill>
                     <a:schemeClr val="bg1">
@@ -6967,7 +7076,7 @@
               <a:buChar char=""/>
             </a:pPr>
             <a:r>
-              <a:rPr lang="en-US" sz="2000" dirty="0" smtClean="0">
+              <a:rPr lang="en-US" sz="2200" dirty="0" smtClean="0">
                 <a:ln>
                   <a:solidFill>
                     <a:schemeClr val="bg1">
@@ -6990,27 +7099,6 @@
               </a:rPr>
               <a:t>UC:9 Employee alerted of time stamp </a:t>
             </a:r>
-            <a:endParaRPr lang="en-US" sz="2000" dirty="0" smtClean="0">
-              <a:ln>
-                <a:solidFill>
-                  <a:schemeClr val="bg1">
-                    <a:lumMod val="75000"/>
-                    <a:lumOff val="25000"/>
-                    <a:alpha val="10000"/>
-                  </a:schemeClr>
-                </a:solidFill>
-              </a:ln>
-              <a:solidFill>
-                <a:schemeClr val="tx2"/>
-              </a:solidFill>
-              <a:effectLst>
-                <a:outerShdw blurRad="9525" dist="25400" dir="14640000" algn="tl" rotWithShape="0">
-                  <a:schemeClr val="bg1">
-                    <a:alpha val="30000"/>
-                  </a:schemeClr>
-                </a:outerShdw>
-              </a:effectLst>
-            </a:endParaRPr>
           </a:p>
           <a:p>
             <a:pPr marL="36900" defTabSz="457200">
@@ -7026,7 +7114,7 @@
               <a:buSzPct val="70000"/>
             </a:pPr>
             <a:r>
-              <a:rPr lang="en-US" sz="2000" dirty="0" smtClean="0">
+              <a:rPr lang="en-US" sz="2200" dirty="0" smtClean="0">
                 <a:ln>
                   <a:solidFill>
                     <a:schemeClr val="bg1">
@@ -7049,7 +7137,7 @@
               </a:rPr>
               <a:t>Using: Database connection</a:t>
             </a:r>
-            <a:endParaRPr lang="en-US" sz="2000" dirty="0">
+            <a:endParaRPr lang="en-US" sz="2200" dirty="0">
               <a:ln>
                 <a:solidFill>
                   <a:schemeClr val="bg1">
@@ -7076,7 +7164,7 @@
               <a:buFont typeface="Arial" panose="020B0604020202020204" pitchFamily="34" charset="0"/>
               <a:buChar char="•"/>
             </a:pPr>
-            <a:endParaRPr lang="en-US" dirty="0"/>
+            <a:endParaRPr lang="en-US" sz="2200" dirty="0"/>
           </a:p>
         </p:txBody>
       </p:sp>
@@ -7192,7 +7280,7 @@
         </p:blipFill>
         <p:spPr>
           <a:xfrm>
-            <a:off x="416928" y="3681159"/>
+            <a:off x="522364" y="3889861"/>
             <a:ext cx="1738205" cy="2968139"/>
           </a:xfrm>
           <a:prstGeom prst="rect">
@@ -7208,7 +7296,7 @@
         </p:nvSpPr>
         <p:spPr>
           <a:xfrm>
-            <a:off x="833118" y="5762161"/>
+            <a:off x="904295" y="5988936"/>
             <a:ext cx="229054" cy="228600"/>
           </a:xfrm>
           <a:prstGeom prst="ellipse">
@@ -7260,7 +7348,7 @@
 </p:sld>
 </file>
 
-<file path=ppt/slides/slide11.xml><?xml version="1.0" encoding="utf-8"?>
+<file path=ppt/slides/slide12.xml><?xml version="1.0" encoding="utf-8"?>
 <p:sld xmlns:a="http://schemas.openxmlformats.org/drawingml/2006/main" xmlns:r="http://schemas.openxmlformats.org/officeDocument/2006/relationships" xmlns:p="http://schemas.openxmlformats.org/presentationml/2006/main">
   <p:cSld>
     <p:spTree>
@@ -7381,7 +7469,7 @@
         </p:blipFill>
         <p:spPr>
           <a:xfrm>
-            <a:off x="2895600" y="2822972"/>
+            <a:off x="3124200" y="2819400"/>
             <a:ext cx="2271605" cy="3878967"/>
           </a:xfrm>
           <a:prstGeom prst="rect">
@@ -7397,7 +7485,7 @@
         </p:nvSpPr>
         <p:spPr>
           <a:xfrm>
-            <a:off x="3505200" y="5105400"/>
+            <a:off x="3581400" y="5105400"/>
             <a:ext cx="229054" cy="228600"/>
           </a:xfrm>
           <a:prstGeom prst="ellipse">
@@ -7429,6 +7517,46 @@
           </a:p>
         </p:txBody>
       </p:sp>
+      <p:sp>
+        <p:nvSpPr>
+          <p:cNvPr id="9" name="Oval 8"/>
+          <p:cNvSpPr/>
+          <p:nvPr/>
+        </p:nvSpPr>
+        <p:spPr>
+          <a:xfrm>
+            <a:off x="6579655" y="4419600"/>
+            <a:ext cx="229054" cy="228600"/>
+          </a:xfrm>
+          <a:prstGeom prst="ellipse">
+            <a:avLst/>
+          </a:prstGeom>
+        </p:spPr>
+        <p:style>
+          <a:lnRef idx="2">
+            <a:schemeClr val="accent1">
+              <a:shade val="50000"/>
+            </a:schemeClr>
+          </a:lnRef>
+          <a:fillRef idx="1">
+            <a:schemeClr val="accent1"/>
+          </a:fillRef>
+          <a:effectRef idx="0">
+            <a:schemeClr val="accent1"/>
+          </a:effectRef>
+          <a:fontRef idx="minor">
+            <a:schemeClr val="lt1"/>
+          </a:fontRef>
+        </p:style>
+        <p:txBody>
+          <a:bodyPr rtlCol="0" anchor="ctr"/>
+          <a:lstStyle/>
+          <a:p>
+            <a:pPr algn="ctr"/>
+            <a:endParaRPr lang="en-US"/>
+          </a:p>
+        </p:txBody>
+      </p:sp>
     </p:spTree>
     <p:extLst>
       <p:ext uri="{BB962C8B-B14F-4D97-AF65-F5344CB8AC3E}">
@@ -7442,7 +7570,7 @@
 </p:sld>
 </file>
 
-<file path=ppt/slides/slide12.xml><?xml version="1.0" encoding="utf-8"?>
+<file path=ppt/slides/slide13.xml><?xml version="1.0" encoding="utf-8"?>
 <p:sld xmlns:a="http://schemas.openxmlformats.org/drawingml/2006/main" xmlns:r="http://schemas.openxmlformats.org/officeDocument/2006/relationships" xmlns:p="http://schemas.openxmlformats.org/presentationml/2006/main">
   <p:cSld>
     <p:spTree>
@@ -7474,7 +7602,11 @@
           <a:bodyPr/>
           <a:lstStyle/>
           <a:p>
-            <a:endParaRPr lang="en-US"/>
+            <a:r>
+              <a:rPr lang="en-US" dirty="0" smtClean="0"/>
+              <a:t>UC:7 </a:t>
+            </a:r>
+            <a:endParaRPr lang="en-US" dirty="0"/>
           </a:p>
         </p:txBody>
       </p:sp>
@@ -7490,14 +7622,16 @@
         </p:nvSpPr>
         <p:spPr/>
         <p:txBody>
-          <a:bodyPr/>
-          <a:lstStyle/>
-          <a:p>
-            <a:r>
-              <a:rPr lang="en-US" dirty="0" smtClean="0"/>
+          <a:bodyPr>
+            <a:normAutofit/>
+          </a:bodyPr>
+          <a:lstStyle/>
+          <a:p>
+            <a:r>
+              <a:rPr lang="en-US" sz="2500" dirty="0" smtClean="0"/>
               <a:t>Employee views schedule </a:t>
             </a:r>
-            <a:endParaRPr lang="en-US" dirty="0"/>
+            <a:endParaRPr lang="en-US" sz="2500" dirty="0"/>
           </a:p>
         </p:txBody>
       </p:sp>
@@ -7644,7 +7778,7 @@
 </p:sld>
 </file>
 
-<file path=ppt/slides/slide13.xml><?xml version="1.0" encoding="utf-8"?>
+<file path=ppt/slides/slide14.xml><?xml version="1.0" encoding="utf-8"?>
 <p:sld xmlns:a="http://schemas.openxmlformats.org/drawingml/2006/main" xmlns:r="http://schemas.openxmlformats.org/officeDocument/2006/relationships" xmlns:p="http://schemas.openxmlformats.org/presentationml/2006/main">
   <p:cSld>
     <p:spTree>
@@ -7694,16 +7828,27 @@
             <p:ph idx="1"/>
           </p:nvPr>
         </p:nvSpPr>
-        <p:spPr/>
-        <p:txBody>
-          <a:bodyPr/>
-          <a:lstStyle/>
-          <a:p>
-            <a:r>
-              <a:rPr lang="en-US" dirty="0" smtClean="0"/>
-              <a:t>Employee sets alarms </a:t>
-            </a:r>
-            <a:endParaRPr lang="en-US" dirty="0"/>
+        <p:spPr>
+          <a:xfrm>
+            <a:off x="-152400" y="2081892"/>
+            <a:ext cx="7765322" cy="4058751"/>
+          </a:xfrm>
+        </p:spPr>
+        <p:txBody>
+          <a:bodyPr>
+            <a:normAutofit/>
+          </a:bodyPr>
+          <a:lstStyle/>
+          <a:p>
+            <a:r>
+              <a:rPr lang="en-US" sz="2200" dirty="0" smtClean="0"/>
+              <a:t>Employee sets </a:t>
+            </a:r>
+            <a:r>
+              <a:rPr lang="en-US" sz="2200" dirty="0" smtClean="0"/>
+              <a:t>alarms for the reminder of the shift time </a:t>
+            </a:r>
+            <a:endParaRPr lang="en-US" sz="2200" dirty="0"/>
           </a:p>
         </p:txBody>
       </p:sp>
@@ -7777,6 +7922,209 @@
           </a:p>
         </p:txBody>
       </p:sp>
+      <p:pic>
+        <p:nvPicPr>
+          <p:cNvPr id="7" name="Picture 6" descr="Screen Clipping"/>
+          <p:cNvPicPr>
+            <a:picLocks noChangeAspect="1"/>
+          </p:cNvPicPr>
+          <p:nvPr/>
+        </p:nvPicPr>
+        <p:blipFill>
+          <a:blip r:embed="rId3" cstate="print">
+            <a:extLst>
+              <a:ext uri="{28A0092B-C50C-407E-A947-70E740481C1C}">
+                <a14:useLocalDpi xmlns:a14="http://schemas.microsoft.com/office/drawing/2010/main" val="0"/>
+              </a:ext>
+            </a:extLst>
+          </a:blip>
+          <a:stretch>
+            <a:fillRect/>
+          </a:stretch>
+        </p:blipFill>
+        <p:spPr>
+          <a:xfrm>
+            <a:off x="2689185" y="2990851"/>
+            <a:ext cx="1876645" cy="3048000"/>
+          </a:xfrm>
+          <a:prstGeom prst="rect">
+            <a:avLst/>
+          </a:prstGeom>
+        </p:spPr>
+      </p:pic>
+      <p:pic>
+        <p:nvPicPr>
+          <p:cNvPr id="9" name="Picture 8" descr="Screen Clipping"/>
+          <p:cNvPicPr>
+            <a:picLocks noChangeAspect="1"/>
+          </p:cNvPicPr>
+          <p:nvPr/>
+        </p:nvPicPr>
+        <p:blipFill>
+          <a:blip r:embed="rId4">
+            <a:extLst>
+              <a:ext uri="{28A0092B-C50C-407E-A947-70E740481C1C}">
+                <a14:useLocalDpi xmlns:a14="http://schemas.microsoft.com/office/drawing/2010/main" val="0"/>
+              </a:ext>
+            </a:extLst>
+          </a:blip>
+          <a:stretch>
+            <a:fillRect/>
+          </a:stretch>
+        </p:blipFill>
+        <p:spPr>
+          <a:xfrm>
+            <a:off x="4857760" y="3332821"/>
+            <a:ext cx="2000239" cy="3270368"/>
+          </a:xfrm>
+          <a:prstGeom prst="rect">
+            <a:avLst/>
+          </a:prstGeom>
+        </p:spPr>
+      </p:pic>
+      <p:sp>
+        <p:nvSpPr>
+          <p:cNvPr id="10" name="Oval 9"/>
+          <p:cNvSpPr/>
+          <p:nvPr/>
+        </p:nvSpPr>
+        <p:spPr>
+          <a:xfrm>
+            <a:off x="5638800" y="6172200"/>
+            <a:ext cx="457200" cy="228600"/>
+          </a:xfrm>
+          <a:prstGeom prst="ellipse">
+            <a:avLst/>
+          </a:prstGeom>
+          <a:noFill/>
+        </p:spPr>
+        <p:style>
+          <a:lnRef idx="2">
+            <a:schemeClr val="accent1">
+              <a:shade val="50000"/>
+            </a:schemeClr>
+          </a:lnRef>
+          <a:fillRef idx="1">
+            <a:schemeClr val="accent1"/>
+          </a:fillRef>
+          <a:effectRef idx="0">
+            <a:schemeClr val="accent1"/>
+          </a:effectRef>
+          <a:fontRef idx="minor">
+            <a:schemeClr val="lt1"/>
+          </a:fontRef>
+        </p:style>
+        <p:txBody>
+          <a:bodyPr rtlCol="0" anchor="ctr"/>
+          <a:lstStyle/>
+          <a:p>
+            <a:pPr algn="ctr"/>
+            <a:endParaRPr lang="en-US"/>
+          </a:p>
+        </p:txBody>
+      </p:sp>
+      <p:pic>
+        <p:nvPicPr>
+          <p:cNvPr id="11" name="Picture 10" descr="Screen Clipping"/>
+          <p:cNvPicPr>
+            <a:picLocks noChangeAspect="1"/>
+          </p:cNvPicPr>
+          <p:nvPr/>
+        </p:nvPicPr>
+        <p:blipFill>
+          <a:blip r:embed="rId2" cstate="print">
+            <a:extLst>
+              <a:ext uri="{28A0092B-C50C-407E-A947-70E740481C1C}">
+                <a14:useLocalDpi xmlns:a14="http://schemas.microsoft.com/office/drawing/2010/main" val="0"/>
+              </a:ext>
+            </a:extLst>
+          </a:blip>
+          <a:stretch>
+            <a:fillRect/>
+          </a:stretch>
+        </p:blipFill>
+        <p:spPr>
+          <a:xfrm>
+            <a:off x="7030519" y="1732450"/>
+            <a:ext cx="1738205" cy="2968139"/>
+          </a:xfrm>
+          <a:prstGeom prst="rect">
+            <a:avLst/>
+          </a:prstGeom>
+        </p:spPr>
+      </p:pic>
+      <p:cxnSp>
+        <p:nvCxnSpPr>
+          <p:cNvPr id="13" name="Elbow Connector 12"/>
+          <p:cNvCxnSpPr/>
+          <p:nvPr/>
+        </p:nvCxnSpPr>
+        <p:spPr>
+          <a:xfrm rot="5400000" flipH="1" flipV="1">
+            <a:off x="6506461" y="4944362"/>
+            <a:ext cx="1409700" cy="1274577"/>
+          </a:xfrm>
+          <a:prstGeom prst="bentConnector3">
+            <a:avLst/>
+          </a:prstGeom>
+          <a:ln w="76200">
+            <a:solidFill>
+              <a:srgbClr val="FFC000"/>
+            </a:solidFill>
+            <a:tailEnd type="triangle"/>
+          </a:ln>
+        </p:spPr>
+        <p:style>
+          <a:lnRef idx="1">
+            <a:schemeClr val="accent1"/>
+          </a:lnRef>
+          <a:fillRef idx="0">
+            <a:schemeClr val="accent1"/>
+          </a:fillRef>
+          <a:effectRef idx="0">
+            <a:schemeClr val="accent1"/>
+          </a:effectRef>
+          <a:fontRef idx="minor">
+            <a:schemeClr val="tx1"/>
+          </a:fontRef>
+        </p:style>
+      </p:cxnSp>
+      <p:cxnSp>
+        <p:nvCxnSpPr>
+          <p:cNvPr id="15" name="Elbow Connector 14"/>
+          <p:cNvCxnSpPr/>
+          <p:nvPr/>
+        </p:nvCxnSpPr>
+        <p:spPr>
+          <a:xfrm rot="5400000" flipH="1" flipV="1">
+            <a:off x="6291786" y="2907352"/>
+            <a:ext cx="1066800" cy="890896"/>
+          </a:xfrm>
+          <a:prstGeom prst="bentConnector3">
+            <a:avLst/>
+          </a:prstGeom>
+          <a:ln w="76200">
+            <a:solidFill>
+              <a:srgbClr val="FFC000"/>
+            </a:solidFill>
+            <a:tailEnd type="triangle"/>
+          </a:ln>
+        </p:spPr>
+        <p:style>
+          <a:lnRef idx="1">
+            <a:schemeClr val="accent1"/>
+          </a:lnRef>
+          <a:fillRef idx="0">
+            <a:schemeClr val="accent1"/>
+          </a:fillRef>
+          <a:effectRef idx="0">
+            <a:schemeClr val="accent1"/>
+          </a:effectRef>
+          <a:fontRef idx="minor">
+            <a:schemeClr val="tx1"/>
+          </a:fontRef>
+        </p:style>
+      </p:cxnSp>
     </p:spTree>
     <p:extLst>
       <p:ext uri="{BB962C8B-B14F-4D97-AF65-F5344CB8AC3E}">
@@ -7790,7 +8138,7 @@
 </p:sld>
 </file>
 
-<file path=ppt/slides/slide14.xml><?xml version="1.0" encoding="utf-8"?>
+<file path=ppt/slides/slide15.xml><?xml version="1.0" encoding="utf-8"?>
 <p:sld xmlns:a="http://schemas.openxmlformats.org/drawingml/2006/main" xmlns:r="http://schemas.openxmlformats.org/officeDocument/2006/relationships" xmlns:p="http://schemas.openxmlformats.org/presentationml/2006/main">
   <p:cSld>
     <p:spTree>
@@ -7884,7 +8232,7 @@
         </p:nvSpPr>
         <p:spPr>
           <a:xfrm>
-            <a:off x="228600" y="1935480"/>
+            <a:off x="381000" y="1676400"/>
             <a:ext cx="8610599" cy="3243965"/>
           </a:xfrm>
           <a:prstGeom prst="rect">
@@ -8054,55 +8402,7 @@
                   </a:outerShdw>
                 </a:effectLst>
               </a:rPr>
-              <a:t> UC:15 Manager </a:t>
-            </a:r>
-            <a:r>
-              <a:rPr lang="en-US" sz="2800" dirty="0" smtClean="0">
-                <a:ln>
-                  <a:solidFill>
-                    <a:schemeClr val="bg1">
-                      <a:lumMod val="75000"/>
-                      <a:lumOff val="25000"/>
-                      <a:alpha val="10000"/>
-                    </a:schemeClr>
-                  </a:solidFill>
-                </a:ln>
-                <a:solidFill>
-                  <a:schemeClr val="tx2"/>
-                </a:solidFill>
-                <a:effectLst>
-                  <a:outerShdw blurRad="9525" dist="25400" dir="14640000" algn="tl" rotWithShape="0">
-                    <a:schemeClr val="bg1">
-                      <a:alpha val="30000"/>
-                    </a:schemeClr>
-                  </a:outerShdw>
-                </a:effectLst>
-              </a:rPr>
-              <a:t>acc</a:t>
-            </a:r>
-            <a:r>
-              <a:rPr lang="en-US" sz="2800" dirty="0" smtClean="0">
-                <a:ln>
-                  <a:solidFill>
-                    <a:schemeClr val="bg1">
-                      <a:lumMod val="75000"/>
-                      <a:lumOff val="25000"/>
-                      <a:alpha val="10000"/>
-                    </a:schemeClr>
-                  </a:solidFill>
-                </a:ln>
-                <a:solidFill>
-                  <a:schemeClr val="tx2"/>
-                </a:solidFill>
-                <a:effectLst>
-                  <a:outerShdw blurRad="9525" dist="25400" dir="14640000" algn="tl" rotWithShape="0">
-                    <a:schemeClr val="bg1">
-                      <a:alpha val="30000"/>
-                    </a:schemeClr>
-                  </a:outerShdw>
-                </a:effectLst>
-              </a:rPr>
-              <a:t>esses the web based report</a:t>
+              <a:t> UC:15 Manager accesses the web based report</a:t>
             </a:r>
             <a:endParaRPr lang="en-US" sz="2800" dirty="0">
               <a:ln>
@@ -8143,8 +8443,8 @@
         </p:nvSpPr>
         <p:spPr>
           <a:xfrm>
-            <a:off x="1066800" y="5410200"/>
-            <a:ext cx="5791200" cy="507831"/>
+            <a:off x="17516" y="4701468"/>
+            <a:ext cx="9220200" cy="1000274"/>
           </a:xfrm>
           <a:prstGeom prst="rect">
             <a:avLst/>
@@ -8157,15 +8457,34 @@
           </a:bodyPr>
           <a:lstStyle/>
           <a:p>
-            <a:r>
-              <a:rPr lang="en-US" dirty="0" smtClean="0"/>
-              <a:t>Look yourself!:    </a:t>
-            </a:r>
+            <a:endParaRPr lang="en-US" sz="2700" dirty="0"/>
+          </a:p>
+          <a:p>
             <a:r>
               <a:rPr lang="en-US" sz="2700" dirty="0" smtClean="0"/>
-              <a:t>www.group6project.com</a:t>
-            </a:r>
-            <a:endParaRPr lang="en-US" sz="2700" dirty="0"/>
+              <a:t>http</a:t>
+            </a:r>
+            <a:r>
+              <a:rPr lang="en-US" sz="2700" dirty="0"/>
+              <a:t>://</a:t>
+            </a:r>
+            <a:r>
+              <a:rPr lang="en-US" sz="3200" dirty="0">
+                <a:solidFill>
+                  <a:srgbClr val="FFFF00"/>
+                </a:solidFill>
+              </a:rPr>
+              <a:t>group6project.com</a:t>
+            </a:r>
+            <a:r>
+              <a:rPr lang="en-US" sz="2700" dirty="0"/>
+              <a:t>/</a:t>
+            </a:r>
+            <a:r>
+              <a:rPr lang="en-US" sz="2000" dirty="0"/>
+              <a:t>Group6/website/pages/login.php</a:t>
+            </a:r>
+            <a:endParaRPr lang="en-US" sz="2000" dirty="0"/>
           </a:p>
         </p:txBody>
       </p:sp>
@@ -8189,7 +8508,7 @@
 </p:sld>
 </file>
 
-<file path=ppt/slides/slide15.xml><?xml version="1.0" encoding="utf-8"?>
+<file path=ppt/slides/slide16.xml><?xml version="1.0" encoding="utf-8"?>
 <p:sld xmlns:a="http://schemas.openxmlformats.org/drawingml/2006/main" xmlns:r="http://schemas.openxmlformats.org/officeDocument/2006/relationships" xmlns:p="http://schemas.openxmlformats.org/presentationml/2006/main">
   <p:cSld>
     <p:spTree>
@@ -8246,7 +8565,11 @@
           <a:p>
             <a:r>
               <a:rPr lang="en-US" dirty="0" smtClean="0"/>
-              <a:t>Conclusion slide  </a:t>
+              <a:t>API’s are extremely usefu</a:t>
+            </a:r>
+            <a:r>
+              <a:rPr lang="en-US" dirty="0"/>
+              <a:t>l</a:t>
             </a:r>
             <a:endParaRPr lang="en-US" dirty="0"/>
           </a:p>
@@ -8272,7 +8595,7 @@
 </p:sld>
 </file>
 
-<file path=ppt/slides/slide16.xml><?xml version="1.0" encoding="utf-8"?>
+<file path=ppt/slides/slide17.xml><?xml version="1.0" encoding="utf-8"?>
 <p:sld xmlns:a="http://schemas.openxmlformats.org/drawingml/2006/main" xmlns:r="http://schemas.openxmlformats.org/officeDocument/2006/relationships" xmlns:p="http://schemas.openxmlformats.org/presentationml/2006/main">
   <p:cSld>
     <p:spTree>
@@ -9115,7 +9438,7 @@
 </file>
 
 <file path=ppt/slides/slide6.xml><?xml version="1.0" encoding="utf-8"?>
-<p:sld xmlns:a="http://schemas.openxmlformats.org/drawingml/2006/main" xmlns:r="http://schemas.openxmlformats.org/officeDocument/2006/relationships" xmlns:p="http://schemas.openxmlformats.org/presentationml/2006/main">
+<p:sld xmlns:a="http://schemas.openxmlformats.org/drawingml/2006/main" xmlns:r="http://schemas.openxmlformats.org/officeDocument/2006/relationships" xmlns:p="http://schemas.openxmlformats.org/presentationml/2006/main" show="0">
   <p:cSld>
     <p:spTree>
       <p:nvGrpSpPr>
@@ -9208,6 +9531,14 @@
   <p:clrMapOvr>
     <a:masterClrMapping/>
   </p:clrMapOvr>
+  <mc:AlternateContent xmlns:mc="http://schemas.openxmlformats.org/markup-compatibility/2006" xmlns:p14="http://schemas.microsoft.com/office/powerpoint/2010/main">
+    <mc:Choice Requires="p14">
+      <p:transition spd="slow" p14:dur="2000"/>
+    </mc:Choice>
+    <mc:Fallback xmlns="">
+      <p:transition spd="slow"/>
+    </mc:Fallback>
+  </mc:AlternateContent>
   <p:timing>
     <p:tnLst>
       <p:par>
@@ -9247,234 +9578,58 @@
         </p:nvSpPr>
         <p:spPr>
           <a:xfrm>
-            <a:off x="744955" y="609600"/>
+            <a:off x="685800" y="0"/>
             <a:ext cx="7765322" cy="970450"/>
           </a:xfrm>
         </p:spPr>
         <p:txBody>
-          <a:bodyPr>
-            <a:normAutofit/>
-          </a:bodyPr>
+          <a:bodyPr/>
           <a:lstStyle/>
           <a:p>
             <a:r>
               <a:rPr lang="en-US" b="1" dirty="0" smtClean="0"/>
-              <a:t>UC:1,2,3,4 </a:t>
+              <a:t>Data Model</a:t>
             </a:r>
             <a:endParaRPr lang="en-US" b="1" dirty="0"/>
           </a:p>
         </p:txBody>
       </p:sp>
-      <p:sp>
-        <p:nvSpPr>
-          <p:cNvPr id="5" name="TextBox 4"/>
-          <p:cNvSpPr txBox="1"/>
+      <p:pic>
+        <p:nvPicPr>
+          <p:cNvPr id="4" name="Picture 3" descr="Screen Clipping"/>
+          <p:cNvPicPr>
+            <a:picLocks noChangeAspect="1"/>
+          </p:cNvPicPr>
           <p:nvPr/>
-        </p:nvSpPr>
+        </p:nvPicPr>
+        <p:blipFill>
+          <a:blip r:embed="rId2">
+            <a:extLst>
+              <a:ext uri="{28A0092B-C50C-407E-A947-70E740481C1C}">
+                <a14:useLocalDpi xmlns:a14="http://schemas.microsoft.com/office/drawing/2010/main" val="0"/>
+              </a:ext>
+            </a:extLst>
+          </a:blip>
+          <a:stretch>
+            <a:fillRect/>
+          </a:stretch>
+        </p:blipFill>
         <p:spPr>
           <a:xfrm>
-            <a:off x="433078" y="1524000"/>
-            <a:ext cx="8077199" cy="2634567"/>
+            <a:off x="914400" y="909801"/>
+            <a:ext cx="7315200" cy="5444101"/>
           </a:xfrm>
           <a:prstGeom prst="rect">
             <a:avLst/>
           </a:prstGeom>
-          <a:noFill/>
         </p:spPr>
-        <p:txBody>
-          <a:bodyPr wrap="square" rtlCol="0">
-            <a:spAutoFit/>
-          </a:bodyPr>
-          <a:lstStyle/>
-          <a:p>
-            <a:pPr marL="342900" indent="-306000" defTabSz="457200">
-              <a:spcBef>
-                <a:spcPct val="20000"/>
-              </a:spcBef>
-              <a:spcAft>
-                <a:spcPts val="600"/>
-              </a:spcAft>
-              <a:buClr>
-                <a:schemeClr val="tx2"/>
-              </a:buClr>
-              <a:buSzPct val="70000"/>
-              <a:buFont typeface="Wingdings 2" charset="2"/>
-              <a:buChar char=""/>
-            </a:pPr>
-            <a:r>
-              <a:rPr lang="en-US" sz="2200" dirty="0" smtClean="0">
-                <a:ln>
-                  <a:solidFill>
-                    <a:schemeClr val="bg1">
-                      <a:lumMod val="75000"/>
-                      <a:lumOff val="25000"/>
-                      <a:alpha val="10000"/>
-                    </a:schemeClr>
-                  </a:solidFill>
-                </a:ln>
-                <a:solidFill>
-                  <a:schemeClr val="tx2"/>
-                </a:solidFill>
-                <a:effectLst>
-                  <a:outerShdw blurRad="9525" dist="25400" dir="14640000" algn="tl" rotWithShape="0">
-                    <a:schemeClr val="bg1">
-                      <a:alpha val="30000"/>
-                    </a:schemeClr>
-                  </a:outerShdw>
-                </a:effectLst>
-              </a:rPr>
-              <a:t>UC:1 Walk in the work place, get auto logged in by detection of their GPS coordinates</a:t>
-            </a:r>
-          </a:p>
-          <a:p>
-            <a:pPr marL="342900" indent="-306000" defTabSz="457200">
-              <a:spcBef>
-                <a:spcPct val="20000"/>
-              </a:spcBef>
-              <a:spcAft>
-                <a:spcPts val="600"/>
-              </a:spcAft>
-              <a:buClr>
-                <a:schemeClr val="tx2"/>
-              </a:buClr>
-              <a:buSzPct val="70000"/>
-              <a:buFont typeface="Wingdings 2" charset="2"/>
-              <a:buChar char=""/>
-            </a:pPr>
-            <a:r>
-              <a:rPr lang="en-US" sz="2200" dirty="0" smtClean="0">
-                <a:ln>
-                  <a:solidFill>
-                    <a:schemeClr val="bg1">
-                      <a:lumMod val="75000"/>
-                      <a:lumOff val="25000"/>
-                      <a:alpha val="10000"/>
-                    </a:schemeClr>
-                  </a:solidFill>
-                </a:ln>
-                <a:solidFill>
-                  <a:schemeClr val="tx2"/>
-                </a:solidFill>
-                <a:effectLst>
-                  <a:outerShdw blurRad="9525" dist="25400" dir="14640000" algn="tl" rotWithShape="0">
-                    <a:schemeClr val="bg1">
-                      <a:alpha val="30000"/>
-                    </a:schemeClr>
-                  </a:outerShdw>
-                </a:effectLst>
-              </a:rPr>
-              <a:t>UC:3,4  Leave / return for lunch, auto log in/out</a:t>
-            </a:r>
-          </a:p>
-          <a:p>
-            <a:pPr marL="342900" indent="-306000" defTabSz="457200">
-              <a:spcBef>
-                <a:spcPct val="20000"/>
-              </a:spcBef>
-              <a:spcAft>
-                <a:spcPts val="600"/>
-              </a:spcAft>
-              <a:buClr>
-                <a:schemeClr val="tx2"/>
-              </a:buClr>
-              <a:buSzPct val="70000"/>
-              <a:buFont typeface="Wingdings 2" charset="2"/>
-              <a:buChar char=""/>
-            </a:pPr>
-            <a:r>
-              <a:rPr lang="en-US" sz="2200" dirty="0" smtClean="0">
-                <a:ln>
-                  <a:solidFill>
-                    <a:schemeClr val="bg1">
-                      <a:lumMod val="75000"/>
-                      <a:lumOff val="25000"/>
-                      <a:alpha val="10000"/>
-                    </a:schemeClr>
-                  </a:solidFill>
-                </a:ln>
-                <a:solidFill>
-                  <a:schemeClr val="tx2"/>
-                </a:solidFill>
-                <a:effectLst>
-                  <a:outerShdw blurRad="9525" dist="25400" dir="14640000" algn="tl" rotWithShape="0">
-                    <a:schemeClr val="bg1">
-                      <a:alpha val="30000"/>
-                    </a:schemeClr>
-                  </a:outerShdw>
-                </a:effectLst>
-              </a:rPr>
-              <a:t>UC:2 Leave for the day, auto logout</a:t>
-            </a:r>
-          </a:p>
-          <a:p>
-            <a:pPr marL="36900" defTabSz="457200">
-              <a:spcBef>
-                <a:spcPct val="20000"/>
-              </a:spcBef>
-              <a:spcAft>
-                <a:spcPts val="600"/>
-              </a:spcAft>
-              <a:buClr>
-                <a:schemeClr val="tx2"/>
-              </a:buClr>
-              <a:buSzPct val="70000"/>
-            </a:pPr>
-            <a:r>
-              <a:rPr lang="en-US" sz="2200" dirty="0" smtClean="0">
-                <a:ln>
-                  <a:solidFill>
-                    <a:schemeClr val="bg1">
-                      <a:lumMod val="75000"/>
-                      <a:lumOff val="25000"/>
-                      <a:alpha val="10000"/>
-                    </a:schemeClr>
-                  </a:solidFill>
-                </a:ln>
-                <a:solidFill>
-                  <a:schemeClr val="tx2"/>
-                </a:solidFill>
-                <a:effectLst>
-                  <a:outerShdw blurRad="9525" dist="25400" dir="14640000" algn="tl" rotWithShape="0">
-                    <a:schemeClr val="bg1">
-                      <a:alpha val="30000"/>
-                    </a:schemeClr>
-                  </a:outerShdw>
-                </a:effectLst>
-              </a:rPr>
-              <a:t>Output: Employee is notified by a tone/visual </a:t>
-            </a:r>
-            <a:endParaRPr lang="en-US" sz="2200" dirty="0">
-              <a:ln>
-                <a:solidFill>
-                  <a:schemeClr val="bg1">
-                    <a:lumMod val="75000"/>
-                    <a:lumOff val="25000"/>
-                    <a:alpha val="10000"/>
-                  </a:schemeClr>
-                </a:solidFill>
-              </a:ln>
-              <a:solidFill>
-                <a:schemeClr val="tx2"/>
-              </a:solidFill>
-              <a:effectLst>
-                <a:outerShdw blurRad="9525" dist="25400" dir="14640000" algn="tl" rotWithShape="0">
-                  <a:schemeClr val="bg1">
-                    <a:alpha val="30000"/>
-                  </a:schemeClr>
-                </a:outerShdw>
-              </a:effectLst>
-            </a:endParaRPr>
-          </a:p>
-          <a:p>
-            <a:pPr marL="285750" indent="-285750">
-              <a:buFont typeface="Arial" panose="020B0604020202020204" pitchFamily="34" charset="0"/>
-              <a:buChar char="•"/>
-            </a:pPr>
-            <a:endParaRPr lang="en-US" sz="2200" dirty="0"/>
-          </a:p>
-        </p:txBody>
-      </p:sp>
+      </p:pic>
     </p:spTree>
+    <p:extLst>
+      <p:ext uri="{BB962C8B-B14F-4D97-AF65-F5344CB8AC3E}">
+        <p14:creationId xmlns:p14="http://schemas.microsoft.com/office/powerpoint/2010/main" val="3703754830"/>
+      </p:ext>
+    </p:extLst>
   </p:cSld>
   <p:clrMapOvr>
     <a:masterClrMapping/>
@@ -9516,52 +9671,247 @@
             <p:ph type="title"/>
           </p:nvPr>
         </p:nvSpPr>
-        <p:spPr/>
-        <p:txBody>
-          <a:bodyPr/>
-          <a:lstStyle/>
-          <a:p>
-            <a:r>
-              <a:rPr lang="en-US" dirty="0" smtClean="0"/>
-              <a:t>GPS Service class </a:t>
-            </a:r>
-            <a:endParaRPr lang="en-US" dirty="0"/>
-          </a:p>
-        </p:txBody>
-      </p:sp>
-      <p:sp>
-        <p:nvSpPr>
-          <p:cNvPr id="3" name="Content Placeholder 2"/>
-          <p:cNvSpPr>
-            <a:spLocks noGrp="1"/>
-          </p:cNvSpPr>
-          <p:nvPr>
-            <p:ph idx="1"/>
-          </p:nvPr>
-        </p:nvSpPr>
-        <p:spPr/>
-        <p:txBody>
-          <a:bodyPr/>
-          <a:lstStyle/>
-          <a:p>
-            <a:r>
-              <a:rPr lang="en-US" dirty="0" smtClean="0"/>
-              <a:t>David, explain functions in GPS service and how we hook it to app</a:t>
-            </a:r>
-            <a:endParaRPr lang="en-US" dirty="0"/>
+        <p:spPr>
+          <a:xfrm>
+            <a:off x="744955" y="609600"/>
+            <a:ext cx="7765322" cy="970450"/>
+          </a:xfrm>
+        </p:spPr>
+        <p:txBody>
+          <a:bodyPr>
+            <a:normAutofit/>
+          </a:bodyPr>
+          <a:lstStyle/>
+          <a:p>
+            <a:r>
+              <a:rPr lang="en-US" b="1" dirty="0" smtClean="0"/>
+              <a:t>UC:1,2,3,4 </a:t>
+            </a:r>
+            <a:endParaRPr lang="en-US" b="1" dirty="0"/>
+          </a:p>
+        </p:txBody>
+      </p:sp>
+      <p:sp>
+        <p:nvSpPr>
+          <p:cNvPr id="5" name="TextBox 4"/>
+          <p:cNvSpPr txBox="1"/>
+          <p:nvPr/>
+        </p:nvSpPr>
+        <p:spPr>
+          <a:xfrm>
+            <a:off x="433078" y="1524000"/>
+            <a:ext cx="8077199" cy="2939266"/>
+          </a:xfrm>
+          <a:prstGeom prst="rect">
+            <a:avLst/>
+          </a:prstGeom>
+          <a:noFill/>
+        </p:spPr>
+        <p:txBody>
+          <a:bodyPr wrap="square" rtlCol="0">
+            <a:spAutoFit/>
+          </a:bodyPr>
+          <a:lstStyle/>
+          <a:p>
+            <a:pPr marL="342900" indent="-306000" defTabSz="457200">
+              <a:spcBef>
+                <a:spcPct val="20000"/>
+              </a:spcBef>
+              <a:spcAft>
+                <a:spcPts val="600"/>
+              </a:spcAft>
+              <a:buClr>
+                <a:schemeClr val="tx2"/>
+              </a:buClr>
+              <a:buSzPct val="70000"/>
+              <a:buFont typeface="Wingdings 2" charset="2"/>
+              <a:buChar char=""/>
+            </a:pPr>
+            <a:r>
+              <a:rPr lang="en-US" sz="2500" dirty="0" smtClean="0">
+                <a:ln>
+                  <a:solidFill>
+                    <a:schemeClr val="bg1">
+                      <a:lumMod val="75000"/>
+                      <a:lumOff val="25000"/>
+                      <a:alpha val="10000"/>
+                    </a:schemeClr>
+                  </a:solidFill>
+                </a:ln>
+                <a:solidFill>
+                  <a:schemeClr val="tx2"/>
+                </a:solidFill>
+                <a:effectLst>
+                  <a:outerShdw blurRad="9525" dist="25400" dir="14640000" algn="tl" rotWithShape="0">
+                    <a:schemeClr val="bg1">
+                      <a:alpha val="30000"/>
+                    </a:schemeClr>
+                  </a:outerShdw>
+                </a:effectLst>
+              </a:rPr>
+              <a:t>UC:1 Walk in the work place, get auto logged in by detection of their GPS coordinates</a:t>
+            </a:r>
+          </a:p>
+          <a:p>
+            <a:pPr marL="342900" indent="-306000" defTabSz="457200">
+              <a:spcBef>
+                <a:spcPct val="20000"/>
+              </a:spcBef>
+              <a:spcAft>
+                <a:spcPts val="600"/>
+              </a:spcAft>
+              <a:buClr>
+                <a:schemeClr val="tx2"/>
+              </a:buClr>
+              <a:buSzPct val="70000"/>
+              <a:buFont typeface="Wingdings 2" charset="2"/>
+              <a:buChar char=""/>
+            </a:pPr>
+            <a:r>
+              <a:rPr lang="en-US" sz="2500" dirty="0" smtClean="0">
+                <a:ln>
+                  <a:solidFill>
+                    <a:schemeClr val="bg1">
+                      <a:lumMod val="75000"/>
+                      <a:lumOff val="25000"/>
+                      <a:alpha val="10000"/>
+                    </a:schemeClr>
+                  </a:solidFill>
+                </a:ln>
+                <a:solidFill>
+                  <a:schemeClr val="tx2"/>
+                </a:solidFill>
+                <a:effectLst>
+                  <a:outerShdw blurRad="9525" dist="25400" dir="14640000" algn="tl" rotWithShape="0">
+                    <a:schemeClr val="bg1">
+                      <a:alpha val="30000"/>
+                    </a:schemeClr>
+                  </a:outerShdw>
+                </a:effectLst>
+              </a:rPr>
+              <a:t>UC:3,4  Leave / return for lunch, auto log in/out</a:t>
+            </a:r>
+          </a:p>
+          <a:p>
+            <a:pPr marL="342900" indent="-306000" defTabSz="457200">
+              <a:spcBef>
+                <a:spcPct val="20000"/>
+              </a:spcBef>
+              <a:spcAft>
+                <a:spcPts val="600"/>
+              </a:spcAft>
+              <a:buClr>
+                <a:schemeClr val="tx2"/>
+              </a:buClr>
+              <a:buSzPct val="70000"/>
+              <a:buFont typeface="Wingdings 2" charset="2"/>
+              <a:buChar char=""/>
+            </a:pPr>
+            <a:r>
+              <a:rPr lang="en-US" sz="2500" dirty="0" smtClean="0">
+                <a:ln>
+                  <a:solidFill>
+                    <a:schemeClr val="bg1">
+                      <a:lumMod val="75000"/>
+                      <a:lumOff val="25000"/>
+                      <a:alpha val="10000"/>
+                    </a:schemeClr>
+                  </a:solidFill>
+                </a:ln>
+                <a:solidFill>
+                  <a:schemeClr val="tx2"/>
+                </a:solidFill>
+                <a:effectLst>
+                  <a:outerShdw blurRad="9525" dist="25400" dir="14640000" algn="tl" rotWithShape="0">
+                    <a:schemeClr val="bg1">
+                      <a:alpha val="30000"/>
+                    </a:schemeClr>
+                  </a:outerShdw>
+                </a:effectLst>
+              </a:rPr>
+              <a:t>UC:2 Leave for the day, auto logout</a:t>
+            </a:r>
+          </a:p>
+          <a:p>
+            <a:pPr marL="36900" defTabSz="457200">
+              <a:spcBef>
+                <a:spcPct val="20000"/>
+              </a:spcBef>
+              <a:spcAft>
+                <a:spcPts val="600"/>
+              </a:spcAft>
+              <a:buClr>
+                <a:schemeClr val="tx2"/>
+              </a:buClr>
+              <a:buSzPct val="70000"/>
+            </a:pPr>
+            <a:r>
+              <a:rPr lang="en-US" sz="2500" dirty="0" smtClean="0">
+                <a:ln>
+                  <a:solidFill>
+                    <a:schemeClr val="bg1">
+                      <a:lumMod val="75000"/>
+                      <a:lumOff val="25000"/>
+                      <a:alpha val="10000"/>
+                    </a:schemeClr>
+                  </a:solidFill>
+                </a:ln>
+                <a:solidFill>
+                  <a:schemeClr val="tx2"/>
+                </a:solidFill>
+                <a:effectLst>
+                  <a:outerShdw blurRad="9525" dist="25400" dir="14640000" algn="tl" rotWithShape="0">
+                    <a:schemeClr val="bg1">
+                      <a:alpha val="30000"/>
+                    </a:schemeClr>
+                  </a:outerShdw>
+                </a:effectLst>
+              </a:rPr>
+              <a:t>Output: Employee is notified by a tone/visual </a:t>
+            </a:r>
+            <a:endParaRPr lang="en-US" sz="2500" dirty="0">
+              <a:ln>
+                <a:solidFill>
+                  <a:schemeClr val="bg1">
+                    <a:lumMod val="75000"/>
+                    <a:lumOff val="25000"/>
+                    <a:alpha val="10000"/>
+                  </a:schemeClr>
+                </a:solidFill>
+              </a:ln>
+              <a:solidFill>
+                <a:schemeClr val="tx2"/>
+              </a:solidFill>
+              <a:effectLst>
+                <a:outerShdw blurRad="9525" dist="25400" dir="14640000" algn="tl" rotWithShape="0">
+                  <a:schemeClr val="bg1">
+                    <a:alpha val="30000"/>
+                  </a:schemeClr>
+                </a:outerShdw>
+              </a:effectLst>
+            </a:endParaRPr>
+          </a:p>
+          <a:p>
+            <a:pPr marL="285750" indent="-285750">
+              <a:buFont typeface="Arial" panose="020B0604020202020204" pitchFamily="34" charset="0"/>
+              <a:buChar char="•"/>
+            </a:pPr>
+            <a:endParaRPr lang="en-US" sz="2500" dirty="0"/>
           </a:p>
         </p:txBody>
       </p:sp>
     </p:spTree>
-    <p:extLst>
-      <p:ext uri="{BB962C8B-B14F-4D97-AF65-F5344CB8AC3E}">
-        <p14:creationId xmlns:p14="http://schemas.microsoft.com/office/powerpoint/2010/main" val="680023946"/>
-      </p:ext>
-    </p:extLst>
   </p:cSld>
   <p:clrMapOvr>
     <a:masterClrMapping/>
   </p:clrMapOvr>
+  <p:timing>
+    <p:tnLst>
+      <p:par>
+        <p:cTn id="1" dur="indefinite" restart="never" nodeType="tmRoot"/>
+      </p:par>
+    </p:tnLst>
+  </p:timing>
 </p:sld>
 </file>
 
@@ -9594,18 +9944,13 @@
         </p:nvSpPr>
         <p:spPr/>
         <p:txBody>
-          <a:bodyPr>
-            <a:normAutofit fontScale="90000"/>
-          </a:bodyPr>
-          <a:lstStyle/>
-          <a:p>
-            <a:r>
-              <a:rPr lang="en-US" dirty="0"/>
-              <a:t>David: Relation between </a:t>
-            </a:r>
-            <a:br>
-              <a:rPr lang="en-US" dirty="0"/>
-            </a:br>
+          <a:bodyPr/>
+          <a:lstStyle/>
+          <a:p>
+            <a:r>
+              <a:rPr lang="en-US" dirty="0" smtClean="0"/>
+              <a:t>GPS Service class </a:t>
+            </a:r>
             <a:endParaRPr lang="en-US" dirty="0"/>
           </a:p>
         </p:txBody>
@@ -9626,36 +9971,9 @@
           <a:lstStyle/>
           <a:p>
             <a:r>
-              <a:rPr lang="en-US" dirty="0"/>
-              <a:t>David: Relation between </a:t>
-            </a:r>
-          </a:p>
-          <a:p>
-            <a:r>
-              <a:rPr lang="en-US" dirty="0"/>
-              <a:t>&lt;app&gt; </a:t>
-            </a:r>
-            <a:r>
-              <a:rPr lang="en-US" dirty="0">
-                <a:sym typeface="Wingdings" panose="05000000000000000000" pitchFamily="2" charset="2"/>
-              </a:rPr>
-              <a:t> &lt;transporter&gt; &lt;GPS service&gt; &lt;</a:t>
-            </a:r>
-            <a:r>
-              <a:rPr lang="en-US" dirty="0" err="1">
-                <a:sym typeface="Wingdings" panose="05000000000000000000" pitchFamily="2" charset="2"/>
-              </a:rPr>
-              <a:t>Api</a:t>
-            </a:r>
-            <a:r>
-              <a:rPr lang="en-US" dirty="0">
-                <a:sym typeface="Wingdings" panose="05000000000000000000" pitchFamily="2" charset="2"/>
-              </a:rPr>
-              <a:t>&gt; </a:t>
-            </a:r>
-            <a:endParaRPr lang="en-US" dirty="0"/>
-          </a:p>
-          <a:p>
+              <a:rPr lang="en-US" dirty="0" smtClean="0"/>
+              <a:t>David, explain functions in GPS service and how we hook it to app</a:t>
+            </a:r>
             <a:endParaRPr lang="en-US" dirty="0"/>
           </a:p>
         </p:txBody>
@@ -9663,7 +9981,7 @@
     </p:spTree>
     <p:extLst>
       <p:ext uri="{BB962C8B-B14F-4D97-AF65-F5344CB8AC3E}">
-        <p14:creationId xmlns:p14="http://schemas.microsoft.com/office/powerpoint/2010/main" val="2503995030"/>
+        <p14:creationId xmlns:p14="http://schemas.microsoft.com/office/powerpoint/2010/main" val="680023946"/>
       </p:ext>
     </p:extLst>
   </p:cSld>

--- a/MobAppFinalPresent.pptx
+++ b/MobAppFinalPresent.pptx
@@ -125,7 +125,7 @@
   </p:defaultTextStyle>
   <p:extLst>
     <p:ext uri="{EFAFB233-063F-42B5-8137-9DF3F51BA10A}">
-      <p15:sldGuideLst xmlns:p15="http://schemas.microsoft.com/office/powerpoint/2012/main" xmlns="">
+      <p15:sldGuideLst xmlns:p15="http://schemas.microsoft.com/office/powerpoint/2012/main">
         <p15:guide id="1" orient="horz" pos="2160">
           <p15:clr>
             <a:srgbClr val="A4A3A4"/>
@@ -6947,7 +6947,7 @@
         </p:nvSpPr>
         <p:spPr>
           <a:xfrm>
-            <a:off x="111229" y="562440"/>
+            <a:off x="228600" y="328652"/>
             <a:ext cx="7765322" cy="970450"/>
           </a:xfrm>
         </p:spPr>
@@ -7007,8 +7007,8 @@
         </p:nvSpPr>
         <p:spPr>
           <a:xfrm>
-            <a:off x="228601" y="1935480"/>
-            <a:ext cx="4800600" cy="1954381"/>
+            <a:off x="470659" y="1299102"/>
+            <a:ext cx="4800600" cy="2828467"/>
           </a:xfrm>
           <a:prstGeom prst="rect">
             <a:avLst/>
@@ -7036,7 +7036,7 @@
               <a:buChar char=""/>
             </a:pPr>
             <a:r>
-              <a:rPr lang="en-US" sz="2000" dirty="0" smtClean="0">
+              <a:rPr lang="en-US" sz="2200" dirty="0" smtClean="0">
                 <a:ln>
                   <a:solidFill>
                     <a:schemeClr val="bg1">
@@ -7076,7 +7076,7 @@
               <a:buChar char=""/>
             </a:pPr>
             <a:r>
-              <a:rPr lang="en-US" sz="2000" dirty="0" smtClean="0">
+              <a:rPr lang="en-US" sz="2200" dirty="0" smtClean="0">
                 <a:ln>
                   <a:solidFill>
                     <a:schemeClr val="bg1">
@@ -7114,7 +7114,7 @@
               <a:buSzPct val="70000"/>
             </a:pPr>
             <a:r>
-              <a:rPr lang="en-US" sz="2000" dirty="0" smtClean="0">
+              <a:rPr lang="en-US" sz="2200" dirty="0" smtClean="0">
                 <a:ln>
                   <a:solidFill>
                     <a:schemeClr val="bg1">
@@ -7137,7 +7137,7 @@
               </a:rPr>
               <a:t>Using: Database connection</a:t>
             </a:r>
-            <a:endParaRPr lang="en-US" sz="2000" dirty="0">
+            <a:endParaRPr lang="en-US" sz="2200" dirty="0">
               <a:ln>
                 <a:solidFill>
                   <a:schemeClr val="bg1">
@@ -7164,7 +7164,7 @@
               <a:buFont typeface="Arial" panose="020B0604020202020204" pitchFamily="34" charset="0"/>
               <a:buChar char="•"/>
             </a:pPr>
-            <a:endParaRPr lang="en-US" dirty="0"/>
+            <a:endParaRPr lang="en-US" sz="2200" dirty="0"/>
           </a:p>
         </p:txBody>
       </p:sp>
@@ -7280,7 +7280,7 @@
         </p:blipFill>
         <p:spPr>
           <a:xfrm>
-            <a:off x="416928" y="3681159"/>
+            <a:off x="522364" y="3889861"/>
             <a:ext cx="1738205" cy="2968139"/>
           </a:xfrm>
           <a:prstGeom prst="rect">
@@ -7296,7 +7296,7 @@
         </p:nvSpPr>
         <p:spPr>
           <a:xfrm>
-            <a:off x="833118" y="5762161"/>
+            <a:off x="904295" y="5988936"/>
             <a:ext cx="229054" cy="228600"/>
           </a:xfrm>
           <a:prstGeom prst="ellipse">
@@ -7469,7 +7469,7 @@
         </p:blipFill>
         <p:spPr>
           <a:xfrm>
-            <a:off x="2895600" y="2822972"/>
+            <a:off x="3124200" y="2819400"/>
             <a:ext cx="2271605" cy="3878967"/>
           </a:xfrm>
           <a:prstGeom prst="rect">
@@ -7485,7 +7485,47 @@
         </p:nvSpPr>
         <p:spPr>
           <a:xfrm>
-            <a:off x="3505200" y="5105400"/>
+            <a:off x="3581400" y="5105400"/>
+            <a:ext cx="229054" cy="228600"/>
+          </a:xfrm>
+          <a:prstGeom prst="ellipse">
+            <a:avLst/>
+          </a:prstGeom>
+        </p:spPr>
+        <p:style>
+          <a:lnRef idx="2">
+            <a:schemeClr val="accent1">
+              <a:shade val="50000"/>
+            </a:schemeClr>
+          </a:lnRef>
+          <a:fillRef idx="1">
+            <a:schemeClr val="accent1"/>
+          </a:fillRef>
+          <a:effectRef idx="0">
+            <a:schemeClr val="accent1"/>
+          </a:effectRef>
+          <a:fontRef idx="minor">
+            <a:schemeClr val="lt1"/>
+          </a:fontRef>
+        </p:style>
+        <p:txBody>
+          <a:bodyPr rtlCol="0" anchor="ctr"/>
+          <a:lstStyle/>
+          <a:p>
+            <a:pPr algn="ctr"/>
+            <a:endParaRPr lang="en-US"/>
+          </a:p>
+        </p:txBody>
+      </p:sp>
+      <p:sp>
+        <p:nvSpPr>
+          <p:cNvPr id="9" name="Oval 8"/>
+          <p:cNvSpPr/>
+          <p:nvPr/>
+        </p:nvSpPr>
+        <p:spPr>
+          <a:xfrm>
+            <a:off x="6579655" y="4419600"/>
             <a:ext cx="229054" cy="228600"/>
           </a:xfrm>
           <a:prstGeom prst="ellipse">
@@ -7562,7 +7602,11 @@
           <a:bodyPr/>
           <a:lstStyle/>
           <a:p>
-            <a:endParaRPr lang="en-US"/>
+            <a:r>
+              <a:rPr lang="en-US" dirty="0" smtClean="0"/>
+              <a:t>UC:7 </a:t>
+            </a:r>
+            <a:endParaRPr lang="en-US" dirty="0"/>
           </a:p>
         </p:txBody>
       </p:sp>
@@ -7578,14 +7622,16 @@
         </p:nvSpPr>
         <p:spPr/>
         <p:txBody>
-          <a:bodyPr/>
-          <a:lstStyle/>
-          <a:p>
-            <a:r>
-              <a:rPr lang="en-US" dirty="0" smtClean="0"/>
+          <a:bodyPr>
+            <a:normAutofit/>
+          </a:bodyPr>
+          <a:lstStyle/>
+          <a:p>
+            <a:r>
+              <a:rPr lang="en-US" sz="2500" dirty="0" smtClean="0"/>
               <a:t>Employee views schedule </a:t>
             </a:r>
-            <a:endParaRPr lang="en-US" dirty="0"/>
+            <a:endParaRPr lang="en-US" sz="2500" dirty="0"/>
           </a:p>
         </p:txBody>
       </p:sp>
@@ -7782,16 +7828,27 @@
             <p:ph idx="1"/>
           </p:nvPr>
         </p:nvSpPr>
-        <p:spPr/>
-        <p:txBody>
-          <a:bodyPr/>
-          <a:lstStyle/>
-          <a:p>
-            <a:r>
-              <a:rPr lang="en-US" dirty="0" smtClean="0"/>
-              <a:t>Employee sets alarms </a:t>
-            </a:r>
-            <a:endParaRPr lang="en-US" dirty="0"/>
+        <p:spPr>
+          <a:xfrm>
+            <a:off x="-152400" y="2081892"/>
+            <a:ext cx="7765322" cy="4058751"/>
+          </a:xfrm>
+        </p:spPr>
+        <p:txBody>
+          <a:bodyPr>
+            <a:normAutofit/>
+          </a:bodyPr>
+          <a:lstStyle/>
+          <a:p>
+            <a:r>
+              <a:rPr lang="en-US" sz="2200" dirty="0" smtClean="0"/>
+              <a:t>Employee sets </a:t>
+            </a:r>
+            <a:r>
+              <a:rPr lang="en-US" sz="2200" dirty="0" smtClean="0"/>
+              <a:t>alarms for the reminder of the shift time </a:t>
+            </a:r>
+            <a:endParaRPr lang="en-US" sz="2200" dirty="0"/>
           </a:p>
         </p:txBody>
       </p:sp>
@@ -7865,6 +7922,209 @@
           </a:p>
         </p:txBody>
       </p:sp>
+      <p:pic>
+        <p:nvPicPr>
+          <p:cNvPr id="7" name="Picture 6" descr="Screen Clipping"/>
+          <p:cNvPicPr>
+            <a:picLocks noChangeAspect="1"/>
+          </p:cNvPicPr>
+          <p:nvPr/>
+        </p:nvPicPr>
+        <p:blipFill>
+          <a:blip r:embed="rId3" cstate="print">
+            <a:extLst>
+              <a:ext uri="{28A0092B-C50C-407E-A947-70E740481C1C}">
+                <a14:useLocalDpi xmlns:a14="http://schemas.microsoft.com/office/drawing/2010/main" val="0"/>
+              </a:ext>
+            </a:extLst>
+          </a:blip>
+          <a:stretch>
+            <a:fillRect/>
+          </a:stretch>
+        </p:blipFill>
+        <p:spPr>
+          <a:xfrm>
+            <a:off x="2689185" y="2990851"/>
+            <a:ext cx="1876645" cy="3048000"/>
+          </a:xfrm>
+          <a:prstGeom prst="rect">
+            <a:avLst/>
+          </a:prstGeom>
+        </p:spPr>
+      </p:pic>
+      <p:pic>
+        <p:nvPicPr>
+          <p:cNvPr id="9" name="Picture 8" descr="Screen Clipping"/>
+          <p:cNvPicPr>
+            <a:picLocks noChangeAspect="1"/>
+          </p:cNvPicPr>
+          <p:nvPr/>
+        </p:nvPicPr>
+        <p:blipFill>
+          <a:blip r:embed="rId4">
+            <a:extLst>
+              <a:ext uri="{28A0092B-C50C-407E-A947-70E740481C1C}">
+                <a14:useLocalDpi xmlns:a14="http://schemas.microsoft.com/office/drawing/2010/main" val="0"/>
+              </a:ext>
+            </a:extLst>
+          </a:blip>
+          <a:stretch>
+            <a:fillRect/>
+          </a:stretch>
+        </p:blipFill>
+        <p:spPr>
+          <a:xfrm>
+            <a:off x="4857760" y="3332821"/>
+            <a:ext cx="2000239" cy="3270368"/>
+          </a:xfrm>
+          <a:prstGeom prst="rect">
+            <a:avLst/>
+          </a:prstGeom>
+        </p:spPr>
+      </p:pic>
+      <p:sp>
+        <p:nvSpPr>
+          <p:cNvPr id="10" name="Oval 9"/>
+          <p:cNvSpPr/>
+          <p:nvPr/>
+        </p:nvSpPr>
+        <p:spPr>
+          <a:xfrm>
+            <a:off x="5638800" y="6172200"/>
+            <a:ext cx="457200" cy="228600"/>
+          </a:xfrm>
+          <a:prstGeom prst="ellipse">
+            <a:avLst/>
+          </a:prstGeom>
+          <a:noFill/>
+        </p:spPr>
+        <p:style>
+          <a:lnRef idx="2">
+            <a:schemeClr val="accent1">
+              <a:shade val="50000"/>
+            </a:schemeClr>
+          </a:lnRef>
+          <a:fillRef idx="1">
+            <a:schemeClr val="accent1"/>
+          </a:fillRef>
+          <a:effectRef idx="0">
+            <a:schemeClr val="accent1"/>
+          </a:effectRef>
+          <a:fontRef idx="minor">
+            <a:schemeClr val="lt1"/>
+          </a:fontRef>
+        </p:style>
+        <p:txBody>
+          <a:bodyPr rtlCol="0" anchor="ctr"/>
+          <a:lstStyle/>
+          <a:p>
+            <a:pPr algn="ctr"/>
+            <a:endParaRPr lang="en-US"/>
+          </a:p>
+        </p:txBody>
+      </p:sp>
+      <p:pic>
+        <p:nvPicPr>
+          <p:cNvPr id="11" name="Picture 10" descr="Screen Clipping"/>
+          <p:cNvPicPr>
+            <a:picLocks noChangeAspect="1"/>
+          </p:cNvPicPr>
+          <p:nvPr/>
+        </p:nvPicPr>
+        <p:blipFill>
+          <a:blip r:embed="rId2" cstate="print">
+            <a:extLst>
+              <a:ext uri="{28A0092B-C50C-407E-A947-70E740481C1C}">
+                <a14:useLocalDpi xmlns:a14="http://schemas.microsoft.com/office/drawing/2010/main" val="0"/>
+              </a:ext>
+            </a:extLst>
+          </a:blip>
+          <a:stretch>
+            <a:fillRect/>
+          </a:stretch>
+        </p:blipFill>
+        <p:spPr>
+          <a:xfrm>
+            <a:off x="7030519" y="1732450"/>
+            <a:ext cx="1738205" cy="2968139"/>
+          </a:xfrm>
+          <a:prstGeom prst="rect">
+            <a:avLst/>
+          </a:prstGeom>
+        </p:spPr>
+      </p:pic>
+      <p:cxnSp>
+        <p:nvCxnSpPr>
+          <p:cNvPr id="13" name="Elbow Connector 12"/>
+          <p:cNvCxnSpPr/>
+          <p:nvPr/>
+        </p:nvCxnSpPr>
+        <p:spPr>
+          <a:xfrm rot="5400000" flipH="1" flipV="1">
+            <a:off x="6506461" y="4944362"/>
+            <a:ext cx="1409700" cy="1274577"/>
+          </a:xfrm>
+          <a:prstGeom prst="bentConnector3">
+            <a:avLst/>
+          </a:prstGeom>
+          <a:ln w="76200">
+            <a:solidFill>
+              <a:srgbClr val="FFC000"/>
+            </a:solidFill>
+            <a:tailEnd type="triangle"/>
+          </a:ln>
+        </p:spPr>
+        <p:style>
+          <a:lnRef idx="1">
+            <a:schemeClr val="accent1"/>
+          </a:lnRef>
+          <a:fillRef idx="0">
+            <a:schemeClr val="accent1"/>
+          </a:fillRef>
+          <a:effectRef idx="0">
+            <a:schemeClr val="accent1"/>
+          </a:effectRef>
+          <a:fontRef idx="minor">
+            <a:schemeClr val="tx1"/>
+          </a:fontRef>
+        </p:style>
+      </p:cxnSp>
+      <p:cxnSp>
+        <p:nvCxnSpPr>
+          <p:cNvPr id="15" name="Elbow Connector 14"/>
+          <p:cNvCxnSpPr/>
+          <p:nvPr/>
+        </p:nvCxnSpPr>
+        <p:spPr>
+          <a:xfrm rot="5400000" flipH="1" flipV="1">
+            <a:off x="6291786" y="2907352"/>
+            <a:ext cx="1066800" cy="890896"/>
+          </a:xfrm>
+          <a:prstGeom prst="bentConnector3">
+            <a:avLst/>
+          </a:prstGeom>
+          <a:ln w="76200">
+            <a:solidFill>
+              <a:srgbClr val="FFC000"/>
+            </a:solidFill>
+            <a:tailEnd type="triangle"/>
+          </a:ln>
+        </p:spPr>
+        <p:style>
+          <a:lnRef idx="1">
+            <a:schemeClr val="accent1"/>
+          </a:lnRef>
+          <a:fillRef idx="0">
+            <a:schemeClr val="accent1"/>
+          </a:fillRef>
+          <a:effectRef idx="0">
+            <a:schemeClr val="accent1"/>
+          </a:effectRef>
+          <a:fontRef idx="minor">
+            <a:schemeClr val="tx1"/>
+          </a:fontRef>
+        </p:style>
+      </p:cxnSp>
     </p:spTree>
     <p:extLst>
       <p:ext uri="{BB962C8B-B14F-4D97-AF65-F5344CB8AC3E}">
@@ -7972,7 +8232,7 @@
         </p:nvSpPr>
         <p:spPr>
           <a:xfrm>
-            <a:off x="228600" y="1935480"/>
+            <a:off x="381000" y="1676400"/>
             <a:ext cx="8610599" cy="3243965"/>
           </a:xfrm>
           <a:prstGeom prst="rect">
@@ -8183,8 +8443,8 @@
         </p:nvSpPr>
         <p:spPr>
           <a:xfrm>
-            <a:off x="1066800" y="5410200"/>
-            <a:ext cx="5791200" cy="507831"/>
+            <a:off x="17516" y="4701468"/>
+            <a:ext cx="9220200" cy="1000274"/>
           </a:xfrm>
           <a:prstGeom prst="rect">
             <a:avLst/>
@@ -8197,15 +8457,34 @@
           </a:bodyPr>
           <a:lstStyle/>
           <a:p>
-            <a:r>
-              <a:rPr lang="en-US" dirty="0" smtClean="0"/>
-              <a:t>Look yourself!:    </a:t>
-            </a:r>
+            <a:endParaRPr lang="en-US" sz="2700" dirty="0"/>
+          </a:p>
+          <a:p>
             <a:r>
               <a:rPr lang="en-US" sz="2700" dirty="0" smtClean="0"/>
-              <a:t>www.group6project.com</a:t>
-            </a:r>
-            <a:endParaRPr lang="en-US" sz="2700" dirty="0"/>
+              <a:t>http</a:t>
+            </a:r>
+            <a:r>
+              <a:rPr lang="en-US" sz="2700" dirty="0"/>
+              <a:t>://</a:t>
+            </a:r>
+            <a:r>
+              <a:rPr lang="en-US" sz="3200" dirty="0">
+                <a:solidFill>
+                  <a:srgbClr val="FFFF00"/>
+                </a:solidFill>
+              </a:rPr>
+              <a:t>group6project.com</a:t>
+            </a:r>
+            <a:r>
+              <a:rPr lang="en-US" sz="2700" dirty="0"/>
+              <a:t>/</a:t>
+            </a:r>
+            <a:r>
+              <a:rPr lang="en-US" sz="2000" dirty="0"/>
+              <a:t>Group6/website/pages/login.php</a:t>
+            </a:r>
+            <a:endParaRPr lang="en-US" sz="2000" dirty="0"/>
           </a:p>
         </p:txBody>
       </p:sp>
@@ -8286,7 +8565,11 @@
           <a:p>
             <a:r>
               <a:rPr lang="en-US" dirty="0" smtClean="0"/>
-              <a:t>Conclusion slide  </a:t>
+              <a:t>API’s are extremely usefu</a:t>
+            </a:r>
+            <a:r>
+              <a:rPr lang="en-US" dirty="0"/>
+              <a:t>l</a:t>
             </a:r>
             <a:endParaRPr lang="en-US" dirty="0"/>
           </a:p>
@@ -9248,11 +9531,11 @@
   <p:clrMapOvr>
     <a:masterClrMapping/>
   </p:clrMapOvr>
-  <mc:AlternateContent xmlns:mc="http://schemas.openxmlformats.org/markup-compatibility/2006">
-    <mc:Choice xmlns:p14="http://schemas.microsoft.com/office/powerpoint/2010/main" Requires="p14">
+  <mc:AlternateContent xmlns:mc="http://schemas.openxmlformats.org/markup-compatibility/2006" xmlns:p14="http://schemas.microsoft.com/office/powerpoint/2010/main">
+    <mc:Choice Requires="p14">
       <p:transition spd="slow" p14:dur="2000"/>
     </mc:Choice>
-    <mc:Fallback>
+    <mc:Fallback xmlns="">
       <p:transition spd="slow"/>
     </mc:Fallback>
   </mc:AlternateContent>
@@ -9417,7 +9700,7 @@
         <p:spPr>
           <a:xfrm>
             <a:off x="433078" y="1524000"/>
-            <a:ext cx="8077199" cy="2634567"/>
+            <a:ext cx="8077199" cy="2939266"/>
           </a:xfrm>
           <a:prstGeom prst="rect">
             <a:avLst/>
@@ -9445,7 +9728,7 @@
               <a:buChar char=""/>
             </a:pPr>
             <a:r>
-              <a:rPr lang="en-US" sz="2200" dirty="0" smtClean="0">
+              <a:rPr lang="en-US" sz="2500" dirty="0" smtClean="0">
                 <a:ln>
                   <a:solidFill>
                     <a:schemeClr val="bg1">
@@ -9485,7 +9768,7 @@
               <a:buChar char=""/>
             </a:pPr>
             <a:r>
-              <a:rPr lang="en-US" sz="2200" dirty="0" smtClean="0">
+              <a:rPr lang="en-US" sz="2500" dirty="0" smtClean="0">
                 <a:ln>
                   <a:solidFill>
                     <a:schemeClr val="bg1">
@@ -9525,7 +9808,7 @@
               <a:buChar char=""/>
             </a:pPr>
             <a:r>
-              <a:rPr lang="en-US" sz="2200" dirty="0" smtClean="0">
+              <a:rPr lang="en-US" sz="2500" dirty="0" smtClean="0">
                 <a:ln>
                   <a:solidFill>
                     <a:schemeClr val="bg1">
@@ -9563,7 +9846,7 @@
               <a:buSzPct val="70000"/>
             </a:pPr>
             <a:r>
-              <a:rPr lang="en-US" sz="2200" dirty="0" smtClean="0">
+              <a:rPr lang="en-US" sz="2500" dirty="0" smtClean="0">
                 <a:ln>
                   <a:solidFill>
                     <a:schemeClr val="bg1">
@@ -9586,7 +9869,7 @@
               </a:rPr>
               <a:t>Output: Employee is notified by a tone/visual </a:t>
             </a:r>
-            <a:endParaRPr lang="en-US" sz="2200" dirty="0">
+            <a:endParaRPr lang="en-US" sz="2500" dirty="0">
               <a:ln>
                 <a:solidFill>
                   <a:schemeClr val="bg1">
@@ -9613,7 +9896,7 @@
               <a:buFont typeface="Arial" panose="020B0604020202020204" pitchFamily="34" charset="0"/>
               <a:buChar char="•"/>
             </a:pPr>
-            <a:endParaRPr lang="en-US" sz="2200" dirty="0"/>
+            <a:endParaRPr lang="en-US" sz="2500" dirty="0"/>
           </a:p>
         </p:txBody>
       </p:sp>
@@ -9971,7 +10254,7 @@
   <a:extraClrSchemeLst/>
   <a:extLst>
     <a:ext uri="{05A4C25C-085E-4340-85A3-A5531E510DB2}">
-      <thm15:themeFamily xmlns:thm15="http://schemas.microsoft.com/office/thememl/2012/main" xmlns="" name="Slate" id="{C3F70B94-7CE9-428E-ADC1-3269CC2C3385}" vid="{3F2DE9A5-64E6-437C-A389-CC4477E817E8}"/>
+      <thm15:themeFamily xmlns:thm15="http://schemas.microsoft.com/office/thememl/2012/main" name="Slate" id="{C3F70B94-7CE9-428E-ADC1-3269CC2C3385}" vid="{3F2DE9A5-64E6-437C-A389-CC4477E817E8}"/>
     </a:ext>
   </a:extLst>
 </a:theme>
@@ -10232,7 +10515,7 @@
   <a:extraClrSchemeLst/>
   <a:extLst>
     <a:ext uri="{05A4C25C-085E-4340-85A3-A5531E510DB2}">
-      <thm15:themeFamily xmlns:thm15="http://schemas.microsoft.com/office/thememl/2012/main" xmlns="" name="Office Theme" id="{62F939B6-93AF-4DB8-9C6B-D6C7DFDC589F}" vid="{4A3C46E8-61CC-4603-A589-7422A47A8E4A}"/>
+      <thm15:themeFamily xmlns:thm15="http://schemas.microsoft.com/office/thememl/2012/main" name="Office Theme" id="{62F939B6-93AF-4DB8-9C6B-D6C7DFDC589F}" vid="{4A3C46E8-61CC-4603-A589-7422A47A8E4A}"/>
     </a:ext>
   </a:extLst>
 </a:theme>

--- a/MobAppFinalPresent.pptx
+++ b/MobAppFinalPresent.pptx
@@ -5,26 +5,28 @@
     <p:sldMasterId id="2147483672" r:id="rId1"/>
   </p:sldMasterIdLst>
   <p:notesMasterIdLst>
-    <p:notesMasterId r:id="rId19"/>
+    <p:notesMasterId r:id="rId21"/>
   </p:notesMasterIdLst>
   <p:sldIdLst>
     <p:sldId id="256" r:id="rId2"/>
-    <p:sldId id="258" r:id="rId3"/>
-    <p:sldId id="267" r:id="rId4"/>
-    <p:sldId id="277" r:id="rId5"/>
-    <p:sldId id="282" r:id="rId6"/>
-    <p:sldId id="274" r:id="rId7"/>
-    <p:sldId id="288" r:id="rId8"/>
-    <p:sldId id="259" r:id="rId9"/>
-    <p:sldId id="283" r:id="rId10"/>
-    <p:sldId id="284" r:id="rId11"/>
-    <p:sldId id="278" r:id="rId12"/>
-    <p:sldId id="285" r:id="rId13"/>
-    <p:sldId id="287" r:id="rId14"/>
-    <p:sldId id="286" r:id="rId15"/>
-    <p:sldId id="279" r:id="rId16"/>
-    <p:sldId id="275" r:id="rId17"/>
-    <p:sldId id="276" r:id="rId18"/>
+    <p:sldId id="292" r:id="rId3"/>
+    <p:sldId id="258" r:id="rId4"/>
+    <p:sldId id="267" r:id="rId5"/>
+    <p:sldId id="277" r:id="rId6"/>
+    <p:sldId id="282" r:id="rId7"/>
+    <p:sldId id="289" r:id="rId8"/>
+    <p:sldId id="290" r:id="rId9"/>
+    <p:sldId id="291" r:id="rId10"/>
+    <p:sldId id="283" r:id="rId11"/>
+    <p:sldId id="284" r:id="rId12"/>
+    <p:sldId id="288" r:id="rId13"/>
+    <p:sldId id="259" r:id="rId14"/>
+    <p:sldId id="278" r:id="rId15"/>
+    <p:sldId id="285" r:id="rId16"/>
+    <p:sldId id="287" r:id="rId17"/>
+    <p:sldId id="286" r:id="rId18"/>
+    <p:sldId id="279" r:id="rId19"/>
+    <p:sldId id="275" r:id="rId20"/>
   </p:sldIdLst>
   <p:sldSz cx="9144000" cy="6858000" type="screen4x3"/>
   <p:notesSz cx="6858000" cy="9144000"/>
@@ -560,7 +562,7 @@
             <a:fld id="{9C75C2C6-49ED-4485-B0BC-FAD6842E771D}" type="slidenum">
               <a:rPr lang="en-US" smtClean="0"/>
               <a:pPr/>
-              <a:t>8</a:t>
+              <a:t>13</a:t>
             </a:fld>
             <a:endParaRPr lang="en-US"/>
           </a:p>
@@ -645,7 +647,7 @@
             <a:fld id="{9C75C2C6-49ED-4485-B0BC-FAD6842E771D}" type="slidenum">
               <a:rPr lang="en-US" smtClean="0"/>
               <a:pPr/>
-              <a:t>11</a:t>
+              <a:t>14</a:t>
             </a:fld>
             <a:endParaRPr lang="en-US"/>
           </a:p>
@@ -738,7 +740,7 @@
             <a:fld id="{9C75C2C6-49ED-4485-B0BC-FAD6842E771D}" type="slidenum">
               <a:rPr lang="en-US" smtClean="0"/>
               <a:pPr/>
-              <a:t>15</a:t>
+              <a:t>18</a:t>
             </a:fld>
             <a:endParaRPr lang="en-US"/>
           </a:p>
@@ -6839,6 +6841,148 @@
         </p:nvSpPr>
         <p:spPr/>
         <p:txBody>
+          <a:bodyPr/>
+          <a:lstStyle/>
+          <a:p>
+            <a:r>
+              <a:rPr lang="en-US" dirty="0" smtClean="0"/>
+              <a:t>GPS Service class </a:t>
+            </a:r>
+            <a:endParaRPr lang="en-US" dirty="0"/>
+          </a:p>
+        </p:txBody>
+      </p:sp>
+      <p:sp>
+        <p:nvSpPr>
+          <p:cNvPr id="3" name="Content Placeholder 2"/>
+          <p:cNvSpPr>
+            <a:spLocks noGrp="1"/>
+          </p:cNvSpPr>
+          <p:nvPr>
+            <p:ph idx="1"/>
+          </p:nvPr>
+        </p:nvSpPr>
+        <p:spPr/>
+        <p:txBody>
+          <a:bodyPr/>
+          <a:lstStyle/>
+          <a:p>
+            <a:r>
+              <a:rPr lang="en-US" dirty="0" smtClean="0"/>
+              <a:t>The GPS service listens for a change event</a:t>
+            </a:r>
+          </a:p>
+          <a:p>
+            <a:pPr lvl="1"/>
+            <a:r>
+              <a:rPr lang="en-US" dirty="0" smtClean="0"/>
+              <a:t>Upon change, it checks the GPS coordinates</a:t>
+            </a:r>
+          </a:p>
+          <a:p>
+            <a:pPr lvl="2"/>
+            <a:r>
+              <a:rPr lang="en-US" dirty="0" smtClean="0"/>
+              <a:t>Is user inside the bounding box?</a:t>
+            </a:r>
+          </a:p>
+          <a:p>
+            <a:pPr lvl="2"/>
+            <a:r>
+              <a:rPr lang="en-US" dirty="0" smtClean="0"/>
+              <a:t>Tell the API to log in the user</a:t>
+            </a:r>
+          </a:p>
+          <a:p>
+            <a:r>
+              <a:rPr lang="en-US" dirty="0" smtClean="0"/>
+              <a:t>Bounding Box Coordinates</a:t>
+            </a:r>
+          </a:p>
+          <a:p>
+            <a:pPr lvl="1"/>
+            <a:r>
+              <a:rPr lang="en-US" dirty="0" smtClean="0"/>
+              <a:t>Calculated in the API</a:t>
+            </a:r>
+          </a:p>
+          <a:p>
+            <a:pPr lvl="2"/>
+            <a:r>
+              <a:rPr lang="en-US" dirty="0" smtClean="0"/>
+              <a:t>Based on </a:t>
+            </a:r>
+            <a:r>
+              <a:rPr lang="en-US" dirty="0" err="1" smtClean="0"/>
+              <a:t>lat</a:t>
+            </a:r>
+            <a:r>
+              <a:rPr lang="en-US" dirty="0" smtClean="0"/>
+              <a:t>/long and distance from that point</a:t>
+            </a:r>
+          </a:p>
+          <a:p>
+            <a:pPr lvl="1"/>
+            <a:r>
+              <a:rPr lang="en-US" dirty="0" smtClean="0"/>
+              <a:t>Returned to the user’s phone at login</a:t>
+            </a:r>
+          </a:p>
+          <a:p>
+            <a:pPr lvl="1"/>
+            <a:r>
+              <a:rPr lang="en-US" dirty="0" smtClean="0"/>
+              <a:t>Selected by a manager’s app</a:t>
+            </a:r>
+          </a:p>
+          <a:p>
+            <a:pPr lvl="1"/>
+            <a:endParaRPr lang="en-US" dirty="0" smtClean="0"/>
+          </a:p>
+        </p:txBody>
+      </p:sp>
+    </p:spTree>
+    <p:extLst>
+      <p:ext uri="{BB962C8B-B14F-4D97-AF65-F5344CB8AC3E}">
+        <p14:creationId xmlns:p14="http://schemas.microsoft.com/office/powerpoint/2010/main" val="680023946"/>
+      </p:ext>
+    </p:extLst>
+  </p:cSld>
+  <p:clrMapOvr>
+    <a:masterClrMapping/>
+  </p:clrMapOvr>
+</p:sld>
+</file>
+
+<file path=ppt/slides/slide11.xml><?xml version="1.0" encoding="utf-8"?>
+<p:sld xmlns:a="http://schemas.openxmlformats.org/drawingml/2006/main" xmlns:r="http://schemas.openxmlformats.org/officeDocument/2006/relationships" xmlns:p="http://schemas.openxmlformats.org/presentationml/2006/main">
+  <p:cSld>
+    <p:spTree>
+      <p:nvGrpSpPr>
+        <p:cNvPr id="1" name=""/>
+        <p:cNvGrpSpPr/>
+        <p:nvPr/>
+      </p:nvGrpSpPr>
+      <p:grpSpPr>
+        <a:xfrm>
+          <a:off x="0" y="0"/>
+          <a:ext cx="0" cy="0"/>
+          <a:chOff x="0" y="0"/>
+          <a:chExt cx="0" cy="0"/>
+        </a:xfrm>
+      </p:grpSpPr>
+      <p:sp>
+        <p:nvSpPr>
+          <p:cNvPr id="2" name="Title 1"/>
+          <p:cNvSpPr>
+            <a:spLocks noGrp="1"/>
+          </p:cNvSpPr>
+          <p:nvPr>
+            <p:ph type="title"/>
+          </p:nvPr>
+        </p:nvSpPr>
+        <p:spPr/>
+        <p:txBody>
           <a:bodyPr>
             <a:normAutofit fontScale="90000"/>
           </a:bodyPr>
@@ -6846,7 +6990,15 @@
           <a:p>
             <a:r>
               <a:rPr lang="en-US" dirty="0"/>
-              <a:t>David: Relation between </a:t>
+              <a:t>A</a:t>
+            </a:r>
+            <a:r>
+              <a:rPr lang="en-US" dirty="0" smtClean="0"/>
+              <a:t>pplication flow for GPS</a:t>
+            </a:r>
+            <a:r>
+              <a:rPr lang="en-US" dirty="0"/>
+              <a:t/>
             </a:r>
             <a:br>
               <a:rPr lang="en-US" dirty="0"/>
@@ -6865,46 +7017,664 @@
             <p:ph idx="1"/>
           </p:nvPr>
         </p:nvSpPr>
-        <p:spPr/>
+        <p:spPr>
+          <a:xfrm>
+            <a:off x="685346" y="1732451"/>
+            <a:ext cx="7765322" cy="2839550"/>
+          </a:xfrm>
+        </p:spPr>
         <p:txBody>
           <a:bodyPr/>
           <a:lstStyle/>
           <a:p>
             <a:r>
-              <a:rPr lang="en-US" dirty="0"/>
-              <a:t>David: Relation between </a:t>
-            </a:r>
-          </a:p>
-          <a:p>
-            <a:r>
-              <a:rPr lang="en-US" dirty="0"/>
-              <a:t>&lt;app&gt; </a:t>
-            </a:r>
-            <a:r>
-              <a:rPr lang="en-US" dirty="0">
+              <a:rPr lang="en-US" dirty="0" smtClean="0"/>
+              <a:t>GPS Service gets an event</a:t>
+            </a:r>
+          </a:p>
+          <a:p>
+            <a:r>
+              <a:rPr lang="en-US" dirty="0" smtClean="0"/>
+              <a:t>GPS Service sends request to Utilities class</a:t>
+            </a:r>
+          </a:p>
+          <a:p>
+            <a:r>
+              <a:rPr lang="en-US" dirty="0" smtClean="0"/>
+              <a:t>Utilities class builds </a:t>
+            </a:r>
+            <a:r>
+              <a:rPr lang="en-US" dirty="0" err="1" smtClean="0"/>
+              <a:t>params</a:t>
+            </a:r>
+            <a:r>
+              <a:rPr lang="en-US" dirty="0" smtClean="0"/>
+              <a:t> and gets endpoint from </a:t>
+            </a:r>
+            <a:r>
+              <a:rPr lang="en-US" dirty="0" err="1" smtClean="0"/>
+              <a:t>config</a:t>
+            </a:r>
+            <a:endParaRPr lang="en-US" dirty="0" smtClean="0"/>
+          </a:p>
+          <a:p>
+            <a:r>
+              <a:rPr lang="en-US" dirty="0" smtClean="0"/>
+              <a:t>Sends request to Transporter</a:t>
+            </a:r>
+          </a:p>
+          <a:p>
+            <a:r>
+              <a:rPr lang="en-US" dirty="0" smtClean="0"/>
+              <a:t>Transporter responds back with response</a:t>
+            </a:r>
+            <a:endParaRPr lang="en-US" dirty="0"/>
+          </a:p>
+          <a:p>
+            <a:r>
+              <a:rPr lang="en-US" dirty="0" smtClean="0">
                 <a:sym typeface="Wingdings" panose="05000000000000000000" pitchFamily="2" charset="2"/>
               </a:rPr>
-              <a:t> &lt;transporter&gt; &lt;GPS service&gt; &lt;</a:t>
-            </a:r>
-            <a:r>
-              <a:rPr lang="en-US" dirty="0" err="1">
-                <a:sym typeface="Wingdings" panose="05000000000000000000" pitchFamily="2" charset="2"/>
+              <a:t>User is alerted </a:t>
+            </a:r>
+            <a:endParaRPr lang="en-US" dirty="0"/>
+          </a:p>
+          <a:p>
+            <a:endParaRPr lang="en-US" dirty="0"/>
+          </a:p>
+        </p:txBody>
+      </p:sp>
+      <p:sp>
+        <p:nvSpPr>
+          <p:cNvPr id="4" name="Rectangle 3"/>
+          <p:cNvSpPr/>
+          <p:nvPr/>
+        </p:nvSpPr>
+        <p:spPr>
+          <a:xfrm>
+            <a:off x="990600" y="4800600"/>
+            <a:ext cx="914400" cy="914400"/>
+          </a:xfrm>
+          <a:prstGeom prst="rect">
+            <a:avLst/>
+          </a:prstGeom>
+          <a:solidFill>
+            <a:schemeClr val="tx1"/>
+          </a:solidFill>
+        </p:spPr>
+        <p:style>
+          <a:lnRef idx="2">
+            <a:schemeClr val="accent1">
+              <a:shade val="50000"/>
+            </a:schemeClr>
+          </a:lnRef>
+          <a:fillRef idx="1">
+            <a:schemeClr val="accent1"/>
+          </a:fillRef>
+          <a:effectRef idx="0">
+            <a:schemeClr val="accent1"/>
+          </a:effectRef>
+          <a:fontRef idx="minor">
+            <a:schemeClr val="lt1"/>
+          </a:fontRef>
+        </p:style>
+        <p:txBody>
+          <a:bodyPr rtlCol="0" anchor="ctr"/>
+          <a:lstStyle/>
+          <a:p>
+            <a:pPr algn="ctr"/>
+            <a:r>
+              <a:rPr lang="en-US" dirty="0" smtClean="0">
+                <a:solidFill>
+                  <a:schemeClr val="bg1"/>
+                </a:solidFill>
               </a:rPr>
-              <a:t>Api</a:t>
-            </a:r>
-            <a:r>
-              <a:rPr lang="en-US" dirty="0">
-                <a:sym typeface="Wingdings" panose="05000000000000000000" pitchFamily="2" charset="2"/>
+              <a:t>GPS</a:t>
+            </a:r>
+          </a:p>
+          <a:p>
+            <a:pPr algn="ctr"/>
+            <a:r>
+              <a:rPr lang="en-US" dirty="0" smtClean="0">
+                <a:solidFill>
+                  <a:schemeClr val="bg1"/>
+                </a:solidFill>
               </a:rPr>
-              <a:t>&gt; </a:t>
+              <a:t>Service</a:t>
+            </a:r>
+            <a:endParaRPr lang="en-US" dirty="0">
+              <a:solidFill>
+                <a:schemeClr val="bg1"/>
+              </a:solidFill>
+            </a:endParaRPr>
+          </a:p>
+        </p:txBody>
+      </p:sp>
+      <p:sp>
+        <p:nvSpPr>
+          <p:cNvPr id="5" name="Rectangle 4"/>
+          <p:cNvSpPr/>
+          <p:nvPr/>
+        </p:nvSpPr>
+        <p:spPr>
+          <a:xfrm>
+            <a:off x="2590800" y="4800600"/>
+            <a:ext cx="914400" cy="914400"/>
+          </a:xfrm>
+          <a:prstGeom prst="rect">
+            <a:avLst/>
+          </a:prstGeom>
+          <a:solidFill>
+            <a:schemeClr val="tx1"/>
+          </a:solidFill>
+        </p:spPr>
+        <p:style>
+          <a:lnRef idx="2">
+            <a:schemeClr val="accent1">
+              <a:shade val="50000"/>
+            </a:schemeClr>
+          </a:lnRef>
+          <a:fillRef idx="1">
+            <a:schemeClr val="accent1"/>
+          </a:fillRef>
+          <a:effectRef idx="0">
+            <a:schemeClr val="accent1"/>
+          </a:effectRef>
+          <a:fontRef idx="minor">
+            <a:schemeClr val="lt1"/>
+          </a:fontRef>
+        </p:style>
+        <p:txBody>
+          <a:bodyPr rtlCol="0" anchor="ctr"/>
+          <a:lstStyle/>
+          <a:p>
+            <a:pPr algn="ctr"/>
+            <a:r>
+              <a:rPr lang="en-US" dirty="0" err="1" smtClean="0">
+                <a:solidFill>
+                  <a:schemeClr val="bg1"/>
+                </a:solidFill>
+              </a:rPr>
+              <a:t>Util</a:t>
+            </a:r>
+            <a:endParaRPr lang="en-US" dirty="0" smtClean="0">
+              <a:solidFill>
+                <a:schemeClr val="bg1"/>
+              </a:solidFill>
+            </a:endParaRPr>
+          </a:p>
+          <a:p>
+            <a:pPr algn="ctr"/>
+            <a:r>
+              <a:rPr lang="en-US" dirty="0" smtClean="0">
+                <a:solidFill>
+                  <a:schemeClr val="bg1"/>
+                </a:solidFill>
+              </a:rPr>
+              <a:t>Class</a:t>
             </a:r>
             <a:endParaRPr lang="en-US" dirty="0"/>
           </a:p>
-          <a:p>
-            <a:endParaRPr lang="en-US" dirty="0"/>
-          </a:p>
-        </p:txBody>
-      </p:sp>
+        </p:txBody>
+      </p:sp>
+      <p:sp>
+        <p:nvSpPr>
+          <p:cNvPr id="6" name="Rectangle 5"/>
+          <p:cNvSpPr/>
+          <p:nvPr/>
+        </p:nvSpPr>
+        <p:spPr>
+          <a:xfrm>
+            <a:off x="4154557" y="4800600"/>
+            <a:ext cx="914400" cy="914400"/>
+          </a:xfrm>
+          <a:prstGeom prst="rect">
+            <a:avLst/>
+          </a:prstGeom>
+          <a:solidFill>
+            <a:schemeClr val="tx1"/>
+          </a:solidFill>
+        </p:spPr>
+        <p:style>
+          <a:lnRef idx="2">
+            <a:schemeClr val="accent1">
+              <a:shade val="50000"/>
+            </a:schemeClr>
+          </a:lnRef>
+          <a:fillRef idx="1">
+            <a:schemeClr val="accent1"/>
+          </a:fillRef>
+          <a:effectRef idx="0">
+            <a:schemeClr val="accent1"/>
+          </a:effectRef>
+          <a:fontRef idx="minor">
+            <a:schemeClr val="lt1"/>
+          </a:fontRef>
+        </p:style>
+        <p:txBody>
+          <a:bodyPr rtlCol="0" anchor="ctr"/>
+          <a:lstStyle/>
+          <a:p>
+            <a:pPr algn="ctr"/>
+            <a:r>
+              <a:rPr lang="en-US" dirty="0" smtClean="0">
+                <a:solidFill>
+                  <a:schemeClr val="bg1"/>
+                </a:solidFill>
+              </a:rPr>
+              <a:t>Trans-porter</a:t>
+            </a:r>
+            <a:endParaRPr lang="en-US" dirty="0">
+              <a:solidFill>
+                <a:schemeClr val="bg1"/>
+              </a:solidFill>
+            </a:endParaRPr>
+          </a:p>
+        </p:txBody>
+      </p:sp>
+      <p:cxnSp>
+        <p:nvCxnSpPr>
+          <p:cNvPr id="8" name="Straight Arrow Connector 7"/>
+          <p:cNvCxnSpPr>
+            <a:stCxn id="4" idx="3"/>
+            <a:endCxn id="5" idx="1"/>
+          </p:cNvCxnSpPr>
+          <p:nvPr/>
+        </p:nvCxnSpPr>
+        <p:spPr>
+          <a:xfrm>
+            <a:off x="1905000" y="5257800"/>
+            <a:ext cx="685800" cy="0"/>
+          </a:xfrm>
+          <a:prstGeom prst="straightConnector1">
+            <a:avLst/>
+          </a:prstGeom>
+          <a:ln w="76200">
+            <a:solidFill>
+              <a:srgbClr val="FFC000"/>
+            </a:solidFill>
+            <a:tailEnd type="triangle"/>
+          </a:ln>
+        </p:spPr>
+        <p:style>
+          <a:lnRef idx="1">
+            <a:schemeClr val="accent1"/>
+          </a:lnRef>
+          <a:fillRef idx="0">
+            <a:schemeClr val="accent1"/>
+          </a:fillRef>
+          <a:effectRef idx="0">
+            <a:schemeClr val="accent1"/>
+          </a:effectRef>
+          <a:fontRef idx="minor">
+            <a:schemeClr val="tx1"/>
+          </a:fontRef>
+        </p:style>
+      </p:cxnSp>
+      <p:cxnSp>
+        <p:nvCxnSpPr>
+          <p:cNvPr id="10" name="Straight Arrow Connector 9"/>
+          <p:cNvCxnSpPr>
+            <a:stCxn id="5" idx="3"/>
+          </p:cNvCxnSpPr>
+          <p:nvPr/>
+        </p:nvCxnSpPr>
+        <p:spPr>
+          <a:xfrm flipV="1">
+            <a:off x="3505200" y="5244548"/>
+            <a:ext cx="735496" cy="13252"/>
+          </a:xfrm>
+          <a:prstGeom prst="straightConnector1">
+            <a:avLst/>
+          </a:prstGeom>
+          <a:ln w="76200">
+            <a:solidFill>
+              <a:srgbClr val="FFC000"/>
+            </a:solidFill>
+            <a:tailEnd type="triangle"/>
+          </a:ln>
+        </p:spPr>
+        <p:style>
+          <a:lnRef idx="1">
+            <a:schemeClr val="accent1"/>
+          </a:lnRef>
+          <a:fillRef idx="0">
+            <a:schemeClr val="accent1"/>
+          </a:fillRef>
+          <a:effectRef idx="0">
+            <a:schemeClr val="accent1"/>
+          </a:effectRef>
+          <a:fontRef idx="minor">
+            <a:schemeClr val="tx1"/>
+          </a:fontRef>
+        </p:style>
+      </p:cxnSp>
+      <p:sp>
+        <p:nvSpPr>
+          <p:cNvPr id="13" name="Rectangle 12"/>
+          <p:cNvSpPr/>
+          <p:nvPr/>
+        </p:nvSpPr>
+        <p:spPr>
+          <a:xfrm>
+            <a:off x="5638800" y="4267200"/>
+            <a:ext cx="609600" cy="1981200"/>
+          </a:xfrm>
+          <a:prstGeom prst="rect">
+            <a:avLst/>
+          </a:prstGeom>
+          <a:solidFill>
+            <a:schemeClr val="tx1"/>
+          </a:solidFill>
+        </p:spPr>
+        <p:style>
+          <a:lnRef idx="2">
+            <a:schemeClr val="accent1">
+              <a:shade val="50000"/>
+            </a:schemeClr>
+          </a:lnRef>
+          <a:fillRef idx="1">
+            <a:schemeClr val="accent1"/>
+          </a:fillRef>
+          <a:effectRef idx="0">
+            <a:schemeClr val="accent1"/>
+          </a:effectRef>
+          <a:fontRef idx="minor">
+            <a:schemeClr val="lt1"/>
+          </a:fontRef>
+        </p:style>
+        <p:txBody>
+          <a:bodyPr rtlCol="0" anchor="ctr"/>
+          <a:lstStyle/>
+          <a:p>
+            <a:pPr algn="ctr"/>
+            <a:r>
+              <a:rPr lang="en-US" dirty="0" smtClean="0">
+                <a:solidFill>
+                  <a:schemeClr val="bg1"/>
+                </a:solidFill>
+              </a:rPr>
+              <a:t>API</a:t>
+            </a:r>
+            <a:endParaRPr lang="en-US" dirty="0">
+              <a:solidFill>
+                <a:schemeClr val="bg1"/>
+              </a:solidFill>
+            </a:endParaRPr>
+          </a:p>
+        </p:txBody>
+      </p:sp>
+      <p:sp>
+        <p:nvSpPr>
+          <p:cNvPr id="14" name="Can 13"/>
+          <p:cNvSpPr/>
+          <p:nvPr/>
+        </p:nvSpPr>
+        <p:spPr>
+          <a:xfrm>
+            <a:off x="7087054" y="4648200"/>
+            <a:ext cx="914400" cy="1216152"/>
+          </a:xfrm>
+          <a:prstGeom prst="can">
+            <a:avLst/>
+          </a:prstGeom>
+          <a:solidFill>
+            <a:schemeClr val="tx1"/>
+          </a:solidFill>
+        </p:spPr>
+        <p:style>
+          <a:lnRef idx="2">
+            <a:schemeClr val="accent1">
+              <a:shade val="50000"/>
+            </a:schemeClr>
+          </a:lnRef>
+          <a:fillRef idx="1">
+            <a:schemeClr val="accent1"/>
+          </a:fillRef>
+          <a:effectRef idx="0">
+            <a:schemeClr val="accent1"/>
+          </a:effectRef>
+          <a:fontRef idx="minor">
+            <a:schemeClr val="lt1"/>
+          </a:fontRef>
+        </p:style>
+        <p:txBody>
+          <a:bodyPr rtlCol="0" anchor="ctr"/>
+          <a:lstStyle/>
+          <a:p>
+            <a:pPr algn="ctr"/>
+            <a:r>
+              <a:rPr lang="en-US" b="1" dirty="0" smtClean="0">
+                <a:solidFill>
+                  <a:schemeClr val="bg1"/>
+                </a:solidFill>
+              </a:rPr>
+              <a:t>DB</a:t>
+            </a:r>
+            <a:endParaRPr lang="en-US" b="1" dirty="0">
+              <a:solidFill>
+                <a:schemeClr val="bg1"/>
+              </a:solidFill>
+            </a:endParaRPr>
+          </a:p>
+        </p:txBody>
+      </p:sp>
+      <p:cxnSp>
+        <p:nvCxnSpPr>
+          <p:cNvPr id="15" name="Straight Arrow Connector 14"/>
+          <p:cNvCxnSpPr/>
+          <p:nvPr/>
+        </p:nvCxnSpPr>
+        <p:spPr>
+          <a:xfrm flipV="1">
+            <a:off x="5068957" y="4953000"/>
+            <a:ext cx="569843" cy="38102"/>
+          </a:xfrm>
+          <a:prstGeom prst="straightConnector1">
+            <a:avLst/>
+          </a:prstGeom>
+          <a:ln w="76200">
+            <a:solidFill>
+              <a:srgbClr val="FFC000"/>
+            </a:solidFill>
+            <a:tailEnd type="triangle"/>
+          </a:ln>
+        </p:spPr>
+        <p:style>
+          <a:lnRef idx="1">
+            <a:schemeClr val="accent1"/>
+          </a:lnRef>
+          <a:fillRef idx="0">
+            <a:schemeClr val="accent1"/>
+          </a:fillRef>
+          <a:effectRef idx="0">
+            <a:schemeClr val="accent1"/>
+          </a:effectRef>
+          <a:fontRef idx="minor">
+            <a:schemeClr val="tx1"/>
+          </a:fontRef>
+        </p:style>
+      </p:cxnSp>
+      <p:cxnSp>
+        <p:nvCxnSpPr>
+          <p:cNvPr id="18" name="Straight Arrow Connector 17"/>
+          <p:cNvCxnSpPr/>
+          <p:nvPr/>
+        </p:nvCxnSpPr>
+        <p:spPr>
+          <a:xfrm flipV="1">
+            <a:off x="6269935" y="4953000"/>
+            <a:ext cx="817119" cy="19051"/>
+          </a:xfrm>
+          <a:prstGeom prst="straightConnector1">
+            <a:avLst/>
+          </a:prstGeom>
+          <a:ln w="76200">
+            <a:solidFill>
+              <a:srgbClr val="FFC000"/>
+            </a:solidFill>
+            <a:tailEnd type="triangle"/>
+          </a:ln>
+        </p:spPr>
+        <p:style>
+          <a:lnRef idx="1">
+            <a:schemeClr val="accent1"/>
+          </a:lnRef>
+          <a:fillRef idx="0">
+            <a:schemeClr val="accent1"/>
+          </a:fillRef>
+          <a:effectRef idx="0">
+            <a:schemeClr val="accent1"/>
+          </a:effectRef>
+          <a:fontRef idx="minor">
+            <a:schemeClr val="tx1"/>
+          </a:fontRef>
+        </p:style>
+      </p:cxnSp>
+      <p:cxnSp>
+        <p:nvCxnSpPr>
+          <p:cNvPr id="20" name="Straight Arrow Connector 19"/>
+          <p:cNvCxnSpPr/>
+          <p:nvPr/>
+        </p:nvCxnSpPr>
+        <p:spPr>
+          <a:xfrm flipH="1">
+            <a:off x="6259167" y="5562600"/>
+            <a:ext cx="806352" cy="0"/>
+          </a:xfrm>
+          <a:prstGeom prst="straightConnector1">
+            <a:avLst/>
+          </a:prstGeom>
+          <a:ln w="76200">
+            <a:solidFill>
+              <a:srgbClr val="0070C0"/>
+            </a:solidFill>
+            <a:tailEnd type="triangle"/>
+          </a:ln>
+        </p:spPr>
+        <p:style>
+          <a:lnRef idx="1">
+            <a:schemeClr val="accent1"/>
+          </a:lnRef>
+          <a:fillRef idx="0">
+            <a:schemeClr val="accent1"/>
+          </a:fillRef>
+          <a:effectRef idx="0">
+            <a:schemeClr val="accent1"/>
+          </a:effectRef>
+          <a:fontRef idx="minor">
+            <a:schemeClr val="tx1"/>
+          </a:fontRef>
+        </p:style>
+      </p:cxnSp>
+      <p:cxnSp>
+        <p:nvCxnSpPr>
+          <p:cNvPr id="23" name="Straight Arrow Connector 22"/>
+          <p:cNvCxnSpPr/>
+          <p:nvPr/>
+        </p:nvCxnSpPr>
+        <p:spPr>
+          <a:xfrm flipH="1">
+            <a:off x="5068957" y="5562600"/>
+            <a:ext cx="614195" cy="0"/>
+          </a:xfrm>
+          <a:prstGeom prst="straightConnector1">
+            <a:avLst/>
+          </a:prstGeom>
+          <a:ln w="76200">
+            <a:solidFill>
+              <a:srgbClr val="0070C0"/>
+            </a:solidFill>
+            <a:tailEnd type="triangle"/>
+          </a:ln>
+        </p:spPr>
+        <p:style>
+          <a:lnRef idx="1">
+            <a:schemeClr val="accent1"/>
+          </a:lnRef>
+          <a:fillRef idx="0">
+            <a:schemeClr val="accent1"/>
+          </a:fillRef>
+          <a:effectRef idx="0">
+            <a:schemeClr val="accent1"/>
+          </a:effectRef>
+          <a:fontRef idx="minor">
+            <a:schemeClr val="tx1"/>
+          </a:fontRef>
+        </p:style>
+      </p:cxnSp>
+      <p:cxnSp>
+        <p:nvCxnSpPr>
+          <p:cNvPr id="25" name="Straight Arrow Connector 24"/>
+          <p:cNvCxnSpPr/>
+          <p:nvPr/>
+        </p:nvCxnSpPr>
+        <p:spPr>
+          <a:xfrm flipH="1">
+            <a:off x="3500605" y="5562600"/>
+            <a:ext cx="653952" cy="0"/>
+          </a:xfrm>
+          <a:prstGeom prst="straightConnector1">
+            <a:avLst/>
+          </a:prstGeom>
+          <a:ln w="76200">
+            <a:solidFill>
+              <a:srgbClr val="0070C0"/>
+            </a:solidFill>
+            <a:tailEnd type="triangle"/>
+          </a:ln>
+        </p:spPr>
+        <p:style>
+          <a:lnRef idx="1">
+            <a:schemeClr val="accent1"/>
+          </a:lnRef>
+          <a:fillRef idx="0">
+            <a:schemeClr val="accent1"/>
+          </a:fillRef>
+          <a:effectRef idx="0">
+            <a:schemeClr val="accent1"/>
+          </a:effectRef>
+          <a:fontRef idx="minor">
+            <a:schemeClr val="tx1"/>
+          </a:fontRef>
+        </p:style>
+      </p:cxnSp>
+      <p:cxnSp>
+        <p:nvCxnSpPr>
+          <p:cNvPr id="27" name="Straight Arrow Connector 26"/>
+          <p:cNvCxnSpPr/>
+          <p:nvPr/>
+        </p:nvCxnSpPr>
+        <p:spPr>
+          <a:xfrm flipH="1">
+            <a:off x="1905000" y="5562600"/>
+            <a:ext cx="685800" cy="0"/>
+          </a:xfrm>
+          <a:prstGeom prst="straightConnector1">
+            <a:avLst/>
+          </a:prstGeom>
+          <a:ln w="76200">
+            <a:solidFill>
+              <a:srgbClr val="0070C0"/>
+            </a:solidFill>
+            <a:tailEnd type="triangle"/>
+          </a:ln>
+        </p:spPr>
+        <p:style>
+          <a:lnRef idx="1">
+            <a:schemeClr val="accent1"/>
+          </a:lnRef>
+          <a:fillRef idx="0">
+            <a:schemeClr val="accent1"/>
+          </a:fillRef>
+          <a:effectRef idx="0">
+            <a:schemeClr val="accent1"/>
+          </a:effectRef>
+          <a:fontRef idx="minor">
+            <a:schemeClr val="tx1"/>
+          </a:fontRef>
+        </p:style>
+      </p:cxnSp>
     </p:spTree>
     <p:extLst>
       <p:ext uri="{BB962C8B-B14F-4D97-AF65-F5344CB8AC3E}">
@@ -6918,7 +7688,373 @@
 </p:sld>
 </file>
 
-<file path=ppt/slides/slide11.xml><?xml version="1.0" encoding="utf-8"?>
+<file path=ppt/slides/slide12.xml><?xml version="1.0" encoding="utf-8"?>
+<p:sld xmlns:a="http://schemas.openxmlformats.org/drawingml/2006/main" xmlns:r="http://schemas.openxmlformats.org/officeDocument/2006/relationships" xmlns:p="http://schemas.openxmlformats.org/presentationml/2006/main">
+  <p:cSld>
+    <p:spTree>
+      <p:nvGrpSpPr>
+        <p:cNvPr id="1" name=""/>
+        <p:cNvGrpSpPr/>
+        <p:nvPr/>
+      </p:nvGrpSpPr>
+      <p:grpSpPr>
+        <a:xfrm>
+          <a:off x="0" y="0"/>
+          <a:ext cx="0" cy="0"/>
+          <a:chOff x="0" y="0"/>
+          <a:chExt cx="0" cy="0"/>
+        </a:xfrm>
+      </p:grpSpPr>
+      <p:sp>
+        <p:nvSpPr>
+          <p:cNvPr id="2" name="Title 1"/>
+          <p:cNvSpPr>
+            <a:spLocks noGrp="1"/>
+          </p:cNvSpPr>
+          <p:nvPr>
+            <p:ph type="title"/>
+          </p:nvPr>
+        </p:nvSpPr>
+        <p:spPr>
+          <a:xfrm>
+            <a:off x="685800" y="0"/>
+            <a:ext cx="7765322" cy="970450"/>
+          </a:xfrm>
+        </p:spPr>
+        <p:txBody>
+          <a:bodyPr/>
+          <a:lstStyle/>
+          <a:p>
+            <a:r>
+              <a:rPr lang="en-US" b="1" dirty="0" smtClean="0"/>
+              <a:t>Data Model</a:t>
+            </a:r>
+            <a:endParaRPr lang="en-US" b="1" dirty="0"/>
+          </a:p>
+        </p:txBody>
+      </p:sp>
+      <p:pic>
+        <p:nvPicPr>
+          <p:cNvPr id="4" name="Picture 3" descr="Screen Clipping"/>
+          <p:cNvPicPr>
+            <a:picLocks noChangeAspect="1"/>
+          </p:cNvPicPr>
+          <p:nvPr/>
+        </p:nvPicPr>
+        <p:blipFill>
+          <a:blip r:embed="rId2">
+            <a:extLst>
+              <a:ext uri="{28A0092B-C50C-407E-A947-70E740481C1C}">
+                <a14:useLocalDpi xmlns:a14="http://schemas.microsoft.com/office/drawing/2010/main" val="0"/>
+              </a:ext>
+            </a:extLst>
+          </a:blip>
+          <a:stretch>
+            <a:fillRect/>
+          </a:stretch>
+        </p:blipFill>
+        <p:spPr>
+          <a:xfrm>
+            <a:off x="914400" y="909801"/>
+            <a:ext cx="7315200" cy="5444101"/>
+          </a:xfrm>
+          <a:prstGeom prst="rect">
+            <a:avLst/>
+          </a:prstGeom>
+        </p:spPr>
+      </p:pic>
+    </p:spTree>
+    <p:extLst>
+      <p:ext uri="{BB962C8B-B14F-4D97-AF65-F5344CB8AC3E}">
+        <p14:creationId xmlns:p14="http://schemas.microsoft.com/office/powerpoint/2010/main" val="3703754830"/>
+      </p:ext>
+    </p:extLst>
+  </p:cSld>
+  <p:clrMapOvr>
+    <a:masterClrMapping/>
+  </p:clrMapOvr>
+  <p:timing>
+    <p:tnLst>
+      <p:par>
+        <p:cTn id="1" dur="indefinite" restart="never" nodeType="tmRoot"/>
+      </p:par>
+    </p:tnLst>
+  </p:timing>
+</p:sld>
+</file>
+
+<file path=ppt/slides/slide13.xml><?xml version="1.0" encoding="utf-8"?>
+<p:sld xmlns:a="http://schemas.openxmlformats.org/drawingml/2006/main" xmlns:r="http://schemas.openxmlformats.org/officeDocument/2006/relationships" xmlns:p="http://schemas.openxmlformats.org/presentationml/2006/main">
+  <p:cSld>
+    <p:spTree>
+      <p:nvGrpSpPr>
+        <p:cNvPr id="1" name=""/>
+        <p:cNvGrpSpPr/>
+        <p:nvPr/>
+      </p:nvGrpSpPr>
+      <p:grpSpPr>
+        <a:xfrm>
+          <a:off x="0" y="0"/>
+          <a:ext cx="0" cy="0"/>
+          <a:chOff x="0" y="0"/>
+          <a:chExt cx="0" cy="0"/>
+        </a:xfrm>
+      </p:grpSpPr>
+      <p:sp>
+        <p:nvSpPr>
+          <p:cNvPr id="2" name="Title 1"/>
+          <p:cNvSpPr>
+            <a:spLocks noGrp="1"/>
+          </p:cNvSpPr>
+          <p:nvPr>
+            <p:ph type="title"/>
+          </p:nvPr>
+        </p:nvSpPr>
+        <p:spPr>
+          <a:xfrm>
+            <a:off x="744955" y="609600"/>
+            <a:ext cx="7765322" cy="970450"/>
+          </a:xfrm>
+        </p:spPr>
+        <p:txBody>
+          <a:bodyPr>
+            <a:normAutofit/>
+          </a:bodyPr>
+          <a:lstStyle/>
+          <a:p>
+            <a:r>
+              <a:rPr lang="en-US" b="1" dirty="0" smtClean="0"/>
+              <a:t>UC:1,2,3,4 </a:t>
+            </a:r>
+            <a:endParaRPr lang="en-US" b="1" dirty="0"/>
+          </a:p>
+        </p:txBody>
+      </p:sp>
+      <p:sp>
+        <p:nvSpPr>
+          <p:cNvPr id="5" name="TextBox 4"/>
+          <p:cNvSpPr txBox="1"/>
+          <p:nvPr/>
+        </p:nvSpPr>
+        <p:spPr>
+          <a:xfrm>
+            <a:off x="433078" y="1524000"/>
+            <a:ext cx="8077199" cy="2939266"/>
+          </a:xfrm>
+          <a:prstGeom prst="rect">
+            <a:avLst/>
+          </a:prstGeom>
+          <a:noFill/>
+        </p:spPr>
+        <p:txBody>
+          <a:bodyPr wrap="square" rtlCol="0">
+            <a:spAutoFit/>
+          </a:bodyPr>
+          <a:lstStyle/>
+          <a:p>
+            <a:pPr marL="342900" indent="-306000" defTabSz="457200">
+              <a:spcBef>
+                <a:spcPct val="20000"/>
+              </a:spcBef>
+              <a:spcAft>
+                <a:spcPts val="600"/>
+              </a:spcAft>
+              <a:buClr>
+                <a:schemeClr val="tx2"/>
+              </a:buClr>
+              <a:buSzPct val="70000"/>
+              <a:buFont typeface="Wingdings 2" charset="2"/>
+              <a:buChar char=""/>
+            </a:pPr>
+            <a:r>
+              <a:rPr lang="en-US" sz="2500" dirty="0" smtClean="0">
+                <a:ln>
+                  <a:solidFill>
+                    <a:schemeClr val="bg1">
+                      <a:lumMod val="75000"/>
+                      <a:lumOff val="25000"/>
+                      <a:alpha val="10000"/>
+                    </a:schemeClr>
+                  </a:solidFill>
+                </a:ln>
+                <a:solidFill>
+                  <a:schemeClr val="tx2"/>
+                </a:solidFill>
+                <a:effectLst>
+                  <a:outerShdw blurRad="9525" dist="25400" dir="14640000" algn="tl" rotWithShape="0">
+                    <a:schemeClr val="bg1">
+                      <a:alpha val="30000"/>
+                    </a:schemeClr>
+                  </a:outerShdw>
+                </a:effectLst>
+              </a:rPr>
+              <a:t>UC:1 Walk in the work place, get auto logged in by detection of their GPS coordinates</a:t>
+            </a:r>
+          </a:p>
+          <a:p>
+            <a:pPr marL="342900" indent="-306000" defTabSz="457200">
+              <a:spcBef>
+                <a:spcPct val="20000"/>
+              </a:spcBef>
+              <a:spcAft>
+                <a:spcPts val="600"/>
+              </a:spcAft>
+              <a:buClr>
+                <a:schemeClr val="tx2"/>
+              </a:buClr>
+              <a:buSzPct val="70000"/>
+              <a:buFont typeface="Wingdings 2" charset="2"/>
+              <a:buChar char=""/>
+            </a:pPr>
+            <a:r>
+              <a:rPr lang="en-US" sz="2500" dirty="0" smtClean="0">
+                <a:ln>
+                  <a:solidFill>
+                    <a:schemeClr val="bg1">
+                      <a:lumMod val="75000"/>
+                      <a:lumOff val="25000"/>
+                      <a:alpha val="10000"/>
+                    </a:schemeClr>
+                  </a:solidFill>
+                </a:ln>
+                <a:solidFill>
+                  <a:schemeClr val="tx2"/>
+                </a:solidFill>
+                <a:effectLst>
+                  <a:outerShdw blurRad="9525" dist="25400" dir="14640000" algn="tl" rotWithShape="0">
+                    <a:schemeClr val="bg1">
+                      <a:alpha val="30000"/>
+                    </a:schemeClr>
+                  </a:outerShdw>
+                </a:effectLst>
+              </a:rPr>
+              <a:t>UC:3,4  Leave / return for lunch, auto log in/out</a:t>
+            </a:r>
+          </a:p>
+          <a:p>
+            <a:pPr marL="342900" indent="-306000" defTabSz="457200">
+              <a:spcBef>
+                <a:spcPct val="20000"/>
+              </a:spcBef>
+              <a:spcAft>
+                <a:spcPts val="600"/>
+              </a:spcAft>
+              <a:buClr>
+                <a:schemeClr val="tx2"/>
+              </a:buClr>
+              <a:buSzPct val="70000"/>
+              <a:buFont typeface="Wingdings 2" charset="2"/>
+              <a:buChar char=""/>
+            </a:pPr>
+            <a:r>
+              <a:rPr lang="en-US" sz="2500" dirty="0" smtClean="0">
+                <a:ln>
+                  <a:solidFill>
+                    <a:schemeClr val="bg1">
+                      <a:lumMod val="75000"/>
+                      <a:lumOff val="25000"/>
+                      <a:alpha val="10000"/>
+                    </a:schemeClr>
+                  </a:solidFill>
+                </a:ln>
+                <a:solidFill>
+                  <a:schemeClr val="tx2"/>
+                </a:solidFill>
+                <a:effectLst>
+                  <a:outerShdw blurRad="9525" dist="25400" dir="14640000" algn="tl" rotWithShape="0">
+                    <a:schemeClr val="bg1">
+                      <a:alpha val="30000"/>
+                    </a:schemeClr>
+                  </a:outerShdw>
+                </a:effectLst>
+              </a:rPr>
+              <a:t>UC:2 Leave for the day, auto logout</a:t>
+            </a:r>
+          </a:p>
+          <a:p>
+            <a:pPr marL="36900" defTabSz="457200">
+              <a:spcBef>
+                <a:spcPct val="20000"/>
+              </a:spcBef>
+              <a:spcAft>
+                <a:spcPts val="600"/>
+              </a:spcAft>
+              <a:buClr>
+                <a:schemeClr val="tx2"/>
+              </a:buClr>
+              <a:buSzPct val="70000"/>
+            </a:pPr>
+            <a:r>
+              <a:rPr lang="en-US" sz="2500" dirty="0" smtClean="0">
+                <a:ln>
+                  <a:solidFill>
+                    <a:schemeClr val="bg1">
+                      <a:lumMod val="75000"/>
+                      <a:lumOff val="25000"/>
+                      <a:alpha val="10000"/>
+                    </a:schemeClr>
+                  </a:solidFill>
+                </a:ln>
+                <a:solidFill>
+                  <a:schemeClr val="tx2"/>
+                </a:solidFill>
+                <a:effectLst>
+                  <a:outerShdw blurRad="9525" dist="25400" dir="14640000" algn="tl" rotWithShape="0">
+                    <a:schemeClr val="bg1">
+                      <a:alpha val="30000"/>
+                    </a:schemeClr>
+                  </a:outerShdw>
+                </a:effectLst>
+              </a:rPr>
+              <a:t>Output: Employee is notified by a tone/visual </a:t>
+            </a:r>
+            <a:endParaRPr lang="en-US" sz="2500" dirty="0">
+              <a:ln>
+                <a:solidFill>
+                  <a:schemeClr val="bg1">
+                    <a:lumMod val="75000"/>
+                    <a:lumOff val="25000"/>
+                    <a:alpha val="10000"/>
+                  </a:schemeClr>
+                </a:solidFill>
+              </a:ln>
+              <a:solidFill>
+                <a:schemeClr val="tx2"/>
+              </a:solidFill>
+              <a:effectLst>
+                <a:outerShdw blurRad="9525" dist="25400" dir="14640000" algn="tl" rotWithShape="0">
+                  <a:schemeClr val="bg1">
+                    <a:alpha val="30000"/>
+                  </a:schemeClr>
+                </a:outerShdw>
+              </a:effectLst>
+            </a:endParaRPr>
+          </a:p>
+          <a:p>
+            <a:pPr marL="285750" indent="-285750">
+              <a:buFont typeface="Arial" panose="020B0604020202020204" pitchFamily="34" charset="0"/>
+              <a:buChar char="•"/>
+            </a:pPr>
+            <a:endParaRPr lang="en-US" sz="2500" dirty="0"/>
+          </a:p>
+        </p:txBody>
+      </p:sp>
+    </p:spTree>
+  </p:cSld>
+  <p:clrMapOvr>
+    <a:masterClrMapping/>
+  </p:clrMapOvr>
+  <p:timing>
+    <p:tnLst>
+      <p:par>
+        <p:cTn id="1" dur="indefinite" restart="never" nodeType="tmRoot"/>
+      </p:par>
+    </p:tnLst>
+  </p:timing>
+</p:sld>
+</file>
+
+<file path=ppt/slides/slide14.xml><?xml version="1.0" encoding="utf-8"?>
 <p:sld xmlns:a="http://schemas.openxmlformats.org/drawingml/2006/main" xmlns:r="http://schemas.openxmlformats.org/officeDocument/2006/relationships" xmlns:p="http://schemas.openxmlformats.org/presentationml/2006/main">
   <p:cSld>
     <p:spTree>
@@ -7348,7 +8484,7 @@
 </p:sld>
 </file>
 
-<file path=ppt/slides/slide12.xml><?xml version="1.0" encoding="utf-8"?>
+<file path=ppt/slides/slide15.xml><?xml version="1.0" encoding="utf-8"?>
 <p:sld xmlns:a="http://schemas.openxmlformats.org/drawingml/2006/main" xmlns:r="http://schemas.openxmlformats.org/officeDocument/2006/relationships" xmlns:p="http://schemas.openxmlformats.org/presentationml/2006/main">
   <p:cSld>
     <p:spTree>
@@ -7570,7 +8706,7 @@
 </p:sld>
 </file>
 
-<file path=ppt/slides/slide13.xml><?xml version="1.0" encoding="utf-8"?>
+<file path=ppt/slides/slide16.xml><?xml version="1.0" encoding="utf-8"?>
 <p:sld xmlns:a="http://schemas.openxmlformats.org/drawingml/2006/main" xmlns:r="http://schemas.openxmlformats.org/officeDocument/2006/relationships" xmlns:p="http://schemas.openxmlformats.org/presentationml/2006/main">
   <p:cSld>
     <p:spTree>
@@ -7778,7 +8914,7 @@
 </p:sld>
 </file>
 
-<file path=ppt/slides/slide14.xml><?xml version="1.0" encoding="utf-8"?>
+<file path=ppt/slides/slide17.xml><?xml version="1.0" encoding="utf-8"?>
 <p:sld xmlns:a="http://schemas.openxmlformats.org/drawingml/2006/main" xmlns:r="http://schemas.openxmlformats.org/officeDocument/2006/relationships" xmlns:p="http://schemas.openxmlformats.org/presentationml/2006/main">
   <p:cSld>
     <p:spTree>
@@ -7842,11 +8978,7 @@
           <a:p>
             <a:r>
               <a:rPr lang="en-US" sz="2200" dirty="0" smtClean="0"/>
-              <a:t>Employee sets </a:t>
-            </a:r>
-            <a:r>
-              <a:rPr lang="en-US" sz="2200" dirty="0" smtClean="0"/>
-              <a:t>alarms for the reminder of the shift time </a:t>
+              <a:t>Employee sets alarms for the reminder of the shift time </a:t>
             </a:r>
             <a:endParaRPr lang="en-US" sz="2200" dirty="0"/>
           </a:p>
@@ -8138,7 +9270,7 @@
 </p:sld>
 </file>
 
-<file path=ppt/slides/slide15.xml><?xml version="1.0" encoding="utf-8"?>
+<file path=ppt/slides/slide18.xml><?xml version="1.0" encoding="utf-8"?>
 <p:sld xmlns:a="http://schemas.openxmlformats.org/drawingml/2006/main" xmlns:r="http://schemas.openxmlformats.org/officeDocument/2006/relationships" xmlns:p="http://schemas.openxmlformats.org/presentationml/2006/main">
   <p:cSld>
     <p:spTree>
@@ -8484,7 +9616,6 @@
               <a:rPr lang="en-US" sz="2000" dirty="0"/>
               <a:t>Group6/website/pages/login.php</a:t>
             </a:r>
-            <a:endParaRPr lang="en-US" sz="2000" dirty="0"/>
           </a:p>
         </p:txBody>
       </p:sp>
@@ -8508,7 +9639,7 @@
 </p:sld>
 </file>
 
-<file path=ppt/slides/slide16.xml><?xml version="1.0" encoding="utf-8"?>
+<file path=ppt/slides/slide19.xml><?xml version="1.0" encoding="utf-8"?>
 <p:sld xmlns:a="http://schemas.openxmlformats.org/drawingml/2006/main" xmlns:r="http://schemas.openxmlformats.org/officeDocument/2006/relationships" xmlns:p="http://schemas.openxmlformats.org/presentationml/2006/main">
   <p:cSld>
     <p:spTree>
@@ -8542,7 +9673,7 @@
           <a:p>
             <a:r>
               <a:rPr lang="en-US" b="1" dirty="0" smtClean="0"/>
-              <a:t>Lessons learnt</a:t>
+              <a:t>Interesting Facts</a:t>
             </a:r>
             <a:endParaRPr lang="en-US" b="1" dirty="0"/>
           </a:p>
@@ -8565,12 +9696,30 @@
           <a:p>
             <a:r>
               <a:rPr lang="en-US" dirty="0" smtClean="0"/>
-              <a:t>API’s are extremely usefu</a:t>
-            </a:r>
-            <a:r>
-              <a:rPr lang="en-US" dirty="0"/>
-              <a:t>l</a:t>
-            </a:r>
+              <a:t>API’s are extremely </a:t>
+            </a:r>
+            <a:r>
+              <a:rPr lang="en-US" dirty="0" smtClean="0"/>
+              <a:t>useful!</a:t>
+            </a:r>
+          </a:p>
+          <a:p>
+            <a:r>
+              <a:rPr lang="en-US" dirty="0" smtClean="0"/>
+              <a:t>5000+ lines of code</a:t>
+            </a:r>
+          </a:p>
+          <a:p>
+            <a:r>
+              <a:rPr lang="en-US" dirty="0" smtClean="0"/>
+              <a:t>Any app that requires GPS permission </a:t>
+            </a:r>
+            <a:r>
+              <a:rPr lang="en-US" smtClean="0"/>
+              <a:t>can track you EVERYWHRE</a:t>
+            </a:r>
+          </a:p>
+          <a:p>
             <a:endParaRPr lang="en-US" dirty="0"/>
           </a:p>
         </p:txBody>
@@ -8595,7 +9744,7 @@
 </p:sld>
 </file>
 
-<file path=ppt/slides/slide17.xml><?xml version="1.0" encoding="utf-8"?>
+<file path=ppt/slides/slide2.xml><?xml version="1.0" encoding="utf-8"?>
 <p:sld xmlns:a="http://schemas.openxmlformats.org/drawingml/2006/main" xmlns:r="http://schemas.openxmlformats.org/officeDocument/2006/relationships" xmlns:p="http://schemas.openxmlformats.org/presentationml/2006/main">
   <p:cSld>
     <p:spTree>
@@ -8628,119 +9777,96 @@
           <a:lstStyle/>
           <a:p>
             <a:r>
-              <a:rPr lang="en-US" b="1" dirty="0" smtClean="0"/>
-              <a:t>Download and Try it Yourself!</a:t>
-            </a:r>
-            <a:endParaRPr lang="en-US" b="1" dirty="0"/>
-          </a:p>
-        </p:txBody>
-      </p:sp>
-      <p:pic>
-        <p:nvPicPr>
-          <p:cNvPr id="1025" name="Picture 1" descr="https://lh4.googleusercontent.com/IR76wmuDXcDCgAnziwFTKsEpVOOBN-dX9BkbT43s1DLK_ZQhn1b02YqNIowCoEBes7FOOBGQQ1U"/>
-          <p:cNvPicPr>
-            <a:picLocks noChangeAspect="1" noChangeArrowheads="1"/>
-          </p:cNvPicPr>
-          <p:nvPr/>
-        </p:nvPicPr>
-        <p:blipFill>
-          <a:blip r:embed="rId2">
-            <a:extLst>
-              <a:ext uri="{28A0092B-C50C-407E-A947-70E740481C1C}">
-                <a14:useLocalDpi xmlns:a14="http://schemas.microsoft.com/office/drawing/2010/main" val="0"/>
-              </a:ext>
-            </a:extLst>
-          </a:blip>
-          <a:srcRect/>
-          <a:stretch>
-            <a:fillRect/>
-          </a:stretch>
-        </p:blipFill>
-        <p:spPr bwMode="auto">
-          <a:xfrm>
-            <a:off x="2891607" y="2057400"/>
-            <a:ext cx="3352800" cy="3352800"/>
-          </a:xfrm>
-          <a:prstGeom prst="rect">
-            <a:avLst/>
-          </a:prstGeom>
-          <a:noFill/>
-          <a:extLst>
-            <a:ext uri="{909E8E84-426E-40DD-AFC4-6F175D3DCCD1}">
-              <a14:hiddenFill xmlns:a14="http://schemas.microsoft.com/office/drawing/2010/main">
-                <a:solidFill>
-                  <a:srgbClr val="FFFFFF"/>
-                </a:solidFill>
-              </a14:hiddenFill>
-            </a:ext>
-          </a:extLst>
-        </p:spPr>
-      </p:pic>
-      <p:sp>
-        <p:nvSpPr>
-          <p:cNvPr id="4" name="TextBox 3"/>
-          <p:cNvSpPr txBox="1"/>
-          <p:nvPr/>
-        </p:nvSpPr>
-        <p:spPr>
-          <a:xfrm>
-            <a:off x="1981200" y="5638800"/>
-            <a:ext cx="5257800" cy="646331"/>
-          </a:xfrm>
-          <a:prstGeom prst="rect">
-            <a:avLst/>
-          </a:prstGeom>
-          <a:noFill/>
-        </p:spPr>
-        <p:txBody>
-          <a:bodyPr wrap="square" rtlCol="0">
-            <a:spAutoFit/>
+              <a:rPr lang="en-US" dirty="0" smtClean="0"/>
+              <a:t>Overview</a:t>
+            </a:r>
+            <a:endParaRPr lang="en-US" dirty="0"/>
+          </a:p>
+        </p:txBody>
+      </p:sp>
+      <p:sp>
+        <p:nvSpPr>
+          <p:cNvPr id="3" name="Content Placeholder 2"/>
+          <p:cNvSpPr>
+            <a:spLocks noGrp="1"/>
+          </p:cNvSpPr>
+          <p:nvPr>
+            <p:ph idx="1"/>
+          </p:nvPr>
+        </p:nvSpPr>
+        <p:spPr/>
+        <p:txBody>
+          <a:bodyPr>
+            <a:normAutofit lnSpcReduction="10000"/>
           </a:bodyPr>
           <a:lstStyle/>
           <a:p>
-            <a:pPr algn="ctr"/>
-            <a:r>
-              <a:rPr lang="en-US" b="1" dirty="0" smtClean="0"/>
-              <a:t>This will work on Android only!</a:t>
-            </a:r>
-            <a:br>
-              <a:rPr lang="en-US" b="1" dirty="0" smtClean="0"/>
-            </a:br>
-            <a:r>
-              <a:rPr lang="en-US" b="1" dirty="0" smtClean="0"/>
-              <a:t>Please turn on “Unknown Sources”. </a:t>
-            </a:r>
-            <a:endParaRPr lang="en-US" b="1" dirty="0"/>
-          </a:p>
-        </p:txBody>
-      </p:sp>
-      <p:sp>
-        <p:nvSpPr>
-          <p:cNvPr id="5" name="TextBox 4"/>
-          <p:cNvSpPr txBox="1"/>
-          <p:nvPr/>
-        </p:nvSpPr>
-        <p:spPr>
-          <a:xfrm>
-            <a:off x="1676400" y="1524000"/>
-            <a:ext cx="6172200" cy="369332"/>
-          </a:xfrm>
-          <a:prstGeom prst="rect">
-            <a:avLst/>
-          </a:prstGeom>
-          <a:noFill/>
-        </p:spPr>
-        <p:txBody>
-          <a:bodyPr wrap="square" rtlCol="0">
-            <a:spAutoFit/>
-          </a:bodyPr>
-          <a:lstStyle/>
-          <a:p>
-            <a:pPr algn="ctr"/>
             <a:r>
               <a:rPr lang="en-US" dirty="0" smtClean="0"/>
-              <a:t>http://swe2313.com/group04</a:t>
-            </a:r>
+              <a:t>Demand for the app</a:t>
+            </a:r>
+          </a:p>
+          <a:p>
+            <a:r>
+              <a:rPr lang="en-US" dirty="0" smtClean="0"/>
+              <a:t>Our custom solution</a:t>
+            </a:r>
+          </a:p>
+          <a:p>
+            <a:pPr lvl="1"/>
+            <a:r>
+              <a:rPr lang="en-US" dirty="0" smtClean="0"/>
+              <a:t>GPS based tracking for automated time logging</a:t>
+            </a:r>
+          </a:p>
+          <a:p>
+            <a:r>
+              <a:rPr lang="en-US" dirty="0" smtClean="0"/>
+              <a:t>General Application flow</a:t>
+            </a:r>
+          </a:p>
+          <a:p>
+            <a:pPr lvl="1"/>
+            <a:r>
+              <a:rPr lang="en-US" dirty="0" smtClean="0"/>
+              <a:t>API</a:t>
+            </a:r>
+          </a:p>
+          <a:p>
+            <a:pPr lvl="1"/>
+            <a:r>
+              <a:rPr lang="en-US" dirty="0" smtClean="0"/>
+              <a:t>App use of the API</a:t>
+            </a:r>
+          </a:p>
+          <a:p>
+            <a:r>
+              <a:rPr lang="en-US" dirty="0" smtClean="0"/>
+              <a:t>DB Layout</a:t>
+            </a:r>
+          </a:p>
+          <a:p>
+            <a:r>
+              <a:rPr lang="en-US" dirty="0" smtClean="0"/>
+              <a:t>Use Cases</a:t>
+            </a:r>
+          </a:p>
+          <a:p>
+            <a:r>
+              <a:rPr lang="en-US" dirty="0" smtClean="0"/>
+              <a:t>Web Interface</a:t>
+            </a:r>
+          </a:p>
+          <a:p>
+            <a:r>
+              <a:rPr lang="en-US" dirty="0" smtClean="0"/>
+              <a:t>Demo!</a:t>
+            </a:r>
+          </a:p>
+          <a:p>
+            <a:endParaRPr lang="en-US" dirty="0" smtClean="0"/>
+          </a:p>
+          <a:p>
             <a:endParaRPr lang="en-US" dirty="0"/>
           </a:p>
         </p:txBody>
@@ -8748,24 +9874,17 @@
     </p:spTree>
     <p:extLst>
       <p:ext uri="{BB962C8B-B14F-4D97-AF65-F5344CB8AC3E}">
-        <p14:creationId xmlns:p14="http://schemas.microsoft.com/office/powerpoint/2010/main" val="306442644"/>
+        <p14:creationId xmlns:p14="http://schemas.microsoft.com/office/powerpoint/2010/main" val="2394621416"/>
       </p:ext>
     </p:extLst>
   </p:cSld>
   <p:clrMapOvr>
     <a:masterClrMapping/>
   </p:clrMapOvr>
-  <p:timing>
-    <p:tnLst>
-      <p:par>
-        <p:cTn id="1" dur="indefinite" restart="never" nodeType="tmRoot"/>
-      </p:par>
-    </p:tnLst>
-  </p:timing>
 </p:sld>
 </file>
 
-<file path=ppt/slides/slide2.xml><?xml version="1.0" encoding="utf-8"?>
+<file path=ppt/slides/slide3.xml><?xml version="1.0" encoding="utf-8"?>
 <p:sld xmlns:a="http://schemas.openxmlformats.org/drawingml/2006/main" xmlns:r="http://schemas.openxmlformats.org/officeDocument/2006/relationships" xmlns:p="http://schemas.openxmlformats.org/presentationml/2006/main">
   <p:cSld>
     <p:bg>
@@ -8932,7 +10051,7 @@
 </p:sld>
 </file>
 
-<file path=ppt/slides/slide3.xml><?xml version="1.0" encoding="utf-8"?>
+<file path=ppt/slides/slide4.xml><?xml version="1.0" encoding="utf-8"?>
 <p:sld xmlns:a="http://schemas.openxmlformats.org/drawingml/2006/main" xmlns:r="http://schemas.openxmlformats.org/officeDocument/2006/relationships" xmlns:p="http://schemas.openxmlformats.org/presentationml/2006/main">
   <p:cSld>
     <p:spTree>
@@ -8998,7 +10117,21 @@
               <a:rPr lang="en-US" sz="2300" dirty="0" smtClean="0">
                 <a:effectLst/>
               </a:rPr>
-              <a:t>Employee has automated </a:t>
+              <a:t>Use an app that will automatically clock employees in/out dependent on their location</a:t>
+            </a:r>
+          </a:p>
+          <a:p>
+            <a:r>
+              <a:rPr lang="en-US" sz="2300" dirty="0" smtClean="0">
+                <a:effectLst/>
+              </a:rPr>
+              <a:t>Employee </a:t>
+            </a:r>
+            <a:r>
+              <a:rPr lang="en-US" sz="2300" dirty="0" smtClean="0">
+                <a:effectLst/>
+              </a:rPr>
+              <a:t>has automated </a:t>
             </a:r>
             <a:r>
               <a:rPr lang="en-US" sz="2300" dirty="0">
@@ -9094,7 +10227,7 @@
 </p:sld>
 </file>
 
-<file path=ppt/slides/slide4.xml><?xml version="1.0" encoding="utf-8"?>
+<file path=ppt/slides/slide5.xml><?xml version="1.0" encoding="utf-8"?>
 <p:sld xmlns:a="http://schemas.openxmlformats.org/drawingml/2006/main" xmlns:r="http://schemas.openxmlformats.org/officeDocument/2006/relationships" xmlns:p="http://schemas.openxmlformats.org/presentationml/2006/main">
   <p:cSld>
     <p:spTree>
@@ -9361,7 +10494,7 @@
 </p:sld>
 </file>
 
-<file path=ppt/slides/slide5.xml><?xml version="1.0" encoding="utf-8"?>
+<file path=ppt/slides/slide6.xml><?xml version="1.0" encoding="utf-8"?>
 <p:sld xmlns:a="http://schemas.openxmlformats.org/drawingml/2006/main" xmlns:r="http://schemas.openxmlformats.org/officeDocument/2006/relationships" xmlns:p="http://schemas.openxmlformats.org/presentationml/2006/main">
   <p:cSld>
     <p:spTree>
@@ -9413,12 +10546,86 @@
         </p:nvSpPr>
         <p:spPr/>
         <p:txBody>
-          <a:bodyPr/>
+          <a:bodyPr>
+            <a:normAutofit/>
+          </a:bodyPr>
           <a:lstStyle/>
           <a:p>
             <a:r>
               <a:rPr lang="en-US" dirty="0" smtClean="0"/>
-              <a:t>David, fill it in</a:t>
+              <a:t>Used as an endpoint for our mobile app, website, and other future devices</a:t>
+            </a:r>
+          </a:p>
+          <a:p>
+            <a:pPr lvl="1"/>
+            <a:r>
+              <a:rPr lang="en-US" dirty="0" smtClean="0"/>
+              <a:t>DB schema and logic is kept separate </a:t>
+            </a:r>
+          </a:p>
+          <a:p>
+            <a:pPr lvl="2"/>
+            <a:r>
+              <a:rPr lang="en-US" dirty="0" smtClean="0"/>
+              <a:t>Security and </a:t>
+            </a:r>
+            <a:r>
+              <a:rPr lang="en-US" dirty="0" err="1" smtClean="0"/>
+              <a:t>maintaince</a:t>
+            </a:r>
+            <a:r>
+              <a:rPr lang="en-US" dirty="0" smtClean="0"/>
+              <a:t> is made easier</a:t>
+            </a:r>
+          </a:p>
+          <a:p>
+            <a:pPr lvl="1"/>
+            <a:r>
+              <a:rPr lang="en-US" dirty="0" smtClean="0"/>
+              <a:t>The API will control all data flowing in and out of the DB</a:t>
+            </a:r>
+          </a:p>
+          <a:p>
+            <a:pPr lvl="2"/>
+            <a:r>
+              <a:rPr lang="en-US" dirty="0" smtClean="0"/>
+              <a:t>Better error checking and validation</a:t>
+            </a:r>
+          </a:p>
+          <a:p>
+            <a:pPr lvl="1"/>
+            <a:r>
+              <a:rPr lang="en-US" dirty="0" smtClean="0"/>
+              <a:t>JSON is used for all communication</a:t>
+            </a:r>
+          </a:p>
+          <a:p>
+            <a:pPr lvl="2"/>
+            <a:r>
+              <a:rPr lang="en-US" dirty="0" smtClean="0"/>
+              <a:t>Good compression</a:t>
+            </a:r>
+          </a:p>
+          <a:p>
+            <a:pPr lvl="2"/>
+            <a:r>
+              <a:rPr lang="en-US" dirty="0" smtClean="0"/>
+              <a:t>Native use in almost all web applications</a:t>
+            </a:r>
+          </a:p>
+          <a:p>
+            <a:pPr lvl="2"/>
+            <a:r>
+              <a:rPr lang="en-US" dirty="0" smtClean="0"/>
+              <a:t>The new web standard</a:t>
+            </a:r>
+            <a:r>
+              <a:rPr lang="en-US" dirty="0"/>
+              <a:t>	</a:t>
+            </a:r>
+            <a:r>
+              <a:rPr lang="en-US" dirty="0" smtClean="0"/>
+              <a:t>	</a:t>
             </a:r>
             <a:endParaRPr lang="en-US" dirty="0"/>
           </a:p>
@@ -9434,118 +10641,6 @@
   <p:clrMapOvr>
     <a:masterClrMapping/>
   </p:clrMapOvr>
-</p:sld>
-</file>
-
-<file path=ppt/slides/slide6.xml><?xml version="1.0" encoding="utf-8"?>
-<p:sld xmlns:a="http://schemas.openxmlformats.org/drawingml/2006/main" xmlns:r="http://schemas.openxmlformats.org/officeDocument/2006/relationships" xmlns:p="http://schemas.openxmlformats.org/presentationml/2006/main" show="0">
-  <p:cSld>
-    <p:spTree>
-      <p:nvGrpSpPr>
-        <p:cNvPr id="1" name=""/>
-        <p:cNvGrpSpPr/>
-        <p:nvPr/>
-      </p:nvGrpSpPr>
-      <p:grpSpPr>
-        <a:xfrm>
-          <a:off x="0" y="0"/>
-          <a:ext cx="0" cy="0"/>
-          <a:chOff x="0" y="0"/>
-          <a:chExt cx="0" cy="0"/>
-        </a:xfrm>
-      </p:grpSpPr>
-      <p:sp>
-        <p:nvSpPr>
-          <p:cNvPr id="2" name="Title 1"/>
-          <p:cNvSpPr>
-            <a:spLocks noGrp="1"/>
-          </p:cNvSpPr>
-          <p:nvPr>
-            <p:ph type="title"/>
-          </p:nvPr>
-        </p:nvSpPr>
-        <p:spPr>
-          <a:xfrm>
-            <a:off x="685800" y="0"/>
-            <a:ext cx="7765322" cy="970450"/>
-          </a:xfrm>
-        </p:spPr>
-        <p:txBody>
-          <a:bodyPr/>
-          <a:lstStyle/>
-          <a:p>
-            <a:r>
-              <a:rPr lang="en-US" b="1" dirty="0" smtClean="0"/>
-              <a:t>Data Model</a:t>
-            </a:r>
-            <a:endParaRPr lang="en-US" b="1" dirty="0"/>
-          </a:p>
-        </p:txBody>
-      </p:sp>
-      <p:pic>
-        <p:nvPicPr>
-          <p:cNvPr id="3" name="Picture 2" descr="Screen Clipping"/>
-          <p:cNvPicPr>
-            <a:picLocks noChangeAspect="1"/>
-          </p:cNvPicPr>
-          <p:nvPr/>
-        </p:nvPicPr>
-        <p:blipFill>
-          <a:blip r:embed="rId2">
-            <a:extLst>
-              <a:ext uri="{BEBA8EAE-BF5A-486C-A8C5-ECC9F3942E4B}">
-                <a14:imgProps xmlns:a14="http://schemas.microsoft.com/office/drawing/2010/main">
-                  <a14:imgLayer r:embed="rId3">
-                    <a14:imgEffect>
-                      <a14:brightnessContrast bright="-10000"/>
-                    </a14:imgEffect>
-                  </a14:imgLayer>
-                </a14:imgProps>
-              </a:ext>
-              <a:ext uri="{28A0092B-C50C-407E-A947-70E740481C1C}">
-                <a14:useLocalDpi xmlns:a14="http://schemas.microsoft.com/office/drawing/2010/main" val="0"/>
-              </a:ext>
-            </a:extLst>
-          </a:blip>
-          <a:stretch>
-            <a:fillRect/>
-          </a:stretch>
-        </p:blipFill>
-        <p:spPr>
-          <a:xfrm>
-            <a:off x="533400" y="899160"/>
-            <a:ext cx="8153400" cy="5487866"/>
-          </a:xfrm>
-          <a:prstGeom prst="rect">
-            <a:avLst/>
-          </a:prstGeom>
-        </p:spPr>
-      </p:pic>
-    </p:spTree>
-    <p:extLst>
-      <p:ext uri="{BB962C8B-B14F-4D97-AF65-F5344CB8AC3E}">
-        <p14:creationId xmlns:p14="http://schemas.microsoft.com/office/powerpoint/2010/main" val="3027511424"/>
-      </p:ext>
-    </p:extLst>
-  </p:cSld>
-  <p:clrMapOvr>
-    <a:masterClrMapping/>
-  </p:clrMapOvr>
-  <mc:AlternateContent xmlns:mc="http://schemas.openxmlformats.org/markup-compatibility/2006" xmlns:p14="http://schemas.microsoft.com/office/powerpoint/2010/main">
-    <mc:Choice Requires="p14">
-      <p:transition spd="slow" p14:dur="2000"/>
-    </mc:Choice>
-    <mc:Fallback xmlns="">
-      <p:transition spd="slow"/>
-    </mc:Fallback>
-  </mc:AlternateContent>
-  <p:timing>
-    <p:tnLst>
-      <p:par>
-        <p:cTn id="1" dur="indefinite" restart="never" nodeType="tmRoot"/>
-      </p:par>
-    </p:tnLst>
-  </p:timing>
 </p:sld>
 </file>
 
@@ -9576,71 +10671,140 @@
             <p:ph type="title"/>
           </p:nvPr>
         </p:nvSpPr>
-        <p:spPr>
-          <a:xfrm>
-            <a:off x="685800" y="0"/>
-            <a:ext cx="7765322" cy="970450"/>
-          </a:xfrm>
-        </p:spPr>
+        <p:spPr/>
         <p:txBody>
           <a:bodyPr/>
           <a:lstStyle/>
           <a:p>
             <a:r>
-              <a:rPr lang="en-US" b="1" dirty="0" smtClean="0"/>
-              <a:t>Data Model</a:t>
-            </a:r>
-            <a:endParaRPr lang="en-US" b="1" dirty="0"/>
-          </a:p>
-        </p:txBody>
-      </p:sp>
-      <p:pic>
-        <p:nvPicPr>
-          <p:cNvPr id="4" name="Picture 3" descr="Screen Clipping"/>
-          <p:cNvPicPr>
-            <a:picLocks noChangeAspect="1"/>
-          </p:cNvPicPr>
-          <p:nvPr/>
-        </p:nvPicPr>
-        <p:blipFill>
-          <a:blip r:embed="rId2">
-            <a:extLst>
-              <a:ext uri="{28A0092B-C50C-407E-A947-70E740481C1C}">
-                <a14:useLocalDpi xmlns:a14="http://schemas.microsoft.com/office/drawing/2010/main" val="0"/>
-              </a:ext>
-            </a:extLst>
-          </a:blip>
-          <a:stretch>
-            <a:fillRect/>
-          </a:stretch>
-        </p:blipFill>
-        <p:spPr>
-          <a:xfrm>
-            <a:off x="914400" y="909801"/>
-            <a:ext cx="7315200" cy="5444101"/>
-          </a:xfrm>
-          <a:prstGeom prst="rect">
-            <a:avLst/>
-          </a:prstGeom>
-        </p:spPr>
-      </p:pic>
+              <a:rPr lang="en-US" dirty="0" smtClean="0"/>
+              <a:t>API </a:t>
+            </a:r>
+            <a:r>
+              <a:rPr lang="en-US" dirty="0" smtClean="0"/>
+              <a:t>Description </a:t>
+            </a:r>
+            <a:r>
+              <a:rPr lang="en-US" dirty="0" smtClean="0"/>
+              <a:t>	</a:t>
+            </a:r>
+            <a:endParaRPr lang="en-US" dirty="0"/>
+          </a:p>
+        </p:txBody>
+      </p:sp>
+      <p:sp>
+        <p:nvSpPr>
+          <p:cNvPr id="3" name="Content Placeholder 2"/>
+          <p:cNvSpPr>
+            <a:spLocks noGrp="1"/>
+          </p:cNvSpPr>
+          <p:nvPr>
+            <p:ph idx="1"/>
+          </p:nvPr>
+        </p:nvSpPr>
+        <p:spPr/>
+        <p:txBody>
+          <a:bodyPr>
+            <a:normAutofit lnSpcReduction="10000"/>
+          </a:bodyPr>
+          <a:lstStyle/>
+          <a:p>
+            <a:r>
+              <a:rPr lang="en-US" dirty="0" smtClean="0"/>
+              <a:t>	8 different end points</a:t>
+            </a:r>
+          </a:p>
+          <a:p>
+            <a:pPr lvl="1"/>
+            <a:r>
+              <a:rPr lang="en-US" dirty="0" smtClean="0"/>
+              <a:t>Website and app use identical endpoints</a:t>
+            </a:r>
+          </a:p>
+          <a:p>
+            <a:pPr lvl="1"/>
+            <a:r>
+              <a:rPr lang="en-US" dirty="0" smtClean="0"/>
+              <a:t>Example: </a:t>
+            </a:r>
+          </a:p>
+          <a:p>
+            <a:pPr lvl="2"/>
+            <a:r>
+              <a:rPr lang="en-US" dirty="0" smtClean="0"/>
+              <a:t>When a user clocks into the system, their User ID will be sent to the API</a:t>
+            </a:r>
+          </a:p>
+          <a:p>
+            <a:pPr lvl="2"/>
+            <a:r>
+              <a:rPr lang="en-US" dirty="0" smtClean="0"/>
+              <a:t>The API will lookup their GPS coordinates, get the time zone, and then log them into the system</a:t>
+            </a:r>
+          </a:p>
+          <a:p>
+            <a:pPr lvl="2"/>
+            <a:r>
+              <a:rPr lang="en-US" dirty="0" smtClean="0"/>
+              <a:t>Removes the possibility of users injecting their own time</a:t>
+            </a:r>
+          </a:p>
+          <a:p>
+            <a:pPr lvl="3"/>
+            <a:r>
+              <a:rPr lang="en-US" dirty="0" smtClean="0"/>
+              <a:t>As would be the case if they had direct DB access</a:t>
+            </a:r>
+          </a:p>
+          <a:p>
+            <a:r>
+              <a:rPr lang="en-US" dirty="0" smtClean="0"/>
+              <a:t>AWS EC2 instance</a:t>
+            </a:r>
+          </a:p>
+          <a:p>
+            <a:pPr lvl="1"/>
+            <a:r>
+              <a:rPr lang="en-US" dirty="0" smtClean="0"/>
+              <a:t>Running Apache/PHP</a:t>
+            </a:r>
+          </a:p>
+          <a:p>
+            <a:pPr lvl="1"/>
+            <a:r>
+              <a:rPr lang="en-US" dirty="0">
+                <a:solidFill>
+                  <a:srgbClr val="FFFF00"/>
+                </a:solidFill>
+              </a:rPr>
+              <a:t>g</a:t>
+            </a:r>
+            <a:r>
+              <a:rPr lang="en-US" dirty="0" smtClean="0">
+                <a:solidFill>
+                  <a:srgbClr val="FFFF00"/>
+                </a:solidFill>
+              </a:rPr>
+              <a:t>roup6project.com</a:t>
+            </a:r>
+            <a:endParaRPr lang="en-US" dirty="0">
+              <a:solidFill>
+                <a:srgbClr val="FFFF00"/>
+              </a:solidFill>
+            </a:endParaRPr>
+          </a:p>
+        </p:txBody>
+      </p:sp>
     </p:spTree>
     <p:extLst>
       <p:ext uri="{BB962C8B-B14F-4D97-AF65-F5344CB8AC3E}">
-        <p14:creationId xmlns:p14="http://schemas.microsoft.com/office/powerpoint/2010/main" val="3703754830"/>
+        <p14:creationId xmlns:p14="http://schemas.microsoft.com/office/powerpoint/2010/main" val="4113973642"/>
       </p:ext>
     </p:extLst>
   </p:cSld>
   <p:clrMapOvr>
     <a:masterClrMapping/>
   </p:clrMapOvr>
-  <p:timing>
-    <p:tnLst>
-      <p:par>
-        <p:cTn id="1" dur="indefinite" restart="never" nodeType="tmRoot"/>
-      </p:par>
-    </p:tnLst>
-  </p:timing>
 </p:sld>
 </file>
 
@@ -9671,12 +10835,38 @@
             <p:ph type="title"/>
           </p:nvPr>
         </p:nvSpPr>
-        <p:spPr>
-          <a:xfrm>
-            <a:off x="744955" y="609600"/>
-            <a:ext cx="7765322" cy="970450"/>
-          </a:xfrm>
-        </p:spPr>
+        <p:spPr/>
+        <p:txBody>
+          <a:bodyPr/>
+          <a:lstStyle/>
+          <a:p>
+            <a:r>
+              <a:rPr lang="en-US" dirty="0" smtClean="0"/>
+              <a:t>API </a:t>
+            </a:r>
+            <a:r>
+              <a:rPr lang="en-US" dirty="0" smtClean="0"/>
+              <a:t>Interaction With the DB</a:t>
+            </a:r>
+            <a:r>
+              <a:rPr lang="en-US" dirty="0" smtClean="0"/>
+              <a:t>	</a:t>
+            </a:r>
+            <a:endParaRPr lang="en-US" dirty="0"/>
+          </a:p>
+        </p:txBody>
+      </p:sp>
+      <p:sp>
+        <p:nvSpPr>
+          <p:cNvPr id="3" name="Content Placeholder 2"/>
+          <p:cNvSpPr>
+            <a:spLocks noGrp="1"/>
+          </p:cNvSpPr>
+          <p:nvPr>
+            <p:ph idx="1"/>
+          </p:nvPr>
+        </p:nvSpPr>
+        <p:spPr/>
         <p:txBody>
           <a:bodyPr>
             <a:normAutofit/>
@@ -9684,234 +10874,79 @@
           <a:lstStyle/>
           <a:p>
             <a:r>
-              <a:rPr lang="en-US" b="1" dirty="0" smtClean="0"/>
-              <a:t>UC:1,2,3,4 </a:t>
-            </a:r>
-            <a:endParaRPr lang="en-US" b="1" dirty="0"/>
-          </a:p>
-        </p:txBody>
-      </p:sp>
-      <p:sp>
-        <p:nvSpPr>
-          <p:cNvPr id="5" name="TextBox 4"/>
-          <p:cNvSpPr txBox="1"/>
-          <p:nvPr/>
-        </p:nvSpPr>
-        <p:spPr>
-          <a:xfrm>
-            <a:off x="433078" y="1524000"/>
-            <a:ext cx="8077199" cy="2939266"/>
-          </a:xfrm>
-          <a:prstGeom prst="rect">
-            <a:avLst/>
-          </a:prstGeom>
-          <a:noFill/>
-        </p:spPr>
-        <p:txBody>
-          <a:bodyPr wrap="square" rtlCol="0">
-            <a:spAutoFit/>
-          </a:bodyPr>
-          <a:lstStyle/>
-          <a:p>
-            <a:pPr marL="342900" indent="-306000" defTabSz="457200">
-              <a:spcBef>
-                <a:spcPct val="20000"/>
-              </a:spcBef>
-              <a:spcAft>
-                <a:spcPts val="600"/>
-              </a:spcAft>
-              <a:buClr>
-                <a:schemeClr val="tx2"/>
-              </a:buClr>
-              <a:buSzPct val="70000"/>
-              <a:buFont typeface="Wingdings 2" charset="2"/>
-              <a:buChar char=""/>
-            </a:pPr>
-            <a:r>
-              <a:rPr lang="en-US" sz="2500" dirty="0" smtClean="0">
-                <a:ln>
-                  <a:solidFill>
-                    <a:schemeClr val="bg1">
-                      <a:lumMod val="75000"/>
-                      <a:lumOff val="25000"/>
-                      <a:alpha val="10000"/>
-                    </a:schemeClr>
-                  </a:solidFill>
-                </a:ln>
-                <a:solidFill>
-                  <a:schemeClr val="tx2"/>
-                </a:solidFill>
-                <a:effectLst>
-                  <a:outerShdw blurRad="9525" dist="25400" dir="14640000" algn="tl" rotWithShape="0">
-                    <a:schemeClr val="bg1">
-                      <a:alpha val="30000"/>
-                    </a:schemeClr>
-                  </a:outerShdw>
-                </a:effectLst>
-              </a:rPr>
-              <a:t>UC:1 Walk in the work place, get auto logged in by detection of their GPS coordinates</a:t>
-            </a:r>
-          </a:p>
-          <a:p>
-            <a:pPr marL="342900" indent="-306000" defTabSz="457200">
-              <a:spcBef>
-                <a:spcPct val="20000"/>
-              </a:spcBef>
-              <a:spcAft>
-                <a:spcPts val="600"/>
-              </a:spcAft>
-              <a:buClr>
-                <a:schemeClr val="tx2"/>
-              </a:buClr>
-              <a:buSzPct val="70000"/>
-              <a:buFont typeface="Wingdings 2" charset="2"/>
-              <a:buChar char=""/>
-            </a:pPr>
-            <a:r>
-              <a:rPr lang="en-US" sz="2500" dirty="0" smtClean="0">
-                <a:ln>
-                  <a:solidFill>
-                    <a:schemeClr val="bg1">
-                      <a:lumMod val="75000"/>
-                      <a:lumOff val="25000"/>
-                      <a:alpha val="10000"/>
-                    </a:schemeClr>
-                  </a:solidFill>
-                </a:ln>
-                <a:solidFill>
-                  <a:schemeClr val="tx2"/>
-                </a:solidFill>
-                <a:effectLst>
-                  <a:outerShdw blurRad="9525" dist="25400" dir="14640000" algn="tl" rotWithShape="0">
-                    <a:schemeClr val="bg1">
-                      <a:alpha val="30000"/>
-                    </a:schemeClr>
-                  </a:outerShdw>
-                </a:effectLst>
-              </a:rPr>
-              <a:t>UC:3,4  Leave / return for lunch, auto log in/out</a:t>
-            </a:r>
-          </a:p>
-          <a:p>
-            <a:pPr marL="342900" indent="-306000" defTabSz="457200">
-              <a:spcBef>
-                <a:spcPct val="20000"/>
-              </a:spcBef>
-              <a:spcAft>
-                <a:spcPts val="600"/>
-              </a:spcAft>
-              <a:buClr>
-                <a:schemeClr val="tx2"/>
-              </a:buClr>
-              <a:buSzPct val="70000"/>
-              <a:buFont typeface="Wingdings 2" charset="2"/>
-              <a:buChar char=""/>
-            </a:pPr>
-            <a:r>
-              <a:rPr lang="en-US" sz="2500" dirty="0" smtClean="0">
-                <a:ln>
-                  <a:solidFill>
-                    <a:schemeClr val="bg1">
-                      <a:lumMod val="75000"/>
-                      <a:lumOff val="25000"/>
-                      <a:alpha val="10000"/>
-                    </a:schemeClr>
-                  </a:solidFill>
-                </a:ln>
-                <a:solidFill>
-                  <a:schemeClr val="tx2"/>
-                </a:solidFill>
-                <a:effectLst>
-                  <a:outerShdw blurRad="9525" dist="25400" dir="14640000" algn="tl" rotWithShape="0">
-                    <a:schemeClr val="bg1">
-                      <a:alpha val="30000"/>
-                    </a:schemeClr>
-                  </a:outerShdw>
-                </a:effectLst>
-              </a:rPr>
-              <a:t>UC:2 Leave for the day, auto logout</a:t>
-            </a:r>
-          </a:p>
-          <a:p>
-            <a:pPr marL="36900" defTabSz="457200">
-              <a:spcBef>
-                <a:spcPct val="20000"/>
-              </a:spcBef>
-              <a:spcAft>
-                <a:spcPts val="600"/>
-              </a:spcAft>
-              <a:buClr>
-                <a:schemeClr val="tx2"/>
-              </a:buClr>
-              <a:buSzPct val="70000"/>
-            </a:pPr>
-            <a:r>
-              <a:rPr lang="en-US" sz="2500" dirty="0" smtClean="0">
-                <a:ln>
-                  <a:solidFill>
-                    <a:schemeClr val="bg1">
-                      <a:lumMod val="75000"/>
-                      <a:lumOff val="25000"/>
-                      <a:alpha val="10000"/>
-                    </a:schemeClr>
-                  </a:solidFill>
-                </a:ln>
-                <a:solidFill>
-                  <a:schemeClr val="tx2"/>
-                </a:solidFill>
-                <a:effectLst>
-                  <a:outerShdw blurRad="9525" dist="25400" dir="14640000" algn="tl" rotWithShape="0">
-                    <a:schemeClr val="bg1">
-                      <a:alpha val="30000"/>
-                    </a:schemeClr>
-                  </a:outerShdw>
-                </a:effectLst>
-              </a:rPr>
-              <a:t>Output: Employee is notified by a tone/visual </a:t>
-            </a:r>
-            <a:endParaRPr lang="en-US" sz="2500" dirty="0">
-              <a:ln>
-                <a:solidFill>
-                  <a:schemeClr val="bg1">
-                    <a:lumMod val="75000"/>
-                    <a:lumOff val="25000"/>
-                    <a:alpha val="10000"/>
-                  </a:schemeClr>
-                </a:solidFill>
-              </a:ln>
-              <a:solidFill>
-                <a:schemeClr val="tx2"/>
-              </a:solidFill>
-              <a:effectLst>
-                <a:outerShdw blurRad="9525" dist="25400" dir="14640000" algn="tl" rotWithShape="0">
-                  <a:schemeClr val="bg1">
-                    <a:alpha val="30000"/>
-                  </a:schemeClr>
-                </a:outerShdw>
-              </a:effectLst>
-            </a:endParaRPr>
-          </a:p>
-          <a:p>
-            <a:pPr marL="285750" indent="-285750">
-              <a:buFont typeface="Arial" panose="020B0604020202020204" pitchFamily="34" charset="0"/>
-              <a:buChar char="•"/>
-            </a:pPr>
-            <a:endParaRPr lang="en-US" sz="2500" dirty="0"/>
+              <a:rPr lang="en-US" dirty="0" smtClean="0"/>
+              <a:t>The API solely interacts with the DB through SP’s</a:t>
+            </a:r>
+          </a:p>
+          <a:p>
+            <a:pPr lvl="1"/>
+            <a:r>
+              <a:rPr lang="en-US" dirty="0" smtClean="0"/>
+              <a:t>Removes the need for the API to know DB Schema</a:t>
+            </a:r>
+          </a:p>
+          <a:p>
+            <a:pPr lvl="1"/>
+            <a:r>
+              <a:rPr lang="en-US" dirty="0" smtClean="0"/>
+              <a:t>Allows for the DB to handle more logical operations</a:t>
+            </a:r>
+          </a:p>
+          <a:p>
+            <a:pPr lvl="2"/>
+            <a:r>
+              <a:rPr lang="en-US" dirty="0" smtClean="0"/>
+              <a:t>Returns only the exact data needed </a:t>
+            </a:r>
+          </a:p>
+          <a:p>
+            <a:pPr lvl="2"/>
+            <a:r>
+              <a:rPr lang="en-US" dirty="0" smtClean="0"/>
+              <a:t>DB Schema can be modified without the need to change many API operations </a:t>
+            </a:r>
+          </a:p>
+          <a:p>
+            <a:pPr lvl="2"/>
+            <a:r>
+              <a:rPr lang="en-US" dirty="0" smtClean="0"/>
+              <a:t>Only DB SP’s and views would need to be changed</a:t>
+            </a:r>
+            <a:endParaRPr lang="en-US" dirty="0"/>
+          </a:p>
+          <a:p>
+            <a:pPr lvl="1"/>
+            <a:r>
+              <a:rPr lang="en-US" dirty="0" smtClean="0"/>
+              <a:t>Reduces the data transferred between DB and API</a:t>
+            </a:r>
+          </a:p>
+          <a:p>
+            <a:pPr lvl="2"/>
+            <a:r>
+              <a:rPr lang="en-US" dirty="0" smtClean="0"/>
+              <a:t>DB can be physically very distant from the web server</a:t>
+            </a:r>
+          </a:p>
+          <a:p>
+            <a:pPr lvl="3"/>
+            <a:r>
+              <a:rPr lang="en-US" dirty="0" smtClean="0"/>
+              <a:t>Where is the DB located for this project?</a:t>
+            </a:r>
           </a:p>
         </p:txBody>
       </p:sp>
     </p:spTree>
+    <p:extLst>
+      <p:ext uri="{BB962C8B-B14F-4D97-AF65-F5344CB8AC3E}">
+        <p14:creationId xmlns:p14="http://schemas.microsoft.com/office/powerpoint/2010/main" val="1573642599"/>
+      </p:ext>
+    </p:extLst>
   </p:cSld>
   <p:clrMapOvr>
     <a:masterClrMapping/>
   </p:clrMapOvr>
-  <p:timing>
-    <p:tnLst>
-      <p:par>
-        <p:cTn id="1" dur="indefinite" restart="never" nodeType="tmRoot"/>
-      </p:par>
-    </p:tnLst>
-  </p:timing>
 </p:sld>
 </file>
 
@@ -9949,7 +10984,11 @@
           <a:p>
             <a:r>
               <a:rPr lang="en-US" dirty="0" smtClean="0"/>
-              <a:t>GPS Service class </a:t>
+              <a:t>Application Internal Logic</a:t>
+            </a:r>
+            <a:r>
+              <a:rPr lang="en-US" dirty="0" smtClean="0"/>
+              <a:t>	</a:t>
             </a:r>
             <a:endParaRPr lang="en-US" dirty="0"/>
           </a:p>
@@ -9967,21 +11006,93 @@
         </p:nvSpPr>
         <p:spPr/>
         <p:txBody>
-          <a:bodyPr/>
+          <a:bodyPr>
+            <a:normAutofit/>
+          </a:bodyPr>
           <a:lstStyle/>
           <a:p>
             <a:r>
               <a:rPr lang="en-US" dirty="0" smtClean="0"/>
-              <a:t>David, explain functions in GPS service and how we hook it to app</a:t>
-            </a:r>
-            <a:endParaRPr lang="en-US" dirty="0"/>
+              <a:t>All communication flows through a Transporter class</a:t>
+            </a:r>
+          </a:p>
+          <a:p>
+            <a:pPr lvl="1"/>
+            <a:r>
+              <a:rPr lang="en-US" dirty="0" smtClean="0"/>
+              <a:t>Login, GPS updates, setting schedule, getting schedule, etc.</a:t>
+            </a:r>
+          </a:p>
+          <a:p>
+            <a:pPr lvl="1"/>
+            <a:r>
+              <a:rPr lang="en-US" dirty="0" smtClean="0"/>
+              <a:t>Transporter accepts GET/POST request with URL and parameters </a:t>
+            </a:r>
+          </a:p>
+          <a:p>
+            <a:pPr lvl="2"/>
+            <a:r>
+              <a:rPr lang="en-US" dirty="0" smtClean="0"/>
+              <a:t>Returns a JSON object to the calling method, usually a </a:t>
+            </a:r>
+            <a:r>
+              <a:rPr lang="en-US" dirty="0"/>
+              <a:t>U</a:t>
+            </a:r>
+            <a:r>
+              <a:rPr lang="en-US" dirty="0" smtClean="0"/>
+              <a:t>tilities class</a:t>
+            </a:r>
+          </a:p>
+          <a:p>
+            <a:pPr lvl="1"/>
+            <a:r>
+              <a:rPr lang="en-US" dirty="0" smtClean="0"/>
+              <a:t>Acts almost as an internal API for all requests to flow through</a:t>
+            </a:r>
+          </a:p>
+          <a:p>
+            <a:pPr lvl="1"/>
+            <a:r>
+              <a:rPr lang="en-US" dirty="0" smtClean="0"/>
+              <a:t>Greatly reduces the complexity of the app and amount of code written</a:t>
+            </a:r>
+          </a:p>
+          <a:p>
+            <a:pPr lvl="2"/>
+            <a:r>
+              <a:rPr lang="en-US" dirty="0" smtClean="0"/>
+              <a:t>HTTP requests can be somewhat complex </a:t>
+            </a:r>
+          </a:p>
+          <a:p>
+            <a:pPr lvl="2"/>
+            <a:r>
+              <a:rPr lang="en-US" dirty="0" smtClean="0"/>
+              <a:t>Very lengthy to write in Java</a:t>
+            </a:r>
+          </a:p>
+          <a:p>
+            <a:pPr lvl="1"/>
+            <a:endParaRPr lang="en-US" dirty="0" smtClean="0"/>
+          </a:p>
+          <a:p>
+            <a:pPr marL="450000" lvl="1" indent="0">
+              <a:buNone/>
+            </a:pPr>
+            <a:endParaRPr lang="en-US" dirty="0" smtClean="0"/>
+          </a:p>
+          <a:p>
+            <a:pPr lvl="1"/>
+            <a:endParaRPr lang="en-US" dirty="0" smtClean="0"/>
           </a:p>
         </p:txBody>
       </p:sp>
     </p:spTree>
     <p:extLst>
       <p:ext uri="{BB962C8B-B14F-4D97-AF65-F5344CB8AC3E}">
-        <p14:creationId xmlns:p14="http://schemas.microsoft.com/office/powerpoint/2010/main" val="680023946"/>
+        <p14:creationId xmlns:p14="http://schemas.microsoft.com/office/powerpoint/2010/main" val="2838255134"/>
       </p:ext>
     </p:extLst>
   </p:cSld>
